--- a/第一届机器学习培训班/第一届机器学习实战班.pptx
+++ b/第一届机器学习培训班/第一届机器学习实战班.pptx
@@ -2,32 +2,46 @@
 <file path=ppt/presentation.xml><?xml version="1.0" encoding="utf-8"?>
 <p:presentation xmlns:a="http://schemas.openxmlformats.org/drawingml/2006/main" xmlns:r="http://schemas.openxmlformats.org/officeDocument/2006/relationships" xmlns:p="http://schemas.openxmlformats.org/presentationml/2006/main" saveSubsetFonts="1">
   <p:sldMasterIdLst>
-    <p:sldMasterId id="2147483714" r:id="rId1"/>
+    <p:sldMasterId id="2147483727" r:id="rId1"/>
   </p:sldMasterIdLst>
+  <p:notesMasterIdLst>
+    <p:notesMasterId r:id="rId28"/>
+  </p:notesMasterIdLst>
   <p:sldIdLst>
     <p:sldId id="256" r:id="rId2"/>
     <p:sldId id="379" r:id="rId3"/>
     <p:sldId id="257" r:id="rId4"/>
-    <p:sldId id="258" r:id="rId5"/>
-    <p:sldId id="378" r:id="rId6"/>
-    <p:sldId id="301" r:id="rId7"/>
-    <p:sldId id="371" r:id="rId8"/>
-    <p:sldId id="372" r:id="rId9"/>
-    <p:sldId id="373" r:id="rId10"/>
-    <p:sldId id="374" r:id="rId11"/>
-    <p:sldId id="375" r:id="rId12"/>
-    <p:sldId id="370" r:id="rId13"/>
-    <p:sldId id="259" r:id="rId14"/>
-    <p:sldId id="377" r:id="rId15"/>
-    <p:sldId id="376" r:id="rId16"/>
+    <p:sldId id="322" r:id="rId5"/>
+    <p:sldId id="380" r:id="rId6"/>
+    <p:sldId id="318" r:id="rId7"/>
+    <p:sldId id="337" r:id="rId8"/>
+    <p:sldId id="381" r:id="rId9"/>
+    <p:sldId id="338" r:id="rId10"/>
+    <p:sldId id="339" r:id="rId11"/>
+    <p:sldId id="340" r:id="rId12"/>
+    <p:sldId id="342" r:id="rId13"/>
+    <p:sldId id="341" r:id="rId14"/>
+    <p:sldId id="348" r:id="rId15"/>
+    <p:sldId id="351" r:id="rId16"/>
+    <p:sldId id="383" r:id="rId17"/>
+    <p:sldId id="301" r:id="rId18"/>
+    <p:sldId id="371" r:id="rId19"/>
+    <p:sldId id="372" r:id="rId20"/>
+    <p:sldId id="373" r:id="rId21"/>
+    <p:sldId id="374" r:id="rId22"/>
+    <p:sldId id="375" r:id="rId23"/>
+    <p:sldId id="370" r:id="rId24"/>
+    <p:sldId id="259" r:id="rId25"/>
+    <p:sldId id="377" r:id="rId26"/>
+    <p:sldId id="376" r:id="rId27"/>
   </p:sldIdLst>
   <p:sldSz cx="12192000" cy="6858000"/>
   <p:notesSz cx="6858000" cy="9144000"/>
   <p:defaultTextStyle>
     <a:defPPr>
-      <a:defRPr lang="zh-CN"/>
+      <a:defRPr lang="en-US"/>
     </a:defPPr>
-    <a:lvl1pPr marL="0" algn="l" defTabSz="914400" rtl="0" eaLnBrk="1" latinLnBrk="0" hangingPunct="1">
+    <a:lvl1pPr marL="0" algn="l" defTabSz="457200" rtl="0" eaLnBrk="1" latinLnBrk="0" hangingPunct="1">
       <a:defRPr sz="1800" kern="1200">
         <a:solidFill>
           <a:schemeClr val="tx1"/>
@@ -37,7 +51,7 @@
         <a:cs typeface="+mn-cs"/>
       </a:defRPr>
     </a:lvl1pPr>
-    <a:lvl2pPr marL="457200" algn="l" defTabSz="914400" rtl="0" eaLnBrk="1" latinLnBrk="0" hangingPunct="1">
+    <a:lvl2pPr marL="457200" algn="l" defTabSz="457200" rtl="0" eaLnBrk="1" latinLnBrk="0" hangingPunct="1">
       <a:defRPr sz="1800" kern="1200">
         <a:solidFill>
           <a:schemeClr val="tx1"/>
@@ -47,7 +61,7 @@
         <a:cs typeface="+mn-cs"/>
       </a:defRPr>
     </a:lvl2pPr>
-    <a:lvl3pPr marL="914400" algn="l" defTabSz="914400" rtl="0" eaLnBrk="1" latinLnBrk="0" hangingPunct="1">
+    <a:lvl3pPr marL="914400" algn="l" defTabSz="457200" rtl="0" eaLnBrk="1" latinLnBrk="0" hangingPunct="1">
       <a:defRPr sz="1800" kern="1200">
         <a:solidFill>
           <a:schemeClr val="tx1"/>
@@ -57,7 +71,7 @@
         <a:cs typeface="+mn-cs"/>
       </a:defRPr>
     </a:lvl3pPr>
-    <a:lvl4pPr marL="1371600" algn="l" defTabSz="914400" rtl="0" eaLnBrk="1" latinLnBrk="0" hangingPunct="1">
+    <a:lvl4pPr marL="1371600" algn="l" defTabSz="457200" rtl="0" eaLnBrk="1" latinLnBrk="0" hangingPunct="1">
       <a:defRPr sz="1800" kern="1200">
         <a:solidFill>
           <a:schemeClr val="tx1"/>
@@ -67,7 +81,7 @@
         <a:cs typeface="+mn-cs"/>
       </a:defRPr>
     </a:lvl4pPr>
-    <a:lvl5pPr marL="1828800" algn="l" defTabSz="914400" rtl="0" eaLnBrk="1" latinLnBrk="0" hangingPunct="1">
+    <a:lvl5pPr marL="1828800" algn="l" defTabSz="457200" rtl="0" eaLnBrk="1" latinLnBrk="0" hangingPunct="1">
       <a:defRPr sz="1800" kern="1200">
         <a:solidFill>
           <a:schemeClr val="tx1"/>
@@ -77,7 +91,7 @@
         <a:cs typeface="+mn-cs"/>
       </a:defRPr>
     </a:lvl5pPr>
-    <a:lvl6pPr marL="2286000" algn="l" defTabSz="914400" rtl="0" eaLnBrk="1" latinLnBrk="0" hangingPunct="1">
+    <a:lvl6pPr marL="2286000" algn="l" defTabSz="457200" rtl="0" eaLnBrk="1" latinLnBrk="0" hangingPunct="1">
       <a:defRPr sz="1800" kern="1200">
         <a:solidFill>
           <a:schemeClr val="tx1"/>
@@ -87,7 +101,7 @@
         <a:cs typeface="+mn-cs"/>
       </a:defRPr>
     </a:lvl6pPr>
-    <a:lvl7pPr marL="2743200" algn="l" defTabSz="914400" rtl="0" eaLnBrk="1" latinLnBrk="0" hangingPunct="1">
+    <a:lvl7pPr marL="2743200" algn="l" defTabSz="457200" rtl="0" eaLnBrk="1" latinLnBrk="0" hangingPunct="1">
       <a:defRPr sz="1800" kern="1200">
         <a:solidFill>
           <a:schemeClr val="tx1"/>
@@ -97,7 +111,7 @@
         <a:cs typeface="+mn-cs"/>
       </a:defRPr>
     </a:lvl7pPr>
-    <a:lvl8pPr marL="3200400" algn="l" defTabSz="914400" rtl="0" eaLnBrk="1" latinLnBrk="0" hangingPunct="1">
+    <a:lvl8pPr marL="3200400" algn="l" defTabSz="457200" rtl="0" eaLnBrk="1" latinLnBrk="0" hangingPunct="1">
       <a:defRPr sz="1800" kern="1200">
         <a:solidFill>
           <a:schemeClr val="tx1"/>
@@ -107,7 +121,7 @@
         <a:cs typeface="+mn-cs"/>
       </a:defRPr>
     </a:lvl8pPr>
-    <a:lvl9pPr marL="3657600" algn="l" defTabSz="914400" rtl="0" eaLnBrk="1" latinLnBrk="0" hangingPunct="1">
+    <a:lvl9pPr marL="3657600" algn="l" defTabSz="457200" rtl="0" eaLnBrk="1" latinLnBrk="0" hangingPunct="1">
       <a:defRPr sz="1800" kern="1200">
         <a:solidFill>
           <a:schemeClr val="tx1"/>
@@ -4042,6 +4056,421 @@
 </dgm:styleDef>
 </file>
 
+<file path=ppt/notesMasters/notesMaster1.xml><?xml version="1.0" encoding="utf-8"?>
+<p:notesMaster xmlns:a="http://schemas.openxmlformats.org/drawingml/2006/main" xmlns:r="http://schemas.openxmlformats.org/officeDocument/2006/relationships" xmlns:p="http://schemas.openxmlformats.org/presentationml/2006/main">
+  <p:cSld>
+    <p:bg>
+      <p:bgRef idx="1001">
+        <a:schemeClr val="bg1"/>
+      </p:bgRef>
+    </p:bg>
+    <p:spTree>
+      <p:nvGrpSpPr>
+        <p:cNvPr id="1" name=""/>
+        <p:cNvGrpSpPr/>
+        <p:nvPr/>
+      </p:nvGrpSpPr>
+      <p:grpSpPr>
+        <a:xfrm>
+          <a:off x="0" y="0"/>
+          <a:ext cx="0" cy="0"/>
+          <a:chOff x="0" y="0"/>
+          <a:chExt cx="0" cy="0"/>
+        </a:xfrm>
+      </p:grpSpPr>
+      <p:sp>
+        <p:nvSpPr>
+          <p:cNvPr id="2" name="页眉占位符 1"/>
+          <p:cNvSpPr>
+            <a:spLocks noGrp="1"/>
+          </p:cNvSpPr>
+          <p:nvPr>
+            <p:ph type="hdr" sz="quarter"/>
+          </p:nvPr>
+        </p:nvSpPr>
+        <p:spPr>
+          <a:xfrm>
+            <a:off x="0" y="0"/>
+            <a:ext cx="2971800" cy="458788"/>
+          </a:xfrm>
+          <a:prstGeom prst="rect">
+            <a:avLst/>
+          </a:prstGeom>
+        </p:spPr>
+        <p:txBody>
+          <a:bodyPr vert="horz" lIns="91440" tIns="45720" rIns="91440" bIns="45720" rtlCol="0"/>
+          <a:lstStyle>
+            <a:lvl1pPr algn="l">
+              <a:defRPr sz="1200"/>
+            </a:lvl1pPr>
+          </a:lstStyle>
+          <a:p>
+            <a:endParaRPr lang="zh-CN" altLang="en-US"/>
+          </a:p>
+        </p:txBody>
+      </p:sp>
+      <p:sp>
+        <p:nvSpPr>
+          <p:cNvPr id="3" name="日期占位符 2"/>
+          <p:cNvSpPr>
+            <a:spLocks noGrp="1"/>
+          </p:cNvSpPr>
+          <p:nvPr>
+            <p:ph type="dt" idx="1"/>
+          </p:nvPr>
+        </p:nvSpPr>
+        <p:spPr>
+          <a:xfrm>
+            <a:off x="3884613" y="0"/>
+            <a:ext cx="2971800" cy="458788"/>
+          </a:xfrm>
+          <a:prstGeom prst="rect">
+            <a:avLst/>
+          </a:prstGeom>
+        </p:spPr>
+        <p:txBody>
+          <a:bodyPr vert="horz" lIns="91440" tIns="45720" rIns="91440" bIns="45720" rtlCol="0"/>
+          <a:lstStyle>
+            <a:lvl1pPr algn="r">
+              <a:defRPr sz="1200"/>
+            </a:lvl1pPr>
+          </a:lstStyle>
+          <a:p>
+            <a:fld id="{F9240C15-84E4-4753-B92D-ACDA520CEF05}" type="datetimeFigureOut">
+              <a:rPr lang="zh-CN" altLang="en-US" smtClean="0"/>
+              <a:t>2020/12/4</a:t>
+            </a:fld>
+            <a:endParaRPr lang="zh-CN" altLang="en-US"/>
+          </a:p>
+        </p:txBody>
+      </p:sp>
+      <p:sp>
+        <p:nvSpPr>
+          <p:cNvPr id="4" name="幻灯片图像占位符 3"/>
+          <p:cNvSpPr>
+            <a:spLocks noGrp="1" noRot="1" noChangeAspect="1"/>
+          </p:cNvSpPr>
+          <p:nvPr>
+            <p:ph type="sldImg" idx="2"/>
+          </p:nvPr>
+        </p:nvSpPr>
+        <p:spPr>
+          <a:xfrm>
+            <a:off x="685800" y="1143000"/>
+            <a:ext cx="5486400" cy="3086100"/>
+          </a:xfrm>
+          <a:prstGeom prst="rect">
+            <a:avLst/>
+          </a:prstGeom>
+          <a:noFill/>
+          <a:ln w="12700">
+            <a:solidFill>
+              <a:prstClr val="black"/>
+            </a:solidFill>
+          </a:ln>
+        </p:spPr>
+        <p:txBody>
+          <a:bodyPr vert="horz" lIns="91440" tIns="45720" rIns="91440" bIns="45720" rtlCol="0" anchor="ctr"/>
+          <a:lstStyle/>
+          <a:p>
+            <a:endParaRPr lang="zh-CN" altLang="en-US"/>
+          </a:p>
+        </p:txBody>
+      </p:sp>
+      <p:sp>
+        <p:nvSpPr>
+          <p:cNvPr id="5" name="备注占位符 4"/>
+          <p:cNvSpPr>
+            <a:spLocks noGrp="1"/>
+          </p:cNvSpPr>
+          <p:nvPr>
+            <p:ph type="body" sz="quarter" idx="3"/>
+          </p:nvPr>
+        </p:nvSpPr>
+        <p:spPr>
+          <a:xfrm>
+            <a:off x="685800" y="4400550"/>
+            <a:ext cx="5486400" cy="3600450"/>
+          </a:xfrm>
+          <a:prstGeom prst="rect">
+            <a:avLst/>
+          </a:prstGeom>
+        </p:spPr>
+        <p:txBody>
+          <a:bodyPr vert="horz" lIns="91440" tIns="45720" rIns="91440" bIns="45720" rtlCol="0"/>
+          <a:lstStyle/>
+          <a:p>
+            <a:pPr lvl="0"/>
+            <a:r>
+              <a:rPr lang="zh-CN" altLang="en-US"/>
+              <a:t>单击此处编辑母版文本样式</a:t>
+            </a:r>
+          </a:p>
+          <a:p>
+            <a:pPr lvl="1"/>
+            <a:r>
+              <a:rPr lang="zh-CN" altLang="en-US"/>
+              <a:t>二级</a:t>
+            </a:r>
+          </a:p>
+          <a:p>
+            <a:pPr lvl="2"/>
+            <a:r>
+              <a:rPr lang="zh-CN" altLang="en-US"/>
+              <a:t>三级</a:t>
+            </a:r>
+          </a:p>
+          <a:p>
+            <a:pPr lvl="3"/>
+            <a:r>
+              <a:rPr lang="zh-CN" altLang="en-US"/>
+              <a:t>四级</a:t>
+            </a:r>
+          </a:p>
+          <a:p>
+            <a:pPr lvl="4"/>
+            <a:r>
+              <a:rPr lang="zh-CN" altLang="en-US"/>
+              <a:t>五级</a:t>
+            </a:r>
+          </a:p>
+        </p:txBody>
+      </p:sp>
+      <p:sp>
+        <p:nvSpPr>
+          <p:cNvPr id="6" name="页脚占位符 5"/>
+          <p:cNvSpPr>
+            <a:spLocks noGrp="1"/>
+          </p:cNvSpPr>
+          <p:nvPr>
+            <p:ph type="ftr" sz="quarter" idx="4"/>
+          </p:nvPr>
+        </p:nvSpPr>
+        <p:spPr>
+          <a:xfrm>
+            <a:off x="0" y="8685213"/>
+            <a:ext cx="2971800" cy="458787"/>
+          </a:xfrm>
+          <a:prstGeom prst="rect">
+            <a:avLst/>
+          </a:prstGeom>
+        </p:spPr>
+        <p:txBody>
+          <a:bodyPr vert="horz" lIns="91440" tIns="45720" rIns="91440" bIns="45720" rtlCol="0" anchor="b"/>
+          <a:lstStyle>
+            <a:lvl1pPr algn="l">
+              <a:defRPr sz="1200"/>
+            </a:lvl1pPr>
+          </a:lstStyle>
+          <a:p>
+            <a:endParaRPr lang="zh-CN" altLang="en-US"/>
+          </a:p>
+        </p:txBody>
+      </p:sp>
+      <p:sp>
+        <p:nvSpPr>
+          <p:cNvPr id="7" name="灯片编号占位符 6"/>
+          <p:cNvSpPr>
+            <a:spLocks noGrp="1"/>
+          </p:cNvSpPr>
+          <p:nvPr>
+            <p:ph type="sldNum" sz="quarter" idx="5"/>
+          </p:nvPr>
+        </p:nvSpPr>
+        <p:spPr>
+          <a:xfrm>
+            <a:off x="3884613" y="8685213"/>
+            <a:ext cx="2971800" cy="458787"/>
+          </a:xfrm>
+          <a:prstGeom prst="rect">
+            <a:avLst/>
+          </a:prstGeom>
+        </p:spPr>
+        <p:txBody>
+          <a:bodyPr vert="horz" lIns="91440" tIns="45720" rIns="91440" bIns="45720" rtlCol="0" anchor="b"/>
+          <a:lstStyle>
+            <a:lvl1pPr algn="r">
+              <a:defRPr sz="1200"/>
+            </a:lvl1pPr>
+          </a:lstStyle>
+          <a:p>
+            <a:fld id="{9C878CF3-C920-4DE9-9587-4FCDAF6D5E65}" type="slidenum">
+              <a:rPr lang="zh-CN" altLang="en-US" smtClean="0"/>
+              <a:t>‹#›</a:t>
+            </a:fld>
+            <a:endParaRPr lang="zh-CN" altLang="en-US"/>
+          </a:p>
+        </p:txBody>
+      </p:sp>
+    </p:spTree>
+    <p:extLst>
+      <p:ext uri="{BB962C8B-B14F-4D97-AF65-F5344CB8AC3E}">
+        <p14:creationId xmlns:p14="http://schemas.microsoft.com/office/powerpoint/2010/main" val="1856998511"/>
+      </p:ext>
+    </p:extLst>
+  </p:cSld>
+  <p:clrMap bg1="lt1" tx1="dk1" bg2="lt2" tx2="dk2" accent1="accent1" accent2="accent2" accent3="accent3" accent4="accent4" accent5="accent5" accent6="accent6" hlink="hlink" folHlink="folHlink"/>
+  <p:notesStyle>
+    <a:lvl1pPr marL="0" algn="l" defTabSz="914400" rtl="0" eaLnBrk="1" latinLnBrk="0" hangingPunct="1">
+      <a:defRPr sz="1200" kern="1200">
+        <a:solidFill>
+          <a:schemeClr val="tx1"/>
+        </a:solidFill>
+        <a:latin typeface="+mn-lt"/>
+        <a:ea typeface="+mn-ea"/>
+        <a:cs typeface="+mn-cs"/>
+      </a:defRPr>
+    </a:lvl1pPr>
+    <a:lvl2pPr marL="457200" algn="l" defTabSz="914400" rtl="0" eaLnBrk="1" latinLnBrk="0" hangingPunct="1">
+      <a:defRPr sz="1200" kern="1200">
+        <a:solidFill>
+          <a:schemeClr val="tx1"/>
+        </a:solidFill>
+        <a:latin typeface="+mn-lt"/>
+        <a:ea typeface="+mn-ea"/>
+        <a:cs typeface="+mn-cs"/>
+      </a:defRPr>
+    </a:lvl2pPr>
+    <a:lvl3pPr marL="914400" algn="l" defTabSz="914400" rtl="0" eaLnBrk="1" latinLnBrk="0" hangingPunct="1">
+      <a:defRPr sz="1200" kern="1200">
+        <a:solidFill>
+          <a:schemeClr val="tx1"/>
+        </a:solidFill>
+        <a:latin typeface="+mn-lt"/>
+        <a:ea typeface="+mn-ea"/>
+        <a:cs typeface="+mn-cs"/>
+      </a:defRPr>
+    </a:lvl3pPr>
+    <a:lvl4pPr marL="1371600" algn="l" defTabSz="914400" rtl="0" eaLnBrk="1" latinLnBrk="0" hangingPunct="1">
+      <a:defRPr sz="1200" kern="1200">
+        <a:solidFill>
+          <a:schemeClr val="tx1"/>
+        </a:solidFill>
+        <a:latin typeface="+mn-lt"/>
+        <a:ea typeface="+mn-ea"/>
+        <a:cs typeface="+mn-cs"/>
+      </a:defRPr>
+    </a:lvl4pPr>
+    <a:lvl5pPr marL="1828800" algn="l" defTabSz="914400" rtl="0" eaLnBrk="1" latinLnBrk="0" hangingPunct="1">
+      <a:defRPr sz="1200" kern="1200">
+        <a:solidFill>
+          <a:schemeClr val="tx1"/>
+        </a:solidFill>
+        <a:latin typeface="+mn-lt"/>
+        <a:ea typeface="+mn-ea"/>
+        <a:cs typeface="+mn-cs"/>
+      </a:defRPr>
+    </a:lvl5pPr>
+    <a:lvl6pPr marL="2286000" algn="l" defTabSz="914400" rtl="0" eaLnBrk="1" latinLnBrk="0" hangingPunct="1">
+      <a:defRPr sz="1200" kern="1200">
+        <a:solidFill>
+          <a:schemeClr val="tx1"/>
+        </a:solidFill>
+        <a:latin typeface="+mn-lt"/>
+        <a:ea typeface="+mn-ea"/>
+        <a:cs typeface="+mn-cs"/>
+      </a:defRPr>
+    </a:lvl6pPr>
+    <a:lvl7pPr marL="2743200" algn="l" defTabSz="914400" rtl="0" eaLnBrk="1" latinLnBrk="0" hangingPunct="1">
+      <a:defRPr sz="1200" kern="1200">
+        <a:solidFill>
+          <a:schemeClr val="tx1"/>
+        </a:solidFill>
+        <a:latin typeface="+mn-lt"/>
+        <a:ea typeface="+mn-ea"/>
+        <a:cs typeface="+mn-cs"/>
+      </a:defRPr>
+    </a:lvl7pPr>
+    <a:lvl8pPr marL="3200400" algn="l" defTabSz="914400" rtl="0" eaLnBrk="1" latinLnBrk="0" hangingPunct="1">
+      <a:defRPr sz="1200" kern="1200">
+        <a:solidFill>
+          <a:schemeClr val="tx1"/>
+        </a:solidFill>
+        <a:latin typeface="+mn-lt"/>
+        <a:ea typeface="+mn-ea"/>
+        <a:cs typeface="+mn-cs"/>
+      </a:defRPr>
+    </a:lvl8pPr>
+    <a:lvl9pPr marL="3657600" algn="l" defTabSz="914400" rtl="0" eaLnBrk="1" latinLnBrk="0" hangingPunct="1">
+      <a:defRPr sz="1200" kern="1200">
+        <a:solidFill>
+          <a:schemeClr val="tx1"/>
+        </a:solidFill>
+        <a:latin typeface="+mn-lt"/>
+        <a:ea typeface="+mn-ea"/>
+        <a:cs typeface="+mn-cs"/>
+      </a:defRPr>
+    </a:lvl9pPr>
+  </p:notesStyle>
+</p:notesMaster>
+</file>
+
+<file path=ppt/notesSlides/notesSlide1.xml><?xml version="1.0" encoding="utf-8"?>
+<p:notes xmlns:a="http://schemas.openxmlformats.org/drawingml/2006/main" xmlns:r="http://schemas.openxmlformats.org/officeDocument/2006/relationships" xmlns:p="http://schemas.openxmlformats.org/presentationml/2006/main">
+  <p:cSld>
+    <p:spTree>
+      <p:nvGrpSpPr>
+        <p:cNvPr id="1" name=""/>
+        <p:cNvGrpSpPr/>
+        <p:nvPr/>
+      </p:nvGrpSpPr>
+      <p:grpSpPr>
+        <a:xfrm>
+          <a:off x="0" y="0"/>
+          <a:ext cx="0" cy="0"/>
+          <a:chOff x="0" y="0"/>
+          <a:chExt cx="0" cy="0"/>
+        </a:xfrm>
+      </p:grpSpPr>
+      <p:sp>
+        <p:nvSpPr>
+          <p:cNvPr id="2" name="幻灯片图像占位符 1"/>
+          <p:cNvSpPr>
+            <a:spLocks noGrp="1" noRot="1" noChangeAspect="1"/>
+          </p:cNvSpPr>
+          <p:nvPr>
+            <p:ph type="sldImg"/>
+          </p:nvPr>
+        </p:nvSpPr>
+        <p:spPr>
+          <a:xfrm>
+            <a:off x="381000" y="685800"/>
+            <a:ext cx="6096000" cy="3429000"/>
+          </a:xfrm>
+        </p:spPr>
+      </p:sp>
+      <p:sp>
+        <p:nvSpPr>
+          <p:cNvPr id="3" name="备注占位符 2"/>
+          <p:cNvSpPr>
+            <a:spLocks noGrp="1"/>
+          </p:cNvSpPr>
+          <p:nvPr>
+            <p:ph type="body" idx="1"/>
+          </p:nvPr>
+        </p:nvSpPr>
+        <p:spPr/>
+        <p:txBody>
+          <a:bodyPr/>
+          <a:lstStyle/>
+          <a:p>
+            <a:endParaRPr lang="zh-CN" altLang="en-US" dirty="0"/>
+          </a:p>
+        </p:txBody>
+      </p:sp>
+    </p:spTree>
+    <p:extLst>
+      <p:ext uri="{BB962C8B-B14F-4D97-AF65-F5344CB8AC3E}">
+        <p14:creationId xmlns:p14="http://schemas.microsoft.com/office/powerpoint/2010/main" val="3047299950"/>
+      </p:ext>
+    </p:extLst>
+  </p:cSld>
+  <p:clrMapOvr>
+    <a:masterClrMapping/>
+  </p:clrMapOvr>
+</p:notes>
+</file>
+
 <file path=ppt/slideLayouts/slideLayout1.xml><?xml version="1.0" encoding="utf-8"?>
 <p:sldLayout xmlns:a="http://schemas.openxmlformats.org/drawingml/2006/main" xmlns:r="http://schemas.openxmlformats.org/officeDocument/2006/relationships" xmlns:p="http://schemas.openxmlformats.org/presentationml/2006/main" type="title" preserve="1">
   <p:cSld name="标题幻灯片">
@@ -4061,13 +4490,7 @@
       </p:grpSpPr>
       <p:sp>
         <p:nvSpPr>
-          <p:cNvPr id="2" name="标题 1">
-            <a:extLst>
-              <a:ext uri="{FF2B5EF4-FFF2-40B4-BE49-F238E27FC236}">
-                <a16:creationId xmlns:a16="http://schemas.microsoft.com/office/drawing/2014/main" id="{B791EFDA-0E46-4654-B2E4-4FF46EBB0B4D}"/>
-              </a:ext>
-            </a:extLst>
-          </p:cNvPr>
+          <p:cNvPr id="2" name="Title 1"/>
           <p:cNvSpPr>
             <a:spLocks noGrp="1"/>
           </p:cNvSpPr>
@@ -4093,18 +4516,13 @@
               <a:rPr lang="zh-CN" altLang="en-US"/>
               <a:t>单击此处编辑母版标题样式</a:t>
             </a:r>
+            <a:endParaRPr lang="en-US" dirty="0"/>
           </a:p>
         </p:txBody>
       </p:sp>
       <p:sp>
         <p:nvSpPr>
-          <p:cNvPr id="3" name="副标题 2">
-            <a:extLst>
-              <a:ext uri="{FF2B5EF4-FFF2-40B4-BE49-F238E27FC236}">
-                <a16:creationId xmlns:a16="http://schemas.microsoft.com/office/drawing/2014/main" id="{1B8F003F-0F5A-4C7A-B1E1-9EBE0EBAD16B}"/>
-              </a:ext>
-            </a:extLst>
-          </p:cNvPr>
+          <p:cNvPr id="3" name="Subtitle 2"/>
           <p:cNvSpPr>
             <a:spLocks noGrp="1"/>
           </p:cNvSpPr>
@@ -4163,18 +4581,13 @@
               <a:rPr lang="zh-CN" altLang="en-US"/>
               <a:t>单击此处编辑母版副标题样式</a:t>
             </a:r>
+            <a:endParaRPr lang="en-US" dirty="0"/>
           </a:p>
         </p:txBody>
       </p:sp>
       <p:sp>
         <p:nvSpPr>
-          <p:cNvPr id="4" name="日期占位符 3">
-            <a:extLst>
-              <a:ext uri="{FF2B5EF4-FFF2-40B4-BE49-F238E27FC236}">
-                <a16:creationId xmlns:a16="http://schemas.microsoft.com/office/drawing/2014/main" id="{FA06C8EE-D842-49FC-AAFD-F91FE5320B64}"/>
-              </a:ext>
-            </a:extLst>
-          </p:cNvPr>
+          <p:cNvPr id="4" name="Date Placeholder 3"/>
           <p:cNvSpPr>
             <a:spLocks noGrp="1"/>
           </p:cNvSpPr>
@@ -4197,13 +4610,7 @@
       </p:sp>
       <p:sp>
         <p:nvSpPr>
-          <p:cNvPr id="5" name="页脚占位符 4">
-            <a:extLst>
-              <a:ext uri="{FF2B5EF4-FFF2-40B4-BE49-F238E27FC236}">
-                <a16:creationId xmlns:a16="http://schemas.microsoft.com/office/drawing/2014/main" id="{FBF071F4-CB72-4D48-B56B-EBAF7DD4830D}"/>
-              </a:ext>
-            </a:extLst>
-          </p:cNvPr>
+          <p:cNvPr id="5" name="Footer Placeholder 4"/>
           <p:cNvSpPr>
             <a:spLocks noGrp="1"/>
           </p:cNvSpPr>
@@ -4222,13 +4629,7 @@
       </p:sp>
       <p:sp>
         <p:nvSpPr>
-          <p:cNvPr id="6" name="灯片编号占位符 5">
-            <a:extLst>
-              <a:ext uri="{FF2B5EF4-FFF2-40B4-BE49-F238E27FC236}">
-                <a16:creationId xmlns:a16="http://schemas.microsoft.com/office/drawing/2014/main" id="{20C38A49-B1CA-4AC2-9961-9AD6BCABCD28}"/>
-              </a:ext>
-            </a:extLst>
-          </p:cNvPr>
+          <p:cNvPr id="6" name="Slide Number Placeholder 5"/>
           <p:cNvSpPr>
             <a:spLocks noGrp="1"/>
           </p:cNvSpPr>
@@ -4252,7 +4653,7 @@
     </p:spTree>
     <p:extLst>
       <p:ext uri="{BB962C8B-B14F-4D97-AF65-F5344CB8AC3E}">
-        <p14:creationId xmlns:p14="http://schemas.microsoft.com/office/powerpoint/2010/main" val="729779031"/>
+        <p14:creationId xmlns:p14="http://schemas.microsoft.com/office/powerpoint/2010/main" val="3118201254"/>
       </p:ext>
     </p:extLst>
   </p:cSld>
@@ -4281,13 +4682,7 @@
       </p:grpSpPr>
       <p:sp>
         <p:nvSpPr>
-          <p:cNvPr id="2" name="标题 1">
-            <a:extLst>
-              <a:ext uri="{FF2B5EF4-FFF2-40B4-BE49-F238E27FC236}">
-                <a16:creationId xmlns:a16="http://schemas.microsoft.com/office/drawing/2014/main" id="{3D342433-BA7F-49A2-964E-4995AF93A9B5}"/>
-              </a:ext>
-            </a:extLst>
-          </p:cNvPr>
+          <p:cNvPr id="2" name="Title 1"/>
           <p:cNvSpPr>
             <a:spLocks noGrp="1"/>
           </p:cNvSpPr>
@@ -4304,18 +4699,13 @@
               <a:rPr lang="zh-CN" altLang="en-US"/>
               <a:t>单击此处编辑母版标题样式</a:t>
             </a:r>
+            <a:endParaRPr lang="en-US" dirty="0"/>
           </a:p>
         </p:txBody>
       </p:sp>
       <p:sp>
         <p:nvSpPr>
-          <p:cNvPr id="3" name="竖排文字占位符 2">
-            <a:extLst>
-              <a:ext uri="{FF2B5EF4-FFF2-40B4-BE49-F238E27FC236}">
-                <a16:creationId xmlns:a16="http://schemas.microsoft.com/office/drawing/2014/main" id="{FC2E1077-B8ED-4725-8F8F-3DE3373FFA08}"/>
-              </a:ext>
-            </a:extLst>
-          </p:cNvPr>
+          <p:cNvPr id="3" name="Vertical Text Placeholder 2"/>
           <p:cNvSpPr>
             <a:spLocks noGrp="1"/>
           </p:cNvSpPr>
@@ -4361,18 +4751,13 @@
               <a:rPr lang="zh-CN" altLang="en-US"/>
               <a:t>五级</a:t>
             </a:r>
+            <a:endParaRPr lang="en-US" dirty="0"/>
           </a:p>
         </p:txBody>
       </p:sp>
       <p:sp>
         <p:nvSpPr>
-          <p:cNvPr id="4" name="日期占位符 3">
-            <a:extLst>
-              <a:ext uri="{FF2B5EF4-FFF2-40B4-BE49-F238E27FC236}">
-                <a16:creationId xmlns:a16="http://schemas.microsoft.com/office/drawing/2014/main" id="{64CE519C-1145-48C6-9A2A-6122EC4C128F}"/>
-              </a:ext>
-            </a:extLst>
-          </p:cNvPr>
+          <p:cNvPr id="4" name="Date Placeholder 3"/>
           <p:cNvSpPr>
             <a:spLocks noGrp="1"/>
           </p:cNvSpPr>
@@ -4395,13 +4780,7 @@
       </p:sp>
       <p:sp>
         <p:nvSpPr>
-          <p:cNvPr id="5" name="页脚占位符 4">
-            <a:extLst>
-              <a:ext uri="{FF2B5EF4-FFF2-40B4-BE49-F238E27FC236}">
-                <a16:creationId xmlns:a16="http://schemas.microsoft.com/office/drawing/2014/main" id="{5E70E1AA-00A8-4392-819E-F90A6ED79F82}"/>
-              </a:ext>
-            </a:extLst>
-          </p:cNvPr>
+          <p:cNvPr id="5" name="Footer Placeholder 4"/>
           <p:cNvSpPr>
             <a:spLocks noGrp="1"/>
           </p:cNvSpPr>
@@ -4420,13 +4799,7 @@
       </p:sp>
       <p:sp>
         <p:nvSpPr>
-          <p:cNvPr id="6" name="灯片编号占位符 5">
-            <a:extLst>
-              <a:ext uri="{FF2B5EF4-FFF2-40B4-BE49-F238E27FC236}">
-                <a16:creationId xmlns:a16="http://schemas.microsoft.com/office/drawing/2014/main" id="{CE853B5B-5C56-43C5-9B81-BD837C00D99B}"/>
-              </a:ext>
-            </a:extLst>
-          </p:cNvPr>
+          <p:cNvPr id="6" name="Slide Number Placeholder 5"/>
           <p:cNvSpPr>
             <a:spLocks noGrp="1"/>
           </p:cNvSpPr>
@@ -4450,7 +4823,7 @@
     </p:spTree>
     <p:extLst>
       <p:ext uri="{BB962C8B-B14F-4D97-AF65-F5344CB8AC3E}">
-        <p14:creationId xmlns:p14="http://schemas.microsoft.com/office/powerpoint/2010/main" val="2262152164"/>
+        <p14:creationId xmlns:p14="http://schemas.microsoft.com/office/powerpoint/2010/main" val="183034835"/>
       </p:ext>
     </p:extLst>
   </p:cSld>
@@ -4479,13 +4852,7 @@
       </p:grpSpPr>
       <p:sp>
         <p:nvSpPr>
-          <p:cNvPr id="2" name="竖排标题 1">
-            <a:extLst>
-              <a:ext uri="{FF2B5EF4-FFF2-40B4-BE49-F238E27FC236}">
-                <a16:creationId xmlns:a16="http://schemas.microsoft.com/office/drawing/2014/main" id="{B25392F2-78C1-4060-9DC4-11B03BAAD197}"/>
-              </a:ext>
-            </a:extLst>
-          </p:cNvPr>
+          <p:cNvPr id="2" name="Vertical Title 1"/>
           <p:cNvSpPr>
             <a:spLocks noGrp="1"/>
           </p:cNvSpPr>
@@ -4507,18 +4874,13 @@
               <a:rPr lang="zh-CN" altLang="en-US"/>
               <a:t>单击此处编辑母版标题样式</a:t>
             </a:r>
+            <a:endParaRPr lang="en-US" dirty="0"/>
           </a:p>
         </p:txBody>
       </p:sp>
       <p:sp>
         <p:nvSpPr>
-          <p:cNvPr id="3" name="竖排文字占位符 2">
-            <a:extLst>
-              <a:ext uri="{FF2B5EF4-FFF2-40B4-BE49-F238E27FC236}">
-                <a16:creationId xmlns:a16="http://schemas.microsoft.com/office/drawing/2014/main" id="{2997D7FE-78E5-4493-A5CA-41DDD47D818F}"/>
-              </a:ext>
-            </a:extLst>
-          </p:cNvPr>
+          <p:cNvPr id="3" name="Vertical Text Placeholder 2"/>
           <p:cNvSpPr>
             <a:spLocks noGrp="1"/>
           </p:cNvSpPr>
@@ -4569,18 +4931,13 @@
               <a:rPr lang="zh-CN" altLang="en-US"/>
               <a:t>五级</a:t>
             </a:r>
+            <a:endParaRPr lang="en-US" dirty="0"/>
           </a:p>
         </p:txBody>
       </p:sp>
       <p:sp>
         <p:nvSpPr>
-          <p:cNvPr id="4" name="日期占位符 3">
-            <a:extLst>
-              <a:ext uri="{FF2B5EF4-FFF2-40B4-BE49-F238E27FC236}">
-                <a16:creationId xmlns:a16="http://schemas.microsoft.com/office/drawing/2014/main" id="{A44AD3F2-77A5-4CC9-94E2-969A0FB89C10}"/>
-              </a:ext>
-            </a:extLst>
-          </p:cNvPr>
+          <p:cNvPr id="4" name="Date Placeholder 3"/>
           <p:cNvSpPr>
             <a:spLocks noGrp="1"/>
           </p:cNvSpPr>
@@ -4603,13 +4960,7 @@
       </p:sp>
       <p:sp>
         <p:nvSpPr>
-          <p:cNvPr id="5" name="页脚占位符 4">
-            <a:extLst>
-              <a:ext uri="{FF2B5EF4-FFF2-40B4-BE49-F238E27FC236}">
-                <a16:creationId xmlns:a16="http://schemas.microsoft.com/office/drawing/2014/main" id="{873EBB90-BAF1-4241-9141-BD13DA8D69E8}"/>
-              </a:ext>
-            </a:extLst>
-          </p:cNvPr>
+          <p:cNvPr id="5" name="Footer Placeholder 4"/>
           <p:cNvSpPr>
             <a:spLocks noGrp="1"/>
           </p:cNvSpPr>
@@ -4628,13 +4979,7 @@
       </p:sp>
       <p:sp>
         <p:nvSpPr>
-          <p:cNvPr id="6" name="灯片编号占位符 5">
-            <a:extLst>
-              <a:ext uri="{FF2B5EF4-FFF2-40B4-BE49-F238E27FC236}">
-                <a16:creationId xmlns:a16="http://schemas.microsoft.com/office/drawing/2014/main" id="{B34E157A-F9D2-497C-9D27-DFCEC2A34BCA}"/>
-              </a:ext>
-            </a:extLst>
-          </p:cNvPr>
+          <p:cNvPr id="6" name="Slide Number Placeholder 5"/>
           <p:cNvSpPr>
             <a:spLocks noGrp="1"/>
           </p:cNvSpPr>
@@ -4658,13 +5003,44 @@
     </p:spTree>
     <p:extLst>
       <p:ext uri="{BB962C8B-B14F-4D97-AF65-F5344CB8AC3E}">
-        <p14:creationId xmlns:p14="http://schemas.microsoft.com/office/powerpoint/2010/main" val="851916148"/>
+        <p14:creationId xmlns:p14="http://schemas.microsoft.com/office/powerpoint/2010/main" val="37394786"/>
       </p:ext>
     </p:extLst>
   </p:cSld>
   <p:clrMapOvr>
     <a:masterClrMapping/>
   </p:clrMapOvr>
+</p:sldLayout>
+</file>
+
+<file path=ppt/slideLayouts/slideLayout12.xml><?xml version="1.0" encoding="utf-8"?>
+<p:sldLayout xmlns:a="http://schemas.openxmlformats.org/drawingml/2006/main" xmlns:r="http://schemas.openxmlformats.org/officeDocument/2006/relationships" xmlns:p="http://schemas.openxmlformats.org/presentationml/2006/main" showMasterSp="0" type="tx">
+  <p:cSld name="版本内页">
+    <p:spTree>
+      <p:nvGrpSpPr>
+        <p:cNvPr id="1" name=""/>
+        <p:cNvGrpSpPr/>
+        <p:nvPr/>
+      </p:nvGrpSpPr>
+      <p:grpSpPr>
+        <a:xfrm>
+          <a:off x="0" y="0"/>
+          <a:ext cx="0" cy="0"/>
+          <a:chOff x="0" y="0"/>
+          <a:chExt cx="0" cy="0"/>
+        </a:xfrm>
+      </p:grpSpPr>
+    </p:spTree>
+    <p:extLst>
+      <p:ext uri="{BB962C8B-B14F-4D97-AF65-F5344CB8AC3E}">
+        <p14:creationId xmlns:p14="http://schemas.microsoft.com/office/powerpoint/2010/main" val="945092859"/>
+      </p:ext>
+    </p:extLst>
+  </p:cSld>
+  <p:clrMapOvr>
+    <a:masterClrMapping/>
+  </p:clrMapOvr>
+  <p:transition spd="med"/>
 </p:sldLayout>
 </file>
 
@@ -4687,13 +5063,7 @@
       </p:grpSpPr>
       <p:sp>
         <p:nvSpPr>
-          <p:cNvPr id="2" name="标题 1">
-            <a:extLst>
-              <a:ext uri="{FF2B5EF4-FFF2-40B4-BE49-F238E27FC236}">
-                <a16:creationId xmlns:a16="http://schemas.microsoft.com/office/drawing/2014/main" id="{1297B2B1-8B46-4E4D-8712-82F2B95C717B}"/>
-              </a:ext>
-            </a:extLst>
-          </p:cNvPr>
+          <p:cNvPr id="2" name="Title 1"/>
           <p:cNvSpPr>
             <a:spLocks noGrp="1"/>
           </p:cNvSpPr>
@@ -4710,18 +5080,13 @@
               <a:rPr lang="zh-CN" altLang="en-US"/>
               <a:t>单击此处编辑母版标题样式</a:t>
             </a:r>
+            <a:endParaRPr lang="en-US" dirty="0"/>
           </a:p>
         </p:txBody>
       </p:sp>
       <p:sp>
         <p:nvSpPr>
-          <p:cNvPr id="3" name="内容占位符 2">
-            <a:extLst>
-              <a:ext uri="{FF2B5EF4-FFF2-40B4-BE49-F238E27FC236}">
-                <a16:creationId xmlns:a16="http://schemas.microsoft.com/office/drawing/2014/main" id="{24BE2D82-0E35-48B8-9999-B0A7DD4C8708}"/>
-              </a:ext>
-            </a:extLst>
-          </p:cNvPr>
+          <p:cNvPr id="3" name="Content Placeholder 2"/>
           <p:cNvSpPr>
             <a:spLocks noGrp="1"/>
           </p:cNvSpPr>
@@ -4767,18 +5132,13 @@
               <a:rPr lang="zh-CN" altLang="en-US"/>
               <a:t>五级</a:t>
             </a:r>
+            <a:endParaRPr lang="en-US" dirty="0"/>
           </a:p>
         </p:txBody>
       </p:sp>
       <p:sp>
         <p:nvSpPr>
-          <p:cNvPr id="4" name="日期占位符 3">
-            <a:extLst>
-              <a:ext uri="{FF2B5EF4-FFF2-40B4-BE49-F238E27FC236}">
-                <a16:creationId xmlns:a16="http://schemas.microsoft.com/office/drawing/2014/main" id="{43F03318-0AE5-4B17-9665-F66E0C90C0D1}"/>
-              </a:ext>
-            </a:extLst>
-          </p:cNvPr>
+          <p:cNvPr id="4" name="Date Placeholder 3"/>
           <p:cNvSpPr>
             <a:spLocks noGrp="1"/>
           </p:cNvSpPr>
@@ -4801,13 +5161,7 @@
       </p:sp>
       <p:sp>
         <p:nvSpPr>
-          <p:cNvPr id="5" name="页脚占位符 4">
-            <a:extLst>
-              <a:ext uri="{FF2B5EF4-FFF2-40B4-BE49-F238E27FC236}">
-                <a16:creationId xmlns:a16="http://schemas.microsoft.com/office/drawing/2014/main" id="{5DB96E5E-04FD-4646-A5C8-04812AF51E5E}"/>
-              </a:ext>
-            </a:extLst>
-          </p:cNvPr>
+          <p:cNvPr id="5" name="Footer Placeholder 4"/>
           <p:cNvSpPr>
             <a:spLocks noGrp="1"/>
           </p:cNvSpPr>
@@ -4826,13 +5180,7 @@
       </p:sp>
       <p:sp>
         <p:nvSpPr>
-          <p:cNvPr id="6" name="灯片编号占位符 5">
-            <a:extLst>
-              <a:ext uri="{FF2B5EF4-FFF2-40B4-BE49-F238E27FC236}">
-                <a16:creationId xmlns:a16="http://schemas.microsoft.com/office/drawing/2014/main" id="{BCE2DCE5-856C-4F9E-8EEF-3B300A1F5508}"/>
-              </a:ext>
-            </a:extLst>
-          </p:cNvPr>
+          <p:cNvPr id="6" name="Slide Number Placeholder 5"/>
           <p:cNvSpPr>
             <a:spLocks noGrp="1"/>
           </p:cNvSpPr>
@@ -4856,7 +5204,7 @@
     </p:spTree>
     <p:extLst>
       <p:ext uri="{BB962C8B-B14F-4D97-AF65-F5344CB8AC3E}">
-        <p14:creationId xmlns:p14="http://schemas.microsoft.com/office/powerpoint/2010/main" val="2679765548"/>
+        <p14:creationId xmlns:p14="http://schemas.microsoft.com/office/powerpoint/2010/main" val="1522618116"/>
       </p:ext>
     </p:extLst>
   </p:cSld>
@@ -4885,13 +5233,7 @@
       </p:grpSpPr>
       <p:sp>
         <p:nvSpPr>
-          <p:cNvPr id="2" name="标题 1">
-            <a:extLst>
-              <a:ext uri="{FF2B5EF4-FFF2-40B4-BE49-F238E27FC236}">
-                <a16:creationId xmlns:a16="http://schemas.microsoft.com/office/drawing/2014/main" id="{9314873D-7507-45CA-8529-D388F7BC3B2A}"/>
-              </a:ext>
-            </a:extLst>
-          </p:cNvPr>
+          <p:cNvPr id="2" name="Title 1"/>
           <p:cNvSpPr>
             <a:spLocks noGrp="1"/>
           </p:cNvSpPr>
@@ -4917,18 +5259,13 @@
               <a:rPr lang="zh-CN" altLang="en-US"/>
               <a:t>单击此处编辑母版标题样式</a:t>
             </a:r>
+            <a:endParaRPr lang="en-US" dirty="0"/>
           </a:p>
         </p:txBody>
       </p:sp>
       <p:sp>
         <p:nvSpPr>
-          <p:cNvPr id="3" name="文本占位符 2">
-            <a:extLst>
-              <a:ext uri="{FF2B5EF4-FFF2-40B4-BE49-F238E27FC236}">
-                <a16:creationId xmlns:a16="http://schemas.microsoft.com/office/drawing/2014/main" id="{D65F88D5-B074-4DEA-9367-C877969C49AA}"/>
-              </a:ext>
-            </a:extLst>
-          </p:cNvPr>
+          <p:cNvPr id="3" name="Text Placeholder 2"/>
           <p:cNvSpPr>
             <a:spLocks noGrp="1"/>
           </p:cNvSpPr>
@@ -5047,13 +5384,7 @@
       </p:sp>
       <p:sp>
         <p:nvSpPr>
-          <p:cNvPr id="4" name="日期占位符 3">
-            <a:extLst>
-              <a:ext uri="{FF2B5EF4-FFF2-40B4-BE49-F238E27FC236}">
-                <a16:creationId xmlns:a16="http://schemas.microsoft.com/office/drawing/2014/main" id="{5AEE301C-42D3-4CDE-A473-BAE022954F21}"/>
-              </a:ext>
-            </a:extLst>
-          </p:cNvPr>
+          <p:cNvPr id="4" name="Date Placeholder 3"/>
           <p:cNvSpPr>
             <a:spLocks noGrp="1"/>
           </p:cNvSpPr>
@@ -5076,13 +5407,7 @@
       </p:sp>
       <p:sp>
         <p:nvSpPr>
-          <p:cNvPr id="5" name="页脚占位符 4">
-            <a:extLst>
-              <a:ext uri="{FF2B5EF4-FFF2-40B4-BE49-F238E27FC236}">
-                <a16:creationId xmlns:a16="http://schemas.microsoft.com/office/drawing/2014/main" id="{887142A9-6702-40FF-A6C8-4B7AA92FC946}"/>
-              </a:ext>
-            </a:extLst>
-          </p:cNvPr>
+          <p:cNvPr id="5" name="Footer Placeholder 4"/>
           <p:cNvSpPr>
             <a:spLocks noGrp="1"/>
           </p:cNvSpPr>
@@ -5101,13 +5426,7 @@
       </p:sp>
       <p:sp>
         <p:nvSpPr>
-          <p:cNvPr id="6" name="灯片编号占位符 5">
-            <a:extLst>
-              <a:ext uri="{FF2B5EF4-FFF2-40B4-BE49-F238E27FC236}">
-                <a16:creationId xmlns:a16="http://schemas.microsoft.com/office/drawing/2014/main" id="{5272C162-9D7A-4ACF-96E9-644FE32FC0E0}"/>
-              </a:ext>
-            </a:extLst>
-          </p:cNvPr>
+          <p:cNvPr id="6" name="Slide Number Placeholder 5"/>
           <p:cNvSpPr>
             <a:spLocks noGrp="1"/>
           </p:cNvSpPr>
@@ -5131,7 +5450,7 @@
     </p:spTree>
     <p:extLst>
       <p:ext uri="{BB962C8B-B14F-4D97-AF65-F5344CB8AC3E}">
-        <p14:creationId xmlns:p14="http://schemas.microsoft.com/office/powerpoint/2010/main" val="645213090"/>
+        <p14:creationId xmlns:p14="http://schemas.microsoft.com/office/powerpoint/2010/main" val="1612857742"/>
       </p:ext>
     </p:extLst>
   </p:cSld>
@@ -5160,13 +5479,7 @@
       </p:grpSpPr>
       <p:sp>
         <p:nvSpPr>
-          <p:cNvPr id="2" name="标题 1">
-            <a:extLst>
-              <a:ext uri="{FF2B5EF4-FFF2-40B4-BE49-F238E27FC236}">
-                <a16:creationId xmlns:a16="http://schemas.microsoft.com/office/drawing/2014/main" id="{3CCF115C-BB28-46C8-9631-7428CE0AE8C0}"/>
-              </a:ext>
-            </a:extLst>
-          </p:cNvPr>
+          <p:cNvPr id="2" name="Title 1"/>
           <p:cNvSpPr>
             <a:spLocks noGrp="1"/>
           </p:cNvSpPr>
@@ -5183,18 +5496,13 @@
               <a:rPr lang="zh-CN" altLang="en-US"/>
               <a:t>单击此处编辑母版标题样式</a:t>
             </a:r>
+            <a:endParaRPr lang="en-US" dirty="0"/>
           </a:p>
         </p:txBody>
       </p:sp>
       <p:sp>
         <p:nvSpPr>
-          <p:cNvPr id="3" name="内容占位符 2">
-            <a:extLst>
-              <a:ext uri="{FF2B5EF4-FFF2-40B4-BE49-F238E27FC236}">
-                <a16:creationId xmlns:a16="http://schemas.microsoft.com/office/drawing/2014/main" id="{C039FDF5-4582-4021-9B11-BD2F3B43F46F}"/>
-              </a:ext>
-            </a:extLst>
-          </p:cNvPr>
+          <p:cNvPr id="3" name="Content Placeholder 2"/>
           <p:cNvSpPr>
             <a:spLocks noGrp="1"/>
           </p:cNvSpPr>
@@ -5245,18 +5553,13 @@
               <a:rPr lang="zh-CN" altLang="en-US"/>
               <a:t>五级</a:t>
             </a:r>
+            <a:endParaRPr lang="en-US" dirty="0"/>
           </a:p>
         </p:txBody>
       </p:sp>
       <p:sp>
         <p:nvSpPr>
-          <p:cNvPr id="4" name="内容占位符 3">
-            <a:extLst>
-              <a:ext uri="{FF2B5EF4-FFF2-40B4-BE49-F238E27FC236}">
-                <a16:creationId xmlns:a16="http://schemas.microsoft.com/office/drawing/2014/main" id="{E7D7B64E-9103-4F08-9D3F-1743413FF20E}"/>
-              </a:ext>
-            </a:extLst>
-          </p:cNvPr>
+          <p:cNvPr id="4" name="Content Placeholder 3"/>
           <p:cNvSpPr>
             <a:spLocks noGrp="1"/>
           </p:cNvSpPr>
@@ -5307,18 +5610,13 @@
               <a:rPr lang="zh-CN" altLang="en-US"/>
               <a:t>五级</a:t>
             </a:r>
+            <a:endParaRPr lang="en-US" dirty="0"/>
           </a:p>
         </p:txBody>
       </p:sp>
       <p:sp>
         <p:nvSpPr>
-          <p:cNvPr id="5" name="日期占位符 4">
-            <a:extLst>
-              <a:ext uri="{FF2B5EF4-FFF2-40B4-BE49-F238E27FC236}">
-                <a16:creationId xmlns:a16="http://schemas.microsoft.com/office/drawing/2014/main" id="{2C3CD29D-5598-4797-80EE-FB1BD6FC49EF}"/>
-              </a:ext>
-            </a:extLst>
-          </p:cNvPr>
+          <p:cNvPr id="5" name="Date Placeholder 4"/>
           <p:cNvSpPr>
             <a:spLocks noGrp="1"/>
           </p:cNvSpPr>
@@ -5341,13 +5639,7 @@
       </p:sp>
       <p:sp>
         <p:nvSpPr>
-          <p:cNvPr id="6" name="页脚占位符 5">
-            <a:extLst>
-              <a:ext uri="{FF2B5EF4-FFF2-40B4-BE49-F238E27FC236}">
-                <a16:creationId xmlns:a16="http://schemas.microsoft.com/office/drawing/2014/main" id="{B4AF8232-68CB-46C6-8478-47C33869CF0D}"/>
-              </a:ext>
-            </a:extLst>
-          </p:cNvPr>
+          <p:cNvPr id="6" name="Footer Placeholder 5"/>
           <p:cNvSpPr>
             <a:spLocks noGrp="1"/>
           </p:cNvSpPr>
@@ -5366,13 +5658,7 @@
       </p:sp>
       <p:sp>
         <p:nvSpPr>
-          <p:cNvPr id="7" name="灯片编号占位符 6">
-            <a:extLst>
-              <a:ext uri="{FF2B5EF4-FFF2-40B4-BE49-F238E27FC236}">
-                <a16:creationId xmlns:a16="http://schemas.microsoft.com/office/drawing/2014/main" id="{7415037D-A053-4619-8A0B-5269966BBFA5}"/>
-              </a:ext>
-            </a:extLst>
-          </p:cNvPr>
+          <p:cNvPr id="7" name="Slide Number Placeholder 6"/>
           <p:cNvSpPr>
             <a:spLocks noGrp="1"/>
           </p:cNvSpPr>
@@ -5396,7 +5682,7 @@
     </p:spTree>
     <p:extLst>
       <p:ext uri="{BB962C8B-B14F-4D97-AF65-F5344CB8AC3E}">
-        <p14:creationId xmlns:p14="http://schemas.microsoft.com/office/powerpoint/2010/main" val="302391629"/>
+        <p14:creationId xmlns:p14="http://schemas.microsoft.com/office/powerpoint/2010/main" val="832581351"/>
       </p:ext>
     </p:extLst>
   </p:cSld>
@@ -5425,13 +5711,7 @@
       </p:grpSpPr>
       <p:sp>
         <p:nvSpPr>
-          <p:cNvPr id="2" name="标题 1">
-            <a:extLst>
-              <a:ext uri="{FF2B5EF4-FFF2-40B4-BE49-F238E27FC236}">
-                <a16:creationId xmlns:a16="http://schemas.microsoft.com/office/drawing/2014/main" id="{E1CB9C11-BAF9-4B01-AE5B-DC8F34A2431F}"/>
-              </a:ext>
-            </a:extLst>
-          </p:cNvPr>
+          <p:cNvPr id="2" name="Title 1"/>
           <p:cNvSpPr>
             <a:spLocks noGrp="1"/>
           </p:cNvSpPr>
@@ -5453,18 +5733,13 @@
               <a:rPr lang="zh-CN" altLang="en-US"/>
               <a:t>单击此处编辑母版标题样式</a:t>
             </a:r>
+            <a:endParaRPr lang="en-US" dirty="0"/>
           </a:p>
         </p:txBody>
       </p:sp>
       <p:sp>
         <p:nvSpPr>
-          <p:cNvPr id="3" name="文本占位符 2">
-            <a:extLst>
-              <a:ext uri="{FF2B5EF4-FFF2-40B4-BE49-F238E27FC236}">
-                <a16:creationId xmlns:a16="http://schemas.microsoft.com/office/drawing/2014/main" id="{DC844902-5D66-404A-937E-0B6B52A9B4A1}"/>
-              </a:ext>
-            </a:extLst>
-          </p:cNvPr>
+          <p:cNvPr id="3" name="Text Placeholder 2"/>
           <p:cNvSpPr>
             <a:spLocks noGrp="1"/>
           </p:cNvSpPr>
@@ -5529,13 +5804,7 @@
       </p:sp>
       <p:sp>
         <p:nvSpPr>
-          <p:cNvPr id="4" name="内容占位符 3">
-            <a:extLst>
-              <a:ext uri="{FF2B5EF4-FFF2-40B4-BE49-F238E27FC236}">
-                <a16:creationId xmlns:a16="http://schemas.microsoft.com/office/drawing/2014/main" id="{E62FFE8B-C51E-411C-A767-5BD786C7AAEB}"/>
-              </a:ext>
-            </a:extLst>
-          </p:cNvPr>
+          <p:cNvPr id="4" name="Content Placeholder 3"/>
           <p:cNvSpPr>
             <a:spLocks noGrp="1"/>
           </p:cNvSpPr>
@@ -5586,18 +5855,13 @@
               <a:rPr lang="zh-CN" altLang="en-US"/>
               <a:t>五级</a:t>
             </a:r>
+            <a:endParaRPr lang="en-US" dirty="0"/>
           </a:p>
         </p:txBody>
       </p:sp>
       <p:sp>
         <p:nvSpPr>
-          <p:cNvPr id="5" name="文本占位符 4">
-            <a:extLst>
-              <a:ext uri="{FF2B5EF4-FFF2-40B4-BE49-F238E27FC236}">
-                <a16:creationId xmlns:a16="http://schemas.microsoft.com/office/drawing/2014/main" id="{EAD481AE-73DF-40ED-979D-7BEAE8817FDB}"/>
-              </a:ext>
-            </a:extLst>
-          </p:cNvPr>
+          <p:cNvPr id="5" name="Text Placeholder 4"/>
           <p:cNvSpPr>
             <a:spLocks noGrp="1"/>
           </p:cNvSpPr>
@@ -5662,13 +5926,7 @@
       </p:sp>
       <p:sp>
         <p:nvSpPr>
-          <p:cNvPr id="6" name="内容占位符 5">
-            <a:extLst>
-              <a:ext uri="{FF2B5EF4-FFF2-40B4-BE49-F238E27FC236}">
-                <a16:creationId xmlns:a16="http://schemas.microsoft.com/office/drawing/2014/main" id="{35EEC18A-6EF9-4B4F-8181-385490A80629}"/>
-              </a:ext>
-            </a:extLst>
-          </p:cNvPr>
+          <p:cNvPr id="6" name="Content Placeholder 5"/>
           <p:cNvSpPr>
             <a:spLocks noGrp="1"/>
           </p:cNvSpPr>
@@ -5719,18 +5977,13 @@
               <a:rPr lang="zh-CN" altLang="en-US"/>
               <a:t>五级</a:t>
             </a:r>
+            <a:endParaRPr lang="en-US" dirty="0"/>
           </a:p>
         </p:txBody>
       </p:sp>
       <p:sp>
         <p:nvSpPr>
-          <p:cNvPr id="7" name="日期占位符 6">
-            <a:extLst>
-              <a:ext uri="{FF2B5EF4-FFF2-40B4-BE49-F238E27FC236}">
-                <a16:creationId xmlns:a16="http://schemas.microsoft.com/office/drawing/2014/main" id="{D4E2BF0F-A861-4BF7-BE21-B1682A3E8823}"/>
-              </a:ext>
-            </a:extLst>
-          </p:cNvPr>
+          <p:cNvPr id="7" name="Date Placeholder 6"/>
           <p:cNvSpPr>
             <a:spLocks noGrp="1"/>
           </p:cNvSpPr>
@@ -5753,13 +6006,7 @@
       </p:sp>
       <p:sp>
         <p:nvSpPr>
-          <p:cNvPr id="8" name="页脚占位符 7">
-            <a:extLst>
-              <a:ext uri="{FF2B5EF4-FFF2-40B4-BE49-F238E27FC236}">
-                <a16:creationId xmlns:a16="http://schemas.microsoft.com/office/drawing/2014/main" id="{C2A9DD4E-9ADC-4926-9B99-96C0B5CC02D1}"/>
-              </a:ext>
-            </a:extLst>
-          </p:cNvPr>
+          <p:cNvPr id="8" name="Footer Placeholder 7"/>
           <p:cNvSpPr>
             <a:spLocks noGrp="1"/>
           </p:cNvSpPr>
@@ -5778,13 +6025,7 @@
       </p:sp>
       <p:sp>
         <p:nvSpPr>
-          <p:cNvPr id="9" name="灯片编号占位符 8">
-            <a:extLst>
-              <a:ext uri="{FF2B5EF4-FFF2-40B4-BE49-F238E27FC236}">
-                <a16:creationId xmlns:a16="http://schemas.microsoft.com/office/drawing/2014/main" id="{5C93BA54-7491-446F-A6BF-6776E55F8504}"/>
-              </a:ext>
-            </a:extLst>
-          </p:cNvPr>
+          <p:cNvPr id="9" name="Slide Number Placeholder 8"/>
           <p:cNvSpPr>
             <a:spLocks noGrp="1"/>
           </p:cNvSpPr>
@@ -5808,7 +6049,7 @@
     </p:spTree>
     <p:extLst>
       <p:ext uri="{BB962C8B-B14F-4D97-AF65-F5344CB8AC3E}">
-        <p14:creationId xmlns:p14="http://schemas.microsoft.com/office/powerpoint/2010/main" val="2899702248"/>
+        <p14:creationId xmlns:p14="http://schemas.microsoft.com/office/powerpoint/2010/main" val="62589811"/>
       </p:ext>
     </p:extLst>
   </p:cSld>
@@ -5837,13 +6078,7 @@
       </p:grpSpPr>
       <p:sp>
         <p:nvSpPr>
-          <p:cNvPr id="2" name="标题 1">
-            <a:extLst>
-              <a:ext uri="{FF2B5EF4-FFF2-40B4-BE49-F238E27FC236}">
-                <a16:creationId xmlns:a16="http://schemas.microsoft.com/office/drawing/2014/main" id="{34CCB14C-7958-4FB3-96A1-389897591F4B}"/>
-              </a:ext>
-            </a:extLst>
-          </p:cNvPr>
+          <p:cNvPr id="2" name="Title 1"/>
           <p:cNvSpPr>
             <a:spLocks noGrp="1"/>
           </p:cNvSpPr>
@@ -5860,18 +6095,13 @@
               <a:rPr lang="zh-CN" altLang="en-US"/>
               <a:t>单击此处编辑母版标题样式</a:t>
             </a:r>
+            <a:endParaRPr lang="en-US" dirty="0"/>
           </a:p>
         </p:txBody>
       </p:sp>
       <p:sp>
         <p:nvSpPr>
-          <p:cNvPr id="3" name="日期占位符 2">
-            <a:extLst>
-              <a:ext uri="{FF2B5EF4-FFF2-40B4-BE49-F238E27FC236}">
-                <a16:creationId xmlns:a16="http://schemas.microsoft.com/office/drawing/2014/main" id="{FEF01DFF-A9AE-4802-9881-9E79AAB6C165}"/>
-              </a:ext>
-            </a:extLst>
-          </p:cNvPr>
+          <p:cNvPr id="3" name="Date Placeholder 2"/>
           <p:cNvSpPr>
             <a:spLocks noGrp="1"/>
           </p:cNvSpPr>
@@ -5894,13 +6124,7 @@
       </p:sp>
       <p:sp>
         <p:nvSpPr>
-          <p:cNvPr id="4" name="页脚占位符 3">
-            <a:extLst>
-              <a:ext uri="{FF2B5EF4-FFF2-40B4-BE49-F238E27FC236}">
-                <a16:creationId xmlns:a16="http://schemas.microsoft.com/office/drawing/2014/main" id="{9C58E284-FFD1-4A50-9626-F8A86D66CCF2}"/>
-              </a:ext>
-            </a:extLst>
-          </p:cNvPr>
+          <p:cNvPr id="4" name="Footer Placeholder 3"/>
           <p:cNvSpPr>
             <a:spLocks noGrp="1"/>
           </p:cNvSpPr>
@@ -5919,13 +6143,7 @@
       </p:sp>
       <p:sp>
         <p:nvSpPr>
-          <p:cNvPr id="5" name="灯片编号占位符 4">
-            <a:extLst>
-              <a:ext uri="{FF2B5EF4-FFF2-40B4-BE49-F238E27FC236}">
-                <a16:creationId xmlns:a16="http://schemas.microsoft.com/office/drawing/2014/main" id="{DA089543-F935-45F9-B997-49B5A3F75376}"/>
-              </a:ext>
-            </a:extLst>
-          </p:cNvPr>
+          <p:cNvPr id="5" name="Slide Number Placeholder 4"/>
           <p:cNvSpPr>
             <a:spLocks noGrp="1"/>
           </p:cNvSpPr>
@@ -5949,7 +6167,7 @@
     </p:spTree>
     <p:extLst>
       <p:ext uri="{BB962C8B-B14F-4D97-AF65-F5344CB8AC3E}">
-        <p14:creationId xmlns:p14="http://schemas.microsoft.com/office/powerpoint/2010/main" val="1917645297"/>
+        <p14:creationId xmlns:p14="http://schemas.microsoft.com/office/powerpoint/2010/main" val="4021511910"/>
       </p:ext>
     </p:extLst>
   </p:cSld>
@@ -5978,13 +6196,7 @@
       </p:grpSpPr>
       <p:sp>
         <p:nvSpPr>
-          <p:cNvPr id="2" name="日期占位符 1">
-            <a:extLst>
-              <a:ext uri="{FF2B5EF4-FFF2-40B4-BE49-F238E27FC236}">
-                <a16:creationId xmlns:a16="http://schemas.microsoft.com/office/drawing/2014/main" id="{ED5C2A70-51BA-48D8-AD47-F0B2E4E71BFA}"/>
-              </a:ext>
-            </a:extLst>
-          </p:cNvPr>
+          <p:cNvPr id="2" name="Date Placeholder 1"/>
           <p:cNvSpPr>
             <a:spLocks noGrp="1"/>
           </p:cNvSpPr>
@@ -6007,13 +6219,7 @@
       </p:sp>
       <p:sp>
         <p:nvSpPr>
-          <p:cNvPr id="3" name="页脚占位符 2">
-            <a:extLst>
-              <a:ext uri="{FF2B5EF4-FFF2-40B4-BE49-F238E27FC236}">
-                <a16:creationId xmlns:a16="http://schemas.microsoft.com/office/drawing/2014/main" id="{3AE055A0-B1E5-49B4-B303-0B1E2B0BCCC1}"/>
-              </a:ext>
-            </a:extLst>
-          </p:cNvPr>
+          <p:cNvPr id="3" name="Footer Placeholder 2"/>
           <p:cNvSpPr>
             <a:spLocks noGrp="1"/>
           </p:cNvSpPr>
@@ -6032,13 +6238,7 @@
       </p:sp>
       <p:sp>
         <p:nvSpPr>
-          <p:cNvPr id="4" name="灯片编号占位符 3">
-            <a:extLst>
-              <a:ext uri="{FF2B5EF4-FFF2-40B4-BE49-F238E27FC236}">
-                <a16:creationId xmlns:a16="http://schemas.microsoft.com/office/drawing/2014/main" id="{944D7A84-13CB-423B-8852-C6E359A5BF43}"/>
-              </a:ext>
-            </a:extLst>
-          </p:cNvPr>
+          <p:cNvPr id="4" name="Slide Number Placeholder 3"/>
           <p:cNvSpPr>
             <a:spLocks noGrp="1"/>
           </p:cNvSpPr>
@@ -6062,7 +6262,7 @@
     </p:spTree>
     <p:extLst>
       <p:ext uri="{BB962C8B-B14F-4D97-AF65-F5344CB8AC3E}">
-        <p14:creationId xmlns:p14="http://schemas.microsoft.com/office/powerpoint/2010/main" val="109098353"/>
+        <p14:creationId xmlns:p14="http://schemas.microsoft.com/office/powerpoint/2010/main" val="865210813"/>
       </p:ext>
     </p:extLst>
   </p:cSld>
@@ -6091,13 +6291,7 @@
       </p:grpSpPr>
       <p:sp>
         <p:nvSpPr>
-          <p:cNvPr id="2" name="标题 1">
-            <a:extLst>
-              <a:ext uri="{FF2B5EF4-FFF2-40B4-BE49-F238E27FC236}">
-                <a16:creationId xmlns:a16="http://schemas.microsoft.com/office/drawing/2014/main" id="{338384A8-3E44-448E-BB75-E3F2B173C92C}"/>
-              </a:ext>
-            </a:extLst>
-          </p:cNvPr>
+          <p:cNvPr id="2" name="Title 1"/>
           <p:cNvSpPr>
             <a:spLocks noGrp="1"/>
           </p:cNvSpPr>
@@ -6123,18 +6317,13 @@
               <a:rPr lang="zh-CN" altLang="en-US"/>
               <a:t>单击此处编辑母版标题样式</a:t>
             </a:r>
+            <a:endParaRPr lang="en-US" dirty="0"/>
           </a:p>
         </p:txBody>
       </p:sp>
       <p:sp>
         <p:nvSpPr>
-          <p:cNvPr id="3" name="内容占位符 2">
-            <a:extLst>
-              <a:ext uri="{FF2B5EF4-FFF2-40B4-BE49-F238E27FC236}">
-                <a16:creationId xmlns:a16="http://schemas.microsoft.com/office/drawing/2014/main" id="{ABDBA0D5-AF2E-41F7-9DC7-3A1E6D8E9AF7}"/>
-              </a:ext>
-            </a:extLst>
-          </p:cNvPr>
+          <p:cNvPr id="3" name="Content Placeholder 2"/>
           <p:cNvSpPr>
             <a:spLocks noGrp="1"/>
           </p:cNvSpPr>
@@ -6213,18 +6402,13 @@
               <a:rPr lang="zh-CN" altLang="en-US"/>
               <a:t>五级</a:t>
             </a:r>
+            <a:endParaRPr lang="en-US" dirty="0"/>
           </a:p>
         </p:txBody>
       </p:sp>
       <p:sp>
         <p:nvSpPr>
-          <p:cNvPr id="4" name="文本占位符 3">
-            <a:extLst>
-              <a:ext uri="{FF2B5EF4-FFF2-40B4-BE49-F238E27FC236}">
-                <a16:creationId xmlns:a16="http://schemas.microsoft.com/office/drawing/2014/main" id="{1473705F-2462-4E92-BA64-3DD410CBAF06}"/>
-              </a:ext>
-            </a:extLst>
-          </p:cNvPr>
+          <p:cNvPr id="4" name="Text Placeholder 3"/>
           <p:cNvSpPr>
             <a:spLocks noGrp="1"/>
           </p:cNvSpPr>
@@ -6289,13 +6473,7 @@
       </p:sp>
       <p:sp>
         <p:nvSpPr>
-          <p:cNvPr id="5" name="日期占位符 4">
-            <a:extLst>
-              <a:ext uri="{FF2B5EF4-FFF2-40B4-BE49-F238E27FC236}">
-                <a16:creationId xmlns:a16="http://schemas.microsoft.com/office/drawing/2014/main" id="{227D7860-63A3-4D1D-B01B-16975DB4217B}"/>
-              </a:ext>
-            </a:extLst>
-          </p:cNvPr>
+          <p:cNvPr id="5" name="Date Placeholder 4"/>
           <p:cNvSpPr>
             <a:spLocks noGrp="1"/>
           </p:cNvSpPr>
@@ -6318,13 +6496,7 @@
       </p:sp>
       <p:sp>
         <p:nvSpPr>
-          <p:cNvPr id="6" name="页脚占位符 5">
-            <a:extLst>
-              <a:ext uri="{FF2B5EF4-FFF2-40B4-BE49-F238E27FC236}">
-                <a16:creationId xmlns:a16="http://schemas.microsoft.com/office/drawing/2014/main" id="{9CDABEED-3D7D-49AA-998B-24AF3226401D}"/>
-              </a:ext>
-            </a:extLst>
-          </p:cNvPr>
+          <p:cNvPr id="6" name="Footer Placeholder 5"/>
           <p:cNvSpPr>
             <a:spLocks noGrp="1"/>
           </p:cNvSpPr>
@@ -6343,13 +6515,7 @@
       </p:sp>
       <p:sp>
         <p:nvSpPr>
-          <p:cNvPr id="7" name="灯片编号占位符 6">
-            <a:extLst>
-              <a:ext uri="{FF2B5EF4-FFF2-40B4-BE49-F238E27FC236}">
-                <a16:creationId xmlns:a16="http://schemas.microsoft.com/office/drawing/2014/main" id="{1D7E0BE3-BCB6-43C0-8F37-414C7FA874F5}"/>
-              </a:ext>
-            </a:extLst>
-          </p:cNvPr>
+          <p:cNvPr id="7" name="Slide Number Placeholder 6"/>
           <p:cNvSpPr>
             <a:spLocks noGrp="1"/>
           </p:cNvSpPr>
@@ -6373,7 +6539,7 @@
     </p:spTree>
     <p:extLst>
       <p:ext uri="{BB962C8B-B14F-4D97-AF65-F5344CB8AC3E}">
-        <p14:creationId xmlns:p14="http://schemas.microsoft.com/office/powerpoint/2010/main" val="757894749"/>
+        <p14:creationId xmlns:p14="http://schemas.microsoft.com/office/powerpoint/2010/main" val="792107003"/>
       </p:ext>
     </p:extLst>
   </p:cSld>
@@ -6402,13 +6568,7 @@
       </p:grpSpPr>
       <p:sp>
         <p:nvSpPr>
-          <p:cNvPr id="2" name="标题 1">
-            <a:extLst>
-              <a:ext uri="{FF2B5EF4-FFF2-40B4-BE49-F238E27FC236}">
-                <a16:creationId xmlns:a16="http://schemas.microsoft.com/office/drawing/2014/main" id="{DF331035-8CCE-4860-BD8E-A6BDE6EB7D16}"/>
-              </a:ext>
-            </a:extLst>
-          </p:cNvPr>
+          <p:cNvPr id="2" name="Title 1"/>
           <p:cNvSpPr>
             <a:spLocks noGrp="1"/>
           </p:cNvSpPr>
@@ -6434,20 +6594,15 @@
               <a:rPr lang="zh-CN" altLang="en-US"/>
               <a:t>单击此处编辑母版标题样式</a:t>
             </a:r>
+            <a:endParaRPr lang="en-US" dirty="0"/>
           </a:p>
         </p:txBody>
       </p:sp>
       <p:sp>
         <p:nvSpPr>
-          <p:cNvPr id="3" name="图片占位符 2">
-            <a:extLst>
-              <a:ext uri="{FF2B5EF4-FFF2-40B4-BE49-F238E27FC236}">
-                <a16:creationId xmlns:a16="http://schemas.microsoft.com/office/drawing/2014/main" id="{A38ACD3E-147C-44E8-98AB-C4576CE4622B}"/>
-              </a:ext>
-            </a:extLst>
-          </p:cNvPr>
+          <p:cNvPr id="3" name="Picture Placeholder 2"/>
           <p:cNvSpPr>
-            <a:spLocks noGrp="1"/>
+            <a:spLocks noGrp="1" noChangeAspect="1"/>
           </p:cNvSpPr>
           <p:nvPr>
             <p:ph type="pic" idx="1"/>
@@ -6460,7 +6615,7 @@
           </a:xfrm>
         </p:spPr>
         <p:txBody>
-          <a:bodyPr/>
+          <a:bodyPr anchor="t"/>
           <a:lstStyle>
             <a:lvl1pPr marL="0" indent="0">
               <a:buNone/>
@@ -6500,19 +6655,17 @@
             </a:lvl9pPr>
           </a:lstStyle>
           <a:p>
-            <a:endParaRPr lang="zh-CN" altLang="en-US"/>
+            <a:r>
+              <a:rPr lang="zh-CN" altLang="en-US"/>
+              <a:t>单击图标添加图片</a:t>
+            </a:r>
+            <a:endParaRPr lang="en-US" dirty="0"/>
           </a:p>
         </p:txBody>
       </p:sp>
       <p:sp>
         <p:nvSpPr>
-          <p:cNvPr id="4" name="文本占位符 3">
-            <a:extLst>
-              <a:ext uri="{FF2B5EF4-FFF2-40B4-BE49-F238E27FC236}">
-                <a16:creationId xmlns:a16="http://schemas.microsoft.com/office/drawing/2014/main" id="{A9325CA9-5D7C-4CDC-9C3E-294EA0324CDA}"/>
-              </a:ext>
-            </a:extLst>
-          </p:cNvPr>
+          <p:cNvPr id="4" name="Text Placeholder 3"/>
           <p:cNvSpPr>
             <a:spLocks noGrp="1"/>
           </p:cNvSpPr>
@@ -6577,13 +6730,7 @@
       </p:sp>
       <p:sp>
         <p:nvSpPr>
-          <p:cNvPr id="5" name="日期占位符 4">
-            <a:extLst>
-              <a:ext uri="{FF2B5EF4-FFF2-40B4-BE49-F238E27FC236}">
-                <a16:creationId xmlns:a16="http://schemas.microsoft.com/office/drawing/2014/main" id="{069113A1-BA37-407D-853C-73EB27298C04}"/>
-              </a:ext>
-            </a:extLst>
-          </p:cNvPr>
+          <p:cNvPr id="5" name="Date Placeholder 4"/>
           <p:cNvSpPr>
             <a:spLocks noGrp="1"/>
           </p:cNvSpPr>
@@ -6606,13 +6753,7 @@
       </p:sp>
       <p:sp>
         <p:nvSpPr>
-          <p:cNvPr id="6" name="页脚占位符 5">
-            <a:extLst>
-              <a:ext uri="{FF2B5EF4-FFF2-40B4-BE49-F238E27FC236}">
-                <a16:creationId xmlns:a16="http://schemas.microsoft.com/office/drawing/2014/main" id="{257B80A1-70FC-4E5E-9359-0F8DCA592306}"/>
-              </a:ext>
-            </a:extLst>
-          </p:cNvPr>
+          <p:cNvPr id="6" name="Footer Placeholder 5"/>
           <p:cNvSpPr>
             <a:spLocks noGrp="1"/>
           </p:cNvSpPr>
@@ -6631,13 +6772,7 @@
       </p:sp>
       <p:sp>
         <p:nvSpPr>
-          <p:cNvPr id="7" name="灯片编号占位符 6">
-            <a:extLst>
-              <a:ext uri="{FF2B5EF4-FFF2-40B4-BE49-F238E27FC236}">
-                <a16:creationId xmlns:a16="http://schemas.microsoft.com/office/drawing/2014/main" id="{698537F4-1E60-4158-85A9-7814C176FD6F}"/>
-              </a:ext>
-            </a:extLst>
-          </p:cNvPr>
+          <p:cNvPr id="7" name="Slide Number Placeholder 6"/>
           <p:cNvSpPr>
             <a:spLocks noGrp="1"/>
           </p:cNvSpPr>
@@ -6661,7 +6796,7 @@
     </p:spTree>
     <p:extLst>
       <p:ext uri="{BB962C8B-B14F-4D97-AF65-F5344CB8AC3E}">
-        <p14:creationId xmlns:p14="http://schemas.microsoft.com/office/powerpoint/2010/main" val="899792144"/>
+        <p14:creationId xmlns:p14="http://schemas.microsoft.com/office/powerpoint/2010/main" val="2355168875"/>
       </p:ext>
     </p:extLst>
   </p:cSld>
@@ -6695,13 +6830,7 @@
       </p:grpSpPr>
       <p:sp>
         <p:nvSpPr>
-          <p:cNvPr id="2" name="标题占位符 1">
-            <a:extLst>
-              <a:ext uri="{FF2B5EF4-FFF2-40B4-BE49-F238E27FC236}">
-                <a16:creationId xmlns:a16="http://schemas.microsoft.com/office/drawing/2014/main" id="{C5F9F055-3FEC-4C67-8244-2BED0B125FDA}"/>
-              </a:ext>
-            </a:extLst>
-          </p:cNvPr>
+          <p:cNvPr id="2" name="Title Placeholder 1"/>
           <p:cNvSpPr>
             <a:spLocks noGrp="1"/>
           </p:cNvSpPr>
@@ -6728,18 +6857,13 @@
               <a:rPr lang="zh-CN" altLang="en-US"/>
               <a:t>单击此处编辑母版标题样式</a:t>
             </a:r>
+            <a:endParaRPr lang="en-US" dirty="0"/>
           </a:p>
         </p:txBody>
       </p:sp>
       <p:sp>
         <p:nvSpPr>
-          <p:cNvPr id="3" name="文本占位符 2">
-            <a:extLst>
-              <a:ext uri="{FF2B5EF4-FFF2-40B4-BE49-F238E27FC236}">
-                <a16:creationId xmlns:a16="http://schemas.microsoft.com/office/drawing/2014/main" id="{DA77D7AD-85C4-43B0-B9BC-F9ED4EA0D353}"/>
-              </a:ext>
-            </a:extLst>
-          </p:cNvPr>
+          <p:cNvPr id="3" name="Text Placeholder 2"/>
           <p:cNvSpPr>
             <a:spLocks noGrp="1"/>
           </p:cNvSpPr>
@@ -6795,18 +6919,13 @@
               <a:rPr lang="zh-CN" altLang="en-US"/>
               <a:t>五级</a:t>
             </a:r>
+            <a:endParaRPr lang="en-US" dirty="0"/>
           </a:p>
         </p:txBody>
       </p:sp>
       <p:sp>
         <p:nvSpPr>
-          <p:cNvPr id="4" name="日期占位符 3">
-            <a:extLst>
-              <a:ext uri="{FF2B5EF4-FFF2-40B4-BE49-F238E27FC236}">
-                <a16:creationId xmlns:a16="http://schemas.microsoft.com/office/drawing/2014/main" id="{C4058B04-CA73-48A6-91FE-FEFFD72C7425}"/>
-              </a:ext>
-            </a:extLst>
-          </p:cNvPr>
+          <p:cNvPr id="4" name="Date Placeholder 3"/>
           <p:cNvSpPr>
             <a:spLocks noGrp="1"/>
           </p:cNvSpPr>
@@ -6847,13 +6966,7 @@
       </p:sp>
       <p:sp>
         <p:nvSpPr>
-          <p:cNvPr id="5" name="页脚占位符 4">
-            <a:extLst>
-              <a:ext uri="{FF2B5EF4-FFF2-40B4-BE49-F238E27FC236}">
-                <a16:creationId xmlns:a16="http://schemas.microsoft.com/office/drawing/2014/main" id="{89B9BC3D-F7C5-47A4-921B-9BF1C7BBFCE4}"/>
-              </a:ext>
-            </a:extLst>
-          </p:cNvPr>
+          <p:cNvPr id="5" name="Footer Placeholder 4"/>
           <p:cNvSpPr>
             <a:spLocks noGrp="1"/>
           </p:cNvSpPr>
@@ -6890,13 +7003,7 @@
       </p:sp>
       <p:sp>
         <p:nvSpPr>
-          <p:cNvPr id="6" name="灯片编号占位符 5">
-            <a:extLst>
-              <a:ext uri="{FF2B5EF4-FFF2-40B4-BE49-F238E27FC236}">
-                <a16:creationId xmlns:a16="http://schemas.microsoft.com/office/drawing/2014/main" id="{02F6AEDC-83C9-4337-A4A7-2D2F389BC4C9}"/>
-              </a:ext>
-            </a:extLst>
-          </p:cNvPr>
+          <p:cNvPr id="6" name="Slide Number Placeholder 5"/>
           <p:cNvSpPr>
             <a:spLocks noGrp="1"/>
           </p:cNvSpPr>
@@ -6938,23 +7045,24 @@
     </p:spTree>
     <p:extLst>
       <p:ext uri="{BB962C8B-B14F-4D97-AF65-F5344CB8AC3E}">
-        <p14:creationId xmlns:p14="http://schemas.microsoft.com/office/powerpoint/2010/main" val="3509191934"/>
+        <p14:creationId xmlns:p14="http://schemas.microsoft.com/office/powerpoint/2010/main" val="1997664424"/>
       </p:ext>
     </p:extLst>
   </p:cSld>
   <p:clrMap bg1="dk1" tx1="lt1" bg2="dk2" tx2="lt2" accent1="accent1" accent2="accent2" accent3="accent3" accent4="accent4" accent5="accent5" accent6="accent6" hlink="hlink" folHlink="folHlink"/>
   <p:sldLayoutIdLst>
-    <p:sldLayoutId id="2147483715" r:id="rId1"/>
-    <p:sldLayoutId id="2147483716" r:id="rId2"/>
-    <p:sldLayoutId id="2147483717" r:id="rId3"/>
-    <p:sldLayoutId id="2147483718" r:id="rId4"/>
-    <p:sldLayoutId id="2147483719" r:id="rId5"/>
-    <p:sldLayoutId id="2147483720" r:id="rId6"/>
-    <p:sldLayoutId id="2147483721" r:id="rId7"/>
-    <p:sldLayoutId id="2147483722" r:id="rId8"/>
-    <p:sldLayoutId id="2147483723" r:id="rId9"/>
-    <p:sldLayoutId id="2147483724" r:id="rId10"/>
-    <p:sldLayoutId id="2147483725" r:id="rId11"/>
+    <p:sldLayoutId id="2147483728" r:id="rId1"/>
+    <p:sldLayoutId id="2147483729" r:id="rId2"/>
+    <p:sldLayoutId id="2147483730" r:id="rId3"/>
+    <p:sldLayoutId id="2147483731" r:id="rId4"/>
+    <p:sldLayoutId id="2147483732" r:id="rId5"/>
+    <p:sldLayoutId id="2147483733" r:id="rId6"/>
+    <p:sldLayoutId id="2147483734" r:id="rId7"/>
+    <p:sldLayoutId id="2147483735" r:id="rId8"/>
+    <p:sldLayoutId id="2147483736" r:id="rId9"/>
+    <p:sldLayoutId id="2147483737" r:id="rId10"/>
+    <p:sldLayoutId id="2147483738" r:id="rId11"/>
+    <p:sldLayoutId id="2147483739" r:id="rId12"/>
   </p:sldLayoutIdLst>
   <p:txStyles>
     <p:titleStyle>
@@ -7142,7 +7250,7 @@
     </p:bodyStyle>
     <p:otherStyle>
       <a:defPPr>
-        <a:defRPr lang="zh-CN"/>
+        <a:defRPr lang="en-US"/>
       </a:defPPr>
       <a:lvl1pPr marL="0" algn="l" defTabSz="914400" rtl="0" eaLnBrk="1" latinLnBrk="0" hangingPunct="1">
         <a:defRPr sz="1800" kern="1200">
@@ -7742,6 +7850,2134 @@
       </p:grpSpPr>
       <p:sp>
         <p:nvSpPr>
+          <p:cNvPr id="273" name="Shape 273"/>
+          <p:cNvSpPr/>
+          <p:nvPr/>
+        </p:nvSpPr>
+        <p:spPr>
+          <a:xfrm>
+            <a:off x="1052830" y="2964180"/>
+            <a:ext cx="7782822" cy="1737720"/>
+          </a:xfrm>
+          <a:prstGeom prst="rect">
+            <a:avLst/>
+          </a:prstGeom>
+          <a:ln w="12700">
+            <a:miter lim="400000"/>
+          </a:ln>
+        </p:spPr>
+        <p:txBody>
+          <a:bodyPr lIns="45719" rIns="45719">
+            <a:spAutoFit/>
+          </a:bodyPr>
+          <a:lstStyle>
+            <a:lvl1pPr>
+              <a:lnSpc>
+                <a:spcPct val="80000"/>
+              </a:lnSpc>
+              <a:defRPr sz="6600">
+                <a:solidFill>
+                  <a:srgbClr val="535353"/>
+                </a:solidFill>
+                <a:latin typeface="Source Han Sans CN Bold Bold"/>
+                <a:ea typeface="Source Han Sans CN Bold Bold"/>
+                <a:cs typeface="Source Han Sans CN Bold Bold"/>
+                <a:sym typeface="Source Han Sans CN Bold Bold"/>
+              </a:defRPr>
+            </a:lvl1pPr>
+          </a:lstStyle>
+          <a:p>
+            <a:r>
+              <a:rPr lang="zh-CN" altLang="en-US" dirty="0">
+                <a:solidFill>
+                  <a:schemeClr val="tx1">
+                    <a:lumMod val="95000"/>
+                  </a:schemeClr>
+                </a:solidFill>
+              </a:rPr>
+              <a:t>本课程的适宜人群？</a:t>
+            </a:r>
+          </a:p>
+          <a:p>
+            <a:endParaRPr dirty="0">
+              <a:solidFill>
+                <a:schemeClr val="tx1">
+                  <a:lumMod val="95000"/>
+                </a:schemeClr>
+              </a:solidFill>
+            </a:endParaRPr>
+          </a:p>
+        </p:txBody>
+      </p:sp>
+    </p:spTree>
+    <p:extLst>
+      <p:ext uri="{BB962C8B-B14F-4D97-AF65-F5344CB8AC3E}">
+        <p14:creationId xmlns:p14="http://schemas.microsoft.com/office/powerpoint/2010/main" val="2820900681"/>
+      </p:ext>
+    </p:extLst>
+  </p:cSld>
+  <p:clrMapOvr>
+    <a:masterClrMapping/>
+  </p:clrMapOvr>
+  <p:transition spd="slow"/>
+</p:sld>
+</file>
+
+<file path=ppt/slides/slide11.xml><?xml version="1.0" encoding="utf-8"?>
+<p:sld xmlns:a="http://schemas.openxmlformats.org/drawingml/2006/main" xmlns:r="http://schemas.openxmlformats.org/officeDocument/2006/relationships" xmlns:p="http://schemas.openxmlformats.org/presentationml/2006/main">
+  <p:cSld>
+    <p:spTree>
+      <p:nvGrpSpPr>
+        <p:cNvPr id="1" name=""/>
+        <p:cNvGrpSpPr/>
+        <p:nvPr/>
+      </p:nvGrpSpPr>
+      <p:grpSpPr>
+        <a:xfrm>
+          <a:off x="0" y="0"/>
+          <a:ext cx="0" cy="0"/>
+          <a:chOff x="0" y="0"/>
+          <a:chExt cx="0" cy="0"/>
+        </a:xfrm>
+      </p:grpSpPr>
+      <p:sp>
+        <p:nvSpPr>
+          <p:cNvPr id="213" name="Shape 213"/>
+          <p:cNvSpPr/>
+          <p:nvPr/>
+        </p:nvSpPr>
+        <p:spPr>
+          <a:xfrm>
+            <a:off x="1040129" y="2391409"/>
+            <a:ext cx="6166787" cy="430374"/>
+          </a:xfrm>
+          <a:prstGeom prst="rect">
+            <a:avLst/>
+          </a:prstGeom>
+          <a:ln w="12700">
+            <a:miter lim="400000"/>
+          </a:ln>
+        </p:spPr>
+        <p:txBody>
+          <a:bodyPr wrap="square" lIns="45719" rIns="45719">
+            <a:spAutoFit/>
+          </a:bodyPr>
+          <a:lstStyle>
+            <a:lvl1pPr>
+              <a:lnSpc>
+                <a:spcPct val="120000"/>
+              </a:lnSpc>
+              <a:defRPr sz="1800"/>
+            </a:lvl1pPr>
+          </a:lstStyle>
+          <a:p>
+            <a:endParaRPr sz="2000" dirty="0">
+              <a:latin typeface="Source Han Sans CN Normal" charset="-122"/>
+              <a:ea typeface="Source Han Sans CN Normal" charset="-122"/>
+              <a:cs typeface="Source Han Sans CN Normal" charset="-122"/>
+            </a:endParaRPr>
+          </a:p>
+        </p:txBody>
+      </p:sp>
+      <p:sp>
+        <p:nvSpPr>
+          <p:cNvPr id="2" name="Shape 213">
+            <a:extLst>
+              <a:ext uri="{FF2B5EF4-FFF2-40B4-BE49-F238E27FC236}">
+                <a16:creationId xmlns:a16="http://schemas.microsoft.com/office/drawing/2014/main" id="{9D39F2E2-8887-458B-9369-919130D66026}"/>
+              </a:ext>
+            </a:extLst>
+          </p:cNvPr>
+          <p:cNvSpPr/>
+          <p:nvPr/>
+        </p:nvSpPr>
+        <p:spPr>
+          <a:xfrm>
+            <a:off x="235780" y="189746"/>
+            <a:ext cx="6166787" cy="7447680"/>
+          </a:xfrm>
+          <a:prstGeom prst="rect">
+            <a:avLst/>
+          </a:prstGeom>
+          <a:ln w="12700">
+            <a:miter lim="400000"/>
+          </a:ln>
+        </p:spPr>
+        <p:txBody>
+          <a:bodyPr wrap="square" lIns="45719" rIns="45719">
+            <a:spAutoFit/>
+          </a:bodyPr>
+          <a:lstStyle>
+            <a:lvl1pPr>
+              <a:lnSpc>
+                <a:spcPct val="120000"/>
+              </a:lnSpc>
+              <a:defRPr sz="1800"/>
+            </a:lvl1pPr>
+          </a:lstStyle>
+          <a:p>
+            <a:pPr marL="342900" indent="-342900">
+              <a:buFont typeface="Wingdings" panose="05000000000000000000" pitchFamily="2" charset="2"/>
+              <a:buChar char="Ø"/>
+            </a:pPr>
+            <a:r>
+              <a:rPr lang="zh-CN" altLang="en-US" sz="2000" dirty="0">
+                <a:latin typeface="Source Han Sans CN Normal" charset="-122"/>
+                <a:ea typeface="Source Han Sans CN Normal" charset="-122"/>
+                <a:cs typeface="Source Han Sans CN Normal" charset="-122"/>
+              </a:rPr>
+              <a:t>所有从事脑功能及影像组学研究的人员</a:t>
+            </a:r>
+            <a:endParaRPr lang="en-US" altLang="zh-CN" sz="2000" dirty="0">
+              <a:latin typeface="Source Han Sans CN Normal" charset="-122"/>
+              <a:ea typeface="Source Han Sans CN Normal" charset="-122"/>
+              <a:cs typeface="Source Han Sans CN Normal" charset="-122"/>
+            </a:endParaRPr>
+          </a:p>
+          <a:p>
+            <a:pPr marL="342900" indent="-342900">
+              <a:buFont typeface="Wingdings" panose="05000000000000000000" pitchFamily="2" charset="2"/>
+              <a:buChar char="Ø"/>
+            </a:pPr>
+            <a:endParaRPr lang="en-US" altLang="zh-CN" sz="2000" dirty="0">
+              <a:latin typeface="Source Han Sans CN Normal" charset="-122"/>
+              <a:ea typeface="Source Han Sans CN Normal" charset="-122"/>
+              <a:cs typeface="Source Han Sans CN Normal" charset="-122"/>
+            </a:endParaRPr>
+          </a:p>
+          <a:p>
+            <a:pPr marL="342900" indent="-342900">
+              <a:buFont typeface="Wingdings" panose="05000000000000000000" pitchFamily="2" charset="2"/>
+              <a:buChar char="Ø"/>
+            </a:pPr>
+            <a:r>
+              <a:rPr lang="zh-CN" altLang="en-US" sz="2000" dirty="0">
+                <a:latin typeface="Source Han Sans CN Normal" charset="-122"/>
+                <a:ea typeface="Source Han Sans CN Normal" charset="-122"/>
+                <a:cs typeface="Source Han Sans CN Normal" charset="-122"/>
+              </a:rPr>
+              <a:t>包括但不限于认知神经科学、心理学和神经影像学学生和科研人员</a:t>
+            </a:r>
+            <a:endParaRPr lang="en-US" altLang="zh-CN" sz="2000" dirty="0">
+              <a:latin typeface="Source Han Sans CN Normal" charset="-122"/>
+              <a:ea typeface="Source Han Sans CN Normal" charset="-122"/>
+              <a:cs typeface="Source Han Sans CN Normal" charset="-122"/>
+            </a:endParaRPr>
+          </a:p>
+          <a:p>
+            <a:pPr marL="342900" indent="-342900">
+              <a:buFont typeface="Wingdings" panose="05000000000000000000" pitchFamily="2" charset="2"/>
+              <a:buChar char="Ø"/>
+            </a:pPr>
+            <a:endParaRPr lang="en-US" altLang="zh-CN" sz="2000" dirty="0">
+              <a:latin typeface="Source Han Sans CN Normal" charset="-122"/>
+              <a:ea typeface="Source Han Sans CN Normal" charset="-122"/>
+              <a:cs typeface="Source Han Sans CN Normal" charset="-122"/>
+            </a:endParaRPr>
+          </a:p>
+          <a:p>
+            <a:pPr marL="342900" indent="-342900">
+              <a:buFont typeface="Wingdings" panose="05000000000000000000" pitchFamily="2" charset="2"/>
+              <a:buChar char="Ø"/>
+            </a:pPr>
+            <a:r>
+              <a:rPr lang="zh-CN" altLang="en-US" sz="2000" dirty="0">
+                <a:latin typeface="Source Han Sans CN Normal" charset="-122"/>
+                <a:ea typeface="Source Han Sans CN Normal" charset="-122"/>
+                <a:cs typeface="Source Han Sans CN Normal" charset="-122"/>
+              </a:rPr>
+              <a:t>放射科、核医学科、精神医学科、心理科、神经内科、康复医学科的医生和医学生</a:t>
+            </a:r>
+            <a:endParaRPr lang="en-US" altLang="zh-CN" sz="2000" dirty="0">
+              <a:latin typeface="Source Han Sans CN Normal" charset="-122"/>
+              <a:ea typeface="Source Han Sans CN Normal" charset="-122"/>
+              <a:cs typeface="Source Han Sans CN Normal" charset="-122"/>
+            </a:endParaRPr>
+          </a:p>
+          <a:p>
+            <a:pPr marL="342900" indent="-342900">
+              <a:buFont typeface="Wingdings" panose="05000000000000000000" pitchFamily="2" charset="2"/>
+              <a:buChar char="Ø"/>
+            </a:pPr>
+            <a:endParaRPr lang="en-US" altLang="zh-CN" sz="2000" dirty="0">
+              <a:latin typeface="Source Han Sans CN Normal" charset="-122"/>
+              <a:ea typeface="Source Han Sans CN Normal" charset="-122"/>
+              <a:cs typeface="Source Han Sans CN Normal" charset="-122"/>
+            </a:endParaRPr>
+          </a:p>
+          <a:p>
+            <a:pPr marL="342900" indent="-342900">
+              <a:buFont typeface="Wingdings" panose="05000000000000000000" pitchFamily="2" charset="2"/>
+              <a:buChar char="Ø"/>
+            </a:pPr>
+            <a:r>
+              <a:rPr lang="zh-CN" altLang="en-US" sz="2000" dirty="0">
+                <a:latin typeface="Source Han Sans CN Normal" charset="-122"/>
+                <a:ea typeface="Source Han Sans CN Normal" charset="-122"/>
+                <a:cs typeface="Source Han Sans CN Normal" charset="-122"/>
+              </a:rPr>
+              <a:t>患有“编程恐惧症”的且时间有限，想重点关注研究的设计和文章写作的医生和医学生</a:t>
+            </a:r>
+            <a:endParaRPr lang="en-US" altLang="zh-CN" sz="2000" dirty="0">
+              <a:latin typeface="Source Han Sans CN Normal" charset="-122"/>
+              <a:ea typeface="Source Han Sans CN Normal" charset="-122"/>
+              <a:cs typeface="Source Han Sans CN Normal" charset="-122"/>
+            </a:endParaRPr>
+          </a:p>
+          <a:p>
+            <a:pPr marL="342900" indent="-342900">
+              <a:buFont typeface="Wingdings" panose="05000000000000000000" pitchFamily="2" charset="2"/>
+              <a:buChar char="Ø"/>
+            </a:pPr>
+            <a:endParaRPr lang="en-US" altLang="zh-CN" sz="2000" dirty="0">
+              <a:latin typeface="Source Han Sans CN Normal" charset="-122"/>
+              <a:ea typeface="Source Han Sans CN Normal" charset="-122"/>
+              <a:cs typeface="Source Han Sans CN Normal" charset="-122"/>
+            </a:endParaRPr>
+          </a:p>
+          <a:p>
+            <a:pPr marL="342900" indent="-342900">
+              <a:buFont typeface="Wingdings" panose="05000000000000000000" pitchFamily="2" charset="2"/>
+              <a:buChar char="Ø"/>
+            </a:pPr>
+            <a:r>
+              <a:rPr lang="zh-CN" altLang="en-US" sz="2000" dirty="0">
+                <a:latin typeface="Source Han Sans CN Normal" charset="-122"/>
+                <a:ea typeface="Source Han Sans CN Normal" charset="-122"/>
+                <a:cs typeface="Source Han Sans CN Normal" charset="-122"/>
+              </a:rPr>
+              <a:t>渴望在图形界面软件上，通过“点点点”的方式就能轻松完成以往必须进行复杂的编程才能完成的机器学习的群体</a:t>
+            </a:r>
+            <a:endParaRPr lang="en-US" altLang="zh-CN" sz="2000" dirty="0">
+              <a:latin typeface="Source Han Sans CN Normal" charset="-122"/>
+              <a:ea typeface="Source Han Sans CN Normal" charset="-122"/>
+              <a:cs typeface="Source Han Sans CN Normal" charset="-122"/>
+            </a:endParaRPr>
+          </a:p>
+          <a:p>
+            <a:pPr marL="342900" indent="-342900">
+              <a:buFont typeface="Wingdings" panose="05000000000000000000" pitchFamily="2" charset="2"/>
+              <a:buChar char="Ø"/>
+            </a:pPr>
+            <a:endParaRPr lang="en-US" altLang="zh-CN" sz="2000" dirty="0">
+              <a:latin typeface="Source Han Sans CN Normal" charset="-122"/>
+              <a:ea typeface="Source Han Sans CN Normal" charset="-122"/>
+              <a:cs typeface="Source Han Sans CN Normal" charset="-122"/>
+            </a:endParaRPr>
+          </a:p>
+          <a:p>
+            <a:pPr marL="342900" indent="-342900">
+              <a:buFont typeface="Wingdings" panose="05000000000000000000" pitchFamily="2" charset="2"/>
+              <a:buChar char="Ø"/>
+            </a:pPr>
+            <a:r>
+              <a:rPr lang="zh-CN" altLang="en-US" sz="2000" dirty="0">
+                <a:latin typeface="Source Han Sans CN Normal" charset="-122"/>
+                <a:ea typeface="Source Han Sans CN Normal" charset="-122"/>
+                <a:cs typeface="Source Han Sans CN Normal" charset="-122"/>
+              </a:rPr>
+              <a:t>希望在“一站式”机器学习软件上轻松得到用于发表高水平</a:t>
+            </a:r>
+            <a:r>
+              <a:rPr lang="en-US" altLang="zh-CN" sz="2000" dirty="0">
+                <a:latin typeface="Source Han Sans CN Normal" charset="-122"/>
+                <a:ea typeface="Source Han Sans CN Normal" charset="-122"/>
+                <a:cs typeface="Source Han Sans CN Normal" charset="-122"/>
+              </a:rPr>
+              <a:t>SCI</a:t>
+            </a:r>
+            <a:r>
+              <a:rPr lang="zh-CN" altLang="en-US" sz="2000" dirty="0">
+                <a:latin typeface="Source Han Sans CN Normal" charset="-122"/>
+                <a:ea typeface="Source Han Sans CN Normal" charset="-122"/>
+                <a:cs typeface="Source Han Sans CN Normal" charset="-122"/>
+              </a:rPr>
+              <a:t>文章的结果报告和图片的群体</a:t>
+            </a:r>
+            <a:endParaRPr lang="en-US" altLang="zh-CN" sz="2000" dirty="0">
+              <a:latin typeface="Source Han Sans CN Normal" charset="-122"/>
+              <a:ea typeface="Source Han Sans CN Normal" charset="-122"/>
+              <a:cs typeface="Source Han Sans CN Normal" charset="-122"/>
+            </a:endParaRPr>
+          </a:p>
+          <a:p>
+            <a:endParaRPr lang="en-US" altLang="zh-CN" sz="2000" dirty="0">
+              <a:latin typeface="Source Han Sans CN Normal" charset="-122"/>
+              <a:ea typeface="Source Han Sans CN Normal" charset="-122"/>
+              <a:cs typeface="Source Han Sans CN Normal" charset="-122"/>
+            </a:endParaRPr>
+          </a:p>
+          <a:p>
+            <a:pPr marL="342900" indent="-342900">
+              <a:buFont typeface="Wingdings" panose="05000000000000000000" pitchFamily="2" charset="2"/>
+              <a:buChar char="Ø"/>
+            </a:pPr>
+            <a:endParaRPr lang="en-US" altLang="zh-CN" sz="2000" dirty="0">
+              <a:latin typeface="Source Han Sans CN Normal" charset="-122"/>
+              <a:ea typeface="Source Han Sans CN Normal" charset="-122"/>
+              <a:cs typeface="Source Han Sans CN Normal" charset="-122"/>
+            </a:endParaRPr>
+          </a:p>
+          <a:p>
+            <a:endParaRPr sz="2000" dirty="0">
+              <a:latin typeface="Source Han Sans CN Normal" charset="-122"/>
+              <a:ea typeface="Source Han Sans CN Normal" charset="-122"/>
+              <a:cs typeface="Source Han Sans CN Normal" charset="-122"/>
+            </a:endParaRPr>
+          </a:p>
+        </p:txBody>
+      </p:sp>
+      <p:pic>
+        <p:nvPicPr>
+          <p:cNvPr id="3" name="图片 2">
+            <a:extLst>
+              <a:ext uri="{FF2B5EF4-FFF2-40B4-BE49-F238E27FC236}">
+                <a16:creationId xmlns:a16="http://schemas.microsoft.com/office/drawing/2014/main" id="{DAD409B9-3A14-4F80-B5DA-6EEA6CC40EB4}"/>
+              </a:ext>
+            </a:extLst>
+          </p:cNvPr>
+          <p:cNvPicPr>
+            <a:picLocks noChangeAspect="1"/>
+          </p:cNvPicPr>
+          <p:nvPr/>
+        </p:nvPicPr>
+        <p:blipFill>
+          <a:blip r:embed="rId2"/>
+          <a:stretch>
+            <a:fillRect/>
+          </a:stretch>
+        </p:blipFill>
+        <p:spPr>
+          <a:xfrm>
+            <a:off x="7820909" y="1015369"/>
+            <a:ext cx="3632803" cy="5665118"/>
+          </a:xfrm>
+          <a:prstGeom prst="rect">
+            <a:avLst/>
+          </a:prstGeom>
+        </p:spPr>
+      </p:pic>
+    </p:spTree>
+    <p:extLst>
+      <p:ext uri="{BB962C8B-B14F-4D97-AF65-F5344CB8AC3E}">
+        <p14:creationId xmlns:p14="http://schemas.microsoft.com/office/powerpoint/2010/main" val="3582338329"/>
+      </p:ext>
+    </p:extLst>
+  </p:cSld>
+  <p:clrMapOvr>
+    <a:masterClrMapping/>
+  </p:clrMapOvr>
+  <p:transition spd="slow"/>
+</p:sld>
+</file>
+
+<file path=ppt/slides/slide12.xml><?xml version="1.0" encoding="utf-8"?>
+<p:sld xmlns:a="http://schemas.openxmlformats.org/drawingml/2006/main" xmlns:r="http://schemas.openxmlformats.org/officeDocument/2006/relationships" xmlns:p="http://schemas.openxmlformats.org/presentationml/2006/main">
+  <p:cSld>
+    <p:spTree>
+      <p:nvGrpSpPr>
+        <p:cNvPr id="1" name=""/>
+        <p:cNvGrpSpPr/>
+        <p:nvPr/>
+      </p:nvGrpSpPr>
+      <p:grpSpPr>
+        <a:xfrm>
+          <a:off x="0" y="0"/>
+          <a:ext cx="0" cy="0"/>
+          <a:chOff x="0" y="0"/>
+          <a:chExt cx="0" cy="0"/>
+        </a:xfrm>
+      </p:grpSpPr>
+      <p:sp>
+        <p:nvSpPr>
+          <p:cNvPr id="273" name="Shape 273"/>
+          <p:cNvSpPr/>
+          <p:nvPr/>
+        </p:nvSpPr>
+        <p:spPr>
+          <a:xfrm>
+            <a:off x="1052830" y="2964180"/>
+            <a:ext cx="7782822" cy="1737720"/>
+          </a:xfrm>
+          <a:prstGeom prst="rect">
+            <a:avLst/>
+          </a:prstGeom>
+          <a:ln w="12700">
+            <a:miter lim="400000"/>
+          </a:ln>
+        </p:spPr>
+        <p:txBody>
+          <a:bodyPr lIns="45719" rIns="45719">
+            <a:spAutoFit/>
+          </a:bodyPr>
+          <a:lstStyle>
+            <a:lvl1pPr>
+              <a:lnSpc>
+                <a:spcPct val="80000"/>
+              </a:lnSpc>
+              <a:defRPr sz="6600">
+                <a:solidFill>
+                  <a:srgbClr val="535353"/>
+                </a:solidFill>
+                <a:latin typeface="Source Han Sans CN Bold Bold"/>
+                <a:ea typeface="Source Han Sans CN Bold Bold"/>
+                <a:cs typeface="Source Han Sans CN Bold Bold"/>
+                <a:sym typeface="Source Han Sans CN Bold Bold"/>
+              </a:defRPr>
+            </a:lvl1pPr>
+          </a:lstStyle>
+          <a:p>
+            <a:r>
+              <a:rPr lang="zh-CN" altLang="en-US" dirty="0">
+                <a:solidFill>
+                  <a:schemeClr val="tx1">
+                    <a:lumMod val="95000"/>
+                  </a:schemeClr>
+                </a:solidFill>
+              </a:rPr>
+              <a:t>本课程的亮点？</a:t>
+            </a:r>
+          </a:p>
+          <a:p>
+            <a:endParaRPr dirty="0">
+              <a:solidFill>
+                <a:schemeClr val="tx1">
+                  <a:lumMod val="95000"/>
+                </a:schemeClr>
+              </a:solidFill>
+            </a:endParaRPr>
+          </a:p>
+        </p:txBody>
+      </p:sp>
+    </p:spTree>
+    <p:extLst>
+      <p:ext uri="{BB962C8B-B14F-4D97-AF65-F5344CB8AC3E}">
+        <p14:creationId xmlns:p14="http://schemas.microsoft.com/office/powerpoint/2010/main" val="2744184017"/>
+      </p:ext>
+    </p:extLst>
+  </p:cSld>
+  <p:clrMapOvr>
+    <a:masterClrMapping/>
+  </p:clrMapOvr>
+  <p:transition spd="slow"/>
+</p:sld>
+</file>
+
+<file path=ppt/slides/slide13.xml><?xml version="1.0" encoding="utf-8"?>
+<p:sld xmlns:a="http://schemas.openxmlformats.org/drawingml/2006/main" xmlns:r="http://schemas.openxmlformats.org/officeDocument/2006/relationships" xmlns:p="http://schemas.openxmlformats.org/presentationml/2006/main">
+  <p:cSld>
+    <p:spTree>
+      <p:nvGrpSpPr>
+        <p:cNvPr id="1" name=""/>
+        <p:cNvGrpSpPr/>
+        <p:nvPr/>
+      </p:nvGrpSpPr>
+      <p:grpSpPr>
+        <a:xfrm>
+          <a:off x="0" y="0"/>
+          <a:ext cx="0" cy="0"/>
+          <a:chOff x="0" y="0"/>
+          <a:chExt cx="0" cy="0"/>
+        </a:xfrm>
+      </p:grpSpPr>
+      <p:sp>
+        <p:nvSpPr>
+          <p:cNvPr id="213" name="Shape 213"/>
+          <p:cNvSpPr/>
+          <p:nvPr/>
+        </p:nvSpPr>
+        <p:spPr>
+          <a:xfrm>
+            <a:off x="1040129" y="2391409"/>
+            <a:ext cx="6166787" cy="430374"/>
+          </a:xfrm>
+          <a:prstGeom prst="rect">
+            <a:avLst/>
+          </a:prstGeom>
+          <a:ln w="12700">
+            <a:miter lim="400000"/>
+          </a:ln>
+        </p:spPr>
+        <p:txBody>
+          <a:bodyPr wrap="square" lIns="45719" rIns="45719">
+            <a:spAutoFit/>
+          </a:bodyPr>
+          <a:lstStyle>
+            <a:lvl1pPr>
+              <a:lnSpc>
+                <a:spcPct val="120000"/>
+              </a:lnSpc>
+              <a:defRPr sz="1800"/>
+            </a:lvl1pPr>
+          </a:lstStyle>
+          <a:p>
+            <a:endParaRPr sz="2000" dirty="0">
+              <a:latin typeface="Source Han Sans CN Normal" charset="-122"/>
+              <a:ea typeface="Source Han Sans CN Normal" charset="-122"/>
+              <a:cs typeface="Source Han Sans CN Normal" charset="-122"/>
+            </a:endParaRPr>
+          </a:p>
+        </p:txBody>
+      </p:sp>
+      <p:sp>
+        <p:nvSpPr>
+          <p:cNvPr id="2" name="Shape 213">
+            <a:extLst>
+              <a:ext uri="{FF2B5EF4-FFF2-40B4-BE49-F238E27FC236}">
+                <a16:creationId xmlns:a16="http://schemas.microsoft.com/office/drawing/2014/main" id="{9D39F2E2-8887-458B-9369-919130D66026}"/>
+              </a:ext>
+            </a:extLst>
+          </p:cNvPr>
+          <p:cNvSpPr/>
+          <p:nvPr/>
+        </p:nvSpPr>
+        <p:spPr>
+          <a:xfrm>
+            <a:off x="540580" y="370978"/>
+            <a:ext cx="6166787" cy="5970352"/>
+          </a:xfrm>
+          <a:prstGeom prst="rect">
+            <a:avLst/>
+          </a:prstGeom>
+          <a:ln w="12700">
+            <a:miter lim="400000"/>
+          </a:ln>
+        </p:spPr>
+        <p:txBody>
+          <a:bodyPr wrap="square" lIns="45719" rIns="45719">
+            <a:spAutoFit/>
+          </a:bodyPr>
+          <a:lstStyle>
+            <a:lvl1pPr>
+              <a:lnSpc>
+                <a:spcPct val="120000"/>
+              </a:lnSpc>
+              <a:defRPr sz="1800"/>
+            </a:lvl1pPr>
+          </a:lstStyle>
+          <a:p>
+            <a:pPr marL="342900" indent="-342900">
+              <a:buFont typeface="Wingdings" panose="05000000000000000000" pitchFamily="2" charset="2"/>
+              <a:buChar char="Ø"/>
+            </a:pPr>
+            <a:r>
+              <a:rPr lang="zh-CN" altLang="en-US" sz="2000" dirty="0">
+                <a:latin typeface="Source Han Sans CN Normal" charset="-122"/>
+                <a:ea typeface="Source Han Sans CN Normal" charset="-122"/>
+                <a:cs typeface="Source Han Sans CN Normal" charset="-122"/>
+              </a:rPr>
+              <a:t>以浅显易懂的方式讲解机器学习的基本理论知识，照顾零基础学员</a:t>
+            </a:r>
+            <a:endParaRPr lang="en-US" altLang="zh-CN" sz="2000" dirty="0">
+              <a:latin typeface="Source Han Sans CN Normal" charset="-122"/>
+              <a:ea typeface="Source Han Sans CN Normal" charset="-122"/>
+              <a:cs typeface="Source Han Sans CN Normal" charset="-122"/>
+            </a:endParaRPr>
+          </a:p>
+          <a:p>
+            <a:pPr marL="342900" indent="-342900">
+              <a:buFont typeface="Wingdings" panose="05000000000000000000" pitchFamily="2" charset="2"/>
+              <a:buChar char="Ø"/>
+            </a:pPr>
+            <a:endParaRPr lang="en-US" altLang="zh-CN" sz="2000" dirty="0">
+              <a:latin typeface="Source Han Sans CN Normal" charset="-122"/>
+              <a:ea typeface="Source Han Sans CN Normal" charset="-122"/>
+              <a:cs typeface="Source Han Sans CN Normal" charset="-122"/>
+            </a:endParaRPr>
+          </a:p>
+          <a:p>
+            <a:pPr marL="342900" indent="-342900">
+              <a:buFont typeface="Wingdings" panose="05000000000000000000" pitchFamily="2" charset="2"/>
+              <a:buChar char="Ø"/>
+            </a:pPr>
+            <a:r>
+              <a:rPr lang="zh-CN" altLang="en-US" sz="2000" dirty="0">
+                <a:latin typeface="Source Han Sans CN Normal" charset="-122"/>
+                <a:ea typeface="Source Han Sans CN Normal" charset="-122"/>
+                <a:cs typeface="Source Han Sans CN Normal" charset="-122"/>
+              </a:rPr>
+              <a:t>以机器学习实际应用为核心，详细讲解每一个步骤的目的和实际操作</a:t>
+            </a:r>
+            <a:endParaRPr lang="en-US" altLang="zh-CN" sz="2000" dirty="0">
+              <a:latin typeface="Source Han Sans CN Normal" charset="-122"/>
+              <a:ea typeface="Source Han Sans CN Normal" charset="-122"/>
+              <a:cs typeface="Source Han Sans CN Normal" charset="-122"/>
+            </a:endParaRPr>
+          </a:p>
+          <a:p>
+            <a:pPr marL="342900" indent="-342900">
+              <a:buFont typeface="Wingdings" panose="05000000000000000000" pitchFamily="2" charset="2"/>
+              <a:buChar char="Ø"/>
+            </a:pPr>
+            <a:endParaRPr lang="en-US" altLang="zh-CN" sz="2000" dirty="0">
+              <a:latin typeface="Source Han Sans CN Normal" charset="-122"/>
+              <a:ea typeface="Source Han Sans CN Normal" charset="-122"/>
+              <a:cs typeface="Source Han Sans CN Normal" charset="-122"/>
+            </a:endParaRPr>
+          </a:p>
+          <a:p>
+            <a:pPr marL="342900" indent="-342900">
+              <a:buFont typeface="Wingdings" panose="05000000000000000000" pitchFamily="2" charset="2"/>
+              <a:buChar char="Ø"/>
+            </a:pPr>
+            <a:r>
+              <a:rPr lang="zh-CN" altLang="en-US" sz="2000" dirty="0">
+                <a:latin typeface="Source Han Sans CN Normal" charset="-122"/>
+                <a:ea typeface="Source Han Sans CN Normal" charset="-122"/>
+                <a:cs typeface="Source Han Sans CN Normal" charset="-122"/>
+              </a:rPr>
+              <a:t>讲课老师讲解自己团队开发的机器学习软件，可以优先根据学员的共性要求升级软件</a:t>
+            </a:r>
+            <a:endParaRPr lang="en-US" altLang="zh-CN" sz="2000" dirty="0">
+              <a:latin typeface="Source Han Sans CN Normal" charset="-122"/>
+              <a:ea typeface="Source Han Sans CN Normal" charset="-122"/>
+              <a:cs typeface="Source Han Sans CN Normal" charset="-122"/>
+            </a:endParaRPr>
+          </a:p>
+          <a:p>
+            <a:endParaRPr lang="en-US" altLang="zh-CN" sz="2000" dirty="0">
+              <a:latin typeface="Source Han Sans CN Normal" charset="-122"/>
+              <a:ea typeface="Source Han Sans CN Normal" charset="-122"/>
+              <a:cs typeface="Source Han Sans CN Normal" charset="-122"/>
+            </a:endParaRPr>
+          </a:p>
+          <a:p>
+            <a:pPr marL="342900" indent="-342900">
+              <a:buFont typeface="Wingdings" panose="05000000000000000000" pitchFamily="2" charset="2"/>
+              <a:buChar char="Ø"/>
+            </a:pPr>
+            <a:r>
+              <a:rPr lang="zh-CN" altLang="en-US" sz="2000" dirty="0">
+                <a:latin typeface="Source Han Sans CN Normal" charset="-122"/>
+                <a:ea typeface="Source Han Sans CN Normal" charset="-122"/>
+                <a:cs typeface="Source Han Sans CN Normal" charset="-122"/>
+              </a:rPr>
+              <a:t>正真“零编程”实现机器学习</a:t>
+            </a:r>
+            <a:endParaRPr lang="en-US" altLang="zh-CN" sz="2000" dirty="0">
+              <a:latin typeface="Source Han Sans CN Normal" charset="-122"/>
+              <a:ea typeface="Source Han Sans CN Normal" charset="-122"/>
+              <a:cs typeface="Source Han Sans CN Normal" charset="-122"/>
+            </a:endParaRPr>
+          </a:p>
+          <a:p>
+            <a:pPr marL="342900" indent="-342900">
+              <a:buFont typeface="Wingdings" panose="05000000000000000000" pitchFamily="2" charset="2"/>
+              <a:buChar char="Ø"/>
+            </a:pPr>
+            <a:endParaRPr lang="en-US" altLang="zh-CN" sz="2000" dirty="0">
+              <a:latin typeface="Source Han Sans CN Normal" charset="-122"/>
+              <a:ea typeface="Source Han Sans CN Normal" charset="-122"/>
+              <a:cs typeface="Source Han Sans CN Normal" charset="-122"/>
+            </a:endParaRPr>
+          </a:p>
+          <a:p>
+            <a:pPr marL="342900" indent="-342900">
+              <a:buFont typeface="Wingdings" panose="05000000000000000000" pitchFamily="2" charset="2"/>
+              <a:buChar char="Ø"/>
+            </a:pPr>
+            <a:r>
+              <a:rPr lang="zh-CN" altLang="en-US" sz="2000" dirty="0">
+                <a:latin typeface="Source Han Sans CN Normal" charset="-122"/>
+                <a:ea typeface="Source Han Sans CN Normal" charset="-122"/>
+                <a:cs typeface="Source Han Sans CN Normal" charset="-122"/>
+              </a:rPr>
+              <a:t>有一定基础的学员可以同时配合代码，做更加灵活的机器学习设计</a:t>
+            </a:r>
+            <a:endParaRPr lang="en-US" altLang="zh-CN" sz="2000" dirty="0">
+              <a:latin typeface="Source Han Sans CN Normal" charset="-122"/>
+              <a:ea typeface="Source Han Sans CN Normal" charset="-122"/>
+              <a:cs typeface="Source Han Sans CN Normal" charset="-122"/>
+            </a:endParaRPr>
+          </a:p>
+          <a:p>
+            <a:pPr marL="342900" indent="-342900">
+              <a:buFont typeface="Wingdings" panose="05000000000000000000" pitchFamily="2" charset="2"/>
+              <a:buChar char="Ø"/>
+            </a:pPr>
+            <a:endParaRPr lang="en-US" altLang="zh-CN" sz="2000" dirty="0">
+              <a:latin typeface="Source Han Sans CN Normal" charset="-122"/>
+              <a:ea typeface="Source Han Sans CN Normal" charset="-122"/>
+              <a:cs typeface="Source Han Sans CN Normal" charset="-122"/>
+            </a:endParaRPr>
+          </a:p>
+          <a:p>
+            <a:pPr marL="342900" indent="-342900">
+              <a:buFont typeface="Wingdings" panose="05000000000000000000" pitchFamily="2" charset="2"/>
+              <a:buChar char="Ø"/>
+            </a:pPr>
+            <a:r>
+              <a:rPr lang="zh-CN" altLang="en-US" sz="2000" dirty="0">
+                <a:latin typeface="Source Han Sans CN Normal" charset="-122"/>
+                <a:ea typeface="Source Han Sans CN Normal" charset="-122"/>
+                <a:cs typeface="Source Han Sans CN Normal" charset="-122"/>
+              </a:rPr>
+              <a:t>课后微信群长期支持服务</a:t>
+            </a:r>
+            <a:endParaRPr lang="en-US" altLang="zh-CN" sz="2000" dirty="0">
+              <a:latin typeface="Source Han Sans CN Normal" charset="-122"/>
+              <a:ea typeface="Source Han Sans CN Normal" charset="-122"/>
+              <a:cs typeface="Source Han Sans CN Normal" charset="-122"/>
+            </a:endParaRPr>
+          </a:p>
+          <a:p>
+            <a:endParaRPr sz="2000" dirty="0">
+              <a:latin typeface="Source Han Sans CN Normal" charset="-122"/>
+              <a:ea typeface="Source Han Sans CN Normal" charset="-122"/>
+              <a:cs typeface="Source Han Sans CN Normal" charset="-122"/>
+            </a:endParaRPr>
+          </a:p>
+        </p:txBody>
+      </p:sp>
+    </p:spTree>
+    <p:extLst>
+      <p:ext uri="{BB962C8B-B14F-4D97-AF65-F5344CB8AC3E}">
+        <p14:creationId xmlns:p14="http://schemas.microsoft.com/office/powerpoint/2010/main" val="3465395613"/>
+      </p:ext>
+    </p:extLst>
+  </p:cSld>
+  <p:clrMapOvr>
+    <a:masterClrMapping/>
+  </p:clrMapOvr>
+  <p:transition spd="slow"/>
+</p:sld>
+</file>
+
+<file path=ppt/slides/slide14.xml><?xml version="1.0" encoding="utf-8"?>
+<p:sld xmlns:a="http://schemas.openxmlformats.org/drawingml/2006/main" xmlns:r="http://schemas.openxmlformats.org/officeDocument/2006/relationships" xmlns:p="http://schemas.openxmlformats.org/presentationml/2006/main">
+  <p:cSld>
+    <p:spTree>
+      <p:nvGrpSpPr>
+        <p:cNvPr id="1" name=""/>
+        <p:cNvGrpSpPr/>
+        <p:nvPr/>
+      </p:nvGrpSpPr>
+      <p:grpSpPr>
+        <a:xfrm>
+          <a:off x="0" y="0"/>
+          <a:ext cx="0" cy="0"/>
+          <a:chOff x="0" y="0"/>
+          <a:chExt cx="0" cy="0"/>
+        </a:xfrm>
+      </p:grpSpPr>
+      <p:sp>
+        <p:nvSpPr>
+          <p:cNvPr id="273" name="Shape 273"/>
+          <p:cNvSpPr/>
+          <p:nvPr/>
+        </p:nvSpPr>
+        <p:spPr>
+          <a:xfrm>
+            <a:off x="1052830" y="2964180"/>
+            <a:ext cx="7782822" cy="1737720"/>
+          </a:xfrm>
+          <a:prstGeom prst="rect">
+            <a:avLst/>
+          </a:prstGeom>
+          <a:ln w="12700">
+            <a:miter lim="400000"/>
+          </a:ln>
+        </p:spPr>
+        <p:txBody>
+          <a:bodyPr lIns="45719" rIns="45719">
+            <a:spAutoFit/>
+          </a:bodyPr>
+          <a:lstStyle>
+            <a:lvl1pPr>
+              <a:lnSpc>
+                <a:spcPct val="80000"/>
+              </a:lnSpc>
+              <a:defRPr sz="6600">
+                <a:solidFill>
+                  <a:srgbClr val="535353"/>
+                </a:solidFill>
+                <a:latin typeface="Source Han Sans CN Bold Bold"/>
+                <a:ea typeface="Source Han Sans CN Bold Bold"/>
+                <a:cs typeface="Source Han Sans CN Bold Bold"/>
+                <a:sym typeface="Source Han Sans CN Bold Bold"/>
+              </a:defRPr>
+            </a:lvl1pPr>
+          </a:lstStyle>
+          <a:p>
+            <a:r>
+              <a:rPr lang="zh-CN" altLang="en-US" dirty="0">
+                <a:solidFill>
+                  <a:schemeClr val="tx1">
+                    <a:lumMod val="95000"/>
+                  </a:schemeClr>
+                </a:solidFill>
+              </a:rPr>
+              <a:t>学完课程收获</a:t>
+            </a:r>
+          </a:p>
+          <a:p>
+            <a:endParaRPr dirty="0">
+              <a:solidFill>
+                <a:schemeClr val="tx1">
+                  <a:lumMod val="95000"/>
+                </a:schemeClr>
+              </a:solidFill>
+            </a:endParaRPr>
+          </a:p>
+        </p:txBody>
+      </p:sp>
+    </p:spTree>
+    <p:extLst>
+      <p:ext uri="{BB962C8B-B14F-4D97-AF65-F5344CB8AC3E}">
+        <p14:creationId xmlns:p14="http://schemas.microsoft.com/office/powerpoint/2010/main" val="2490712812"/>
+      </p:ext>
+    </p:extLst>
+  </p:cSld>
+  <p:clrMapOvr>
+    <a:masterClrMapping/>
+  </p:clrMapOvr>
+  <p:transition spd="slow"/>
+</p:sld>
+</file>
+
+<file path=ppt/slides/slide15.xml><?xml version="1.0" encoding="utf-8"?>
+<p:sld xmlns:a="http://schemas.openxmlformats.org/drawingml/2006/main" xmlns:r="http://schemas.openxmlformats.org/officeDocument/2006/relationships" xmlns:p="http://schemas.openxmlformats.org/presentationml/2006/main">
+  <p:cSld>
+    <p:spTree>
+      <p:nvGrpSpPr>
+        <p:cNvPr id="1" name=""/>
+        <p:cNvGrpSpPr/>
+        <p:nvPr/>
+      </p:nvGrpSpPr>
+      <p:grpSpPr>
+        <a:xfrm>
+          <a:off x="0" y="0"/>
+          <a:ext cx="0" cy="0"/>
+          <a:chOff x="0" y="0"/>
+          <a:chExt cx="0" cy="0"/>
+        </a:xfrm>
+      </p:grpSpPr>
+      <p:sp>
+        <p:nvSpPr>
+          <p:cNvPr id="213" name="Shape 213"/>
+          <p:cNvSpPr/>
+          <p:nvPr/>
+        </p:nvSpPr>
+        <p:spPr>
+          <a:xfrm>
+            <a:off x="1040129" y="2391409"/>
+            <a:ext cx="6166787" cy="430374"/>
+          </a:xfrm>
+          <a:prstGeom prst="rect">
+            <a:avLst/>
+          </a:prstGeom>
+          <a:ln w="12700">
+            <a:miter lim="400000"/>
+          </a:ln>
+        </p:spPr>
+        <p:txBody>
+          <a:bodyPr wrap="square" lIns="45719" rIns="45719">
+            <a:spAutoFit/>
+          </a:bodyPr>
+          <a:lstStyle>
+            <a:lvl1pPr>
+              <a:lnSpc>
+                <a:spcPct val="120000"/>
+              </a:lnSpc>
+              <a:defRPr sz="1800"/>
+            </a:lvl1pPr>
+          </a:lstStyle>
+          <a:p>
+            <a:endParaRPr sz="2000" dirty="0">
+              <a:latin typeface="Source Han Sans CN Normal" charset="-122"/>
+              <a:ea typeface="Source Han Sans CN Normal" charset="-122"/>
+              <a:cs typeface="Source Han Sans CN Normal" charset="-122"/>
+            </a:endParaRPr>
+          </a:p>
+        </p:txBody>
+      </p:sp>
+      <p:sp>
+        <p:nvSpPr>
+          <p:cNvPr id="2" name="Shape 213">
+            <a:extLst>
+              <a:ext uri="{FF2B5EF4-FFF2-40B4-BE49-F238E27FC236}">
+                <a16:creationId xmlns:a16="http://schemas.microsoft.com/office/drawing/2014/main" id="{9D39F2E2-8887-458B-9369-919130D66026}"/>
+              </a:ext>
+            </a:extLst>
+          </p:cNvPr>
+          <p:cNvSpPr/>
+          <p:nvPr/>
+        </p:nvSpPr>
+        <p:spPr>
+          <a:xfrm>
+            <a:off x="573531" y="428643"/>
+            <a:ext cx="6166787" cy="5601020"/>
+          </a:xfrm>
+          <a:prstGeom prst="rect">
+            <a:avLst/>
+          </a:prstGeom>
+          <a:ln w="12700">
+            <a:miter lim="400000"/>
+          </a:ln>
+        </p:spPr>
+        <p:txBody>
+          <a:bodyPr wrap="square" lIns="45719" rIns="45719">
+            <a:spAutoFit/>
+          </a:bodyPr>
+          <a:lstStyle>
+            <a:lvl1pPr>
+              <a:lnSpc>
+                <a:spcPct val="120000"/>
+              </a:lnSpc>
+              <a:defRPr sz="1800"/>
+            </a:lvl1pPr>
+          </a:lstStyle>
+          <a:p>
+            <a:pPr marL="342900" indent="-342900">
+              <a:buFont typeface="Wingdings" panose="05000000000000000000" pitchFamily="2" charset="2"/>
+              <a:buChar char="Ø"/>
+            </a:pPr>
+            <a:r>
+              <a:rPr lang="zh-CN" altLang="en-US" sz="2000" dirty="0">
+                <a:latin typeface="Source Han Sans CN Normal" charset="-122"/>
+                <a:ea typeface="Source Han Sans CN Normal" charset="-122"/>
+                <a:cs typeface="Source Han Sans CN Normal" charset="-122"/>
+              </a:rPr>
+              <a:t>从概念上了解机器学习</a:t>
+            </a:r>
+            <a:endParaRPr lang="en-US" altLang="zh-CN" sz="2000" dirty="0">
+              <a:latin typeface="Source Han Sans CN Normal" charset="-122"/>
+              <a:ea typeface="Source Han Sans CN Normal" charset="-122"/>
+              <a:cs typeface="Source Han Sans CN Normal" charset="-122"/>
+            </a:endParaRPr>
+          </a:p>
+          <a:p>
+            <a:endParaRPr lang="en-US" altLang="zh-CN" sz="2000" dirty="0">
+              <a:latin typeface="Source Han Sans CN Normal" charset="-122"/>
+              <a:ea typeface="Source Han Sans CN Normal" charset="-122"/>
+              <a:cs typeface="Source Han Sans CN Normal" charset="-122"/>
+            </a:endParaRPr>
+          </a:p>
+          <a:p>
+            <a:pPr marL="342900" indent="-342900">
+              <a:buFont typeface="Wingdings" panose="05000000000000000000" pitchFamily="2" charset="2"/>
+              <a:buChar char="Ø"/>
+            </a:pPr>
+            <a:r>
+              <a:rPr lang="zh-CN" altLang="en-US" sz="2000" dirty="0">
+                <a:latin typeface="Source Han Sans CN Normal" charset="-122"/>
+                <a:ea typeface="Source Han Sans CN Normal" charset="-122"/>
+                <a:cs typeface="Source Han Sans CN Normal" charset="-122"/>
+              </a:rPr>
+              <a:t>学会使用脑影像或其他数据对疾病进行诊断、鉴别诊断</a:t>
+            </a:r>
+            <a:endParaRPr lang="en-US" altLang="zh-CN" sz="2000" dirty="0">
+              <a:latin typeface="Source Han Sans CN Normal" charset="-122"/>
+              <a:ea typeface="Source Han Sans CN Normal" charset="-122"/>
+              <a:cs typeface="Source Han Sans CN Normal" charset="-122"/>
+            </a:endParaRPr>
+          </a:p>
+          <a:p>
+            <a:pPr marL="342900" indent="-342900">
+              <a:buFont typeface="Wingdings" panose="05000000000000000000" pitchFamily="2" charset="2"/>
+              <a:buChar char="Ø"/>
+            </a:pPr>
+            <a:endParaRPr lang="en-US" altLang="zh-CN" sz="2000" dirty="0">
+              <a:latin typeface="Source Han Sans CN Normal" charset="-122"/>
+              <a:ea typeface="Source Han Sans CN Normal" charset="-122"/>
+              <a:cs typeface="Source Han Sans CN Normal" charset="-122"/>
+            </a:endParaRPr>
+          </a:p>
+          <a:p>
+            <a:pPr marL="342900" indent="-342900">
+              <a:buFont typeface="Wingdings" panose="05000000000000000000" pitchFamily="2" charset="2"/>
+              <a:buChar char="Ø"/>
+            </a:pPr>
+            <a:r>
+              <a:rPr lang="zh-CN" altLang="en-US" sz="2000" dirty="0">
+                <a:latin typeface="Source Han Sans CN Normal" charset="-122"/>
+                <a:ea typeface="Source Han Sans CN Normal" charset="-122"/>
+                <a:cs typeface="Source Han Sans CN Normal" charset="-122"/>
+              </a:rPr>
+              <a:t>学会使用脑影像数据预测被试的脑龄、智力或其他连续性变量</a:t>
+            </a:r>
+            <a:endParaRPr lang="en-US" altLang="zh-CN" sz="2000" dirty="0">
+              <a:latin typeface="Source Han Sans CN Normal" charset="-122"/>
+              <a:ea typeface="Source Han Sans CN Normal" charset="-122"/>
+              <a:cs typeface="Source Han Sans CN Normal" charset="-122"/>
+            </a:endParaRPr>
+          </a:p>
+          <a:p>
+            <a:pPr marL="342900" indent="-342900">
+              <a:buFont typeface="Wingdings" panose="05000000000000000000" pitchFamily="2" charset="2"/>
+              <a:buChar char="Ø"/>
+            </a:pPr>
+            <a:endParaRPr lang="en-US" altLang="zh-CN" sz="2000" dirty="0">
+              <a:latin typeface="Source Han Sans CN Normal" charset="-122"/>
+              <a:ea typeface="Source Han Sans CN Normal" charset="-122"/>
+              <a:cs typeface="Source Han Sans CN Normal" charset="-122"/>
+            </a:endParaRPr>
+          </a:p>
+          <a:p>
+            <a:pPr marL="342900" indent="-342900">
+              <a:buFont typeface="Wingdings" panose="05000000000000000000" pitchFamily="2" charset="2"/>
+              <a:buChar char="Ø"/>
+            </a:pPr>
+            <a:r>
+              <a:rPr lang="zh-CN" altLang="en-US" sz="2000" dirty="0">
+                <a:latin typeface="Source Han Sans CN Normal" charset="-122"/>
+                <a:ea typeface="Source Han Sans CN Normal" charset="-122"/>
+                <a:cs typeface="Source Han Sans CN Normal" charset="-122"/>
+              </a:rPr>
+              <a:t>“零编程”基础学员通过简单的点击便可以完成复杂的机器学习任务</a:t>
+            </a:r>
+            <a:endParaRPr lang="en-US" altLang="zh-CN" sz="2000" dirty="0">
+              <a:latin typeface="Source Han Sans CN Normal" charset="-122"/>
+              <a:ea typeface="Source Han Sans CN Normal" charset="-122"/>
+              <a:cs typeface="Source Han Sans CN Normal" charset="-122"/>
+            </a:endParaRPr>
+          </a:p>
+          <a:p>
+            <a:pPr marL="342900" indent="-342900">
+              <a:buFont typeface="Wingdings" panose="05000000000000000000" pitchFamily="2" charset="2"/>
+              <a:buChar char="Ø"/>
+            </a:pPr>
+            <a:endParaRPr lang="en-US" altLang="zh-CN" sz="2000" dirty="0">
+              <a:latin typeface="Source Han Sans CN Normal" charset="-122"/>
+              <a:ea typeface="Source Han Sans CN Normal" charset="-122"/>
+              <a:cs typeface="Source Han Sans CN Normal" charset="-122"/>
+            </a:endParaRPr>
+          </a:p>
+          <a:p>
+            <a:pPr marL="342900" indent="-342900">
+              <a:buFont typeface="Wingdings" panose="05000000000000000000" pitchFamily="2" charset="2"/>
+              <a:buChar char="Ø"/>
+            </a:pPr>
+            <a:r>
+              <a:rPr lang="zh-CN" altLang="en-US" sz="2000" dirty="0">
+                <a:latin typeface="Source Han Sans CN Normal" charset="-122"/>
+                <a:ea typeface="Source Han Sans CN Normal" charset="-122"/>
+                <a:cs typeface="Source Han Sans CN Normal" charset="-122"/>
+              </a:rPr>
+              <a:t>有一定编程基础的学员可以灵活的实现机器学习任务</a:t>
+            </a:r>
+            <a:endParaRPr lang="en-US" altLang="zh-CN" sz="2000" dirty="0">
+              <a:latin typeface="Source Han Sans CN Normal" charset="-122"/>
+              <a:ea typeface="Source Han Sans CN Normal" charset="-122"/>
+              <a:cs typeface="Source Han Sans CN Normal" charset="-122"/>
+            </a:endParaRPr>
+          </a:p>
+          <a:p>
+            <a:pPr marL="342900" indent="-342900">
+              <a:buFont typeface="Wingdings" panose="05000000000000000000" pitchFamily="2" charset="2"/>
+              <a:buChar char="Ø"/>
+            </a:pPr>
+            <a:endParaRPr lang="en-US" altLang="zh-CN" sz="2000" dirty="0">
+              <a:latin typeface="Source Han Sans CN Normal" charset="-122"/>
+              <a:ea typeface="Source Han Sans CN Normal" charset="-122"/>
+              <a:cs typeface="Source Han Sans CN Normal" charset="-122"/>
+            </a:endParaRPr>
+          </a:p>
+          <a:p>
+            <a:endParaRPr sz="2000" dirty="0">
+              <a:latin typeface="Source Han Sans CN Normal" charset="-122"/>
+              <a:ea typeface="Source Han Sans CN Normal" charset="-122"/>
+              <a:cs typeface="Source Han Sans CN Normal" charset="-122"/>
+            </a:endParaRPr>
+          </a:p>
+        </p:txBody>
+      </p:sp>
+    </p:spTree>
+    <p:extLst>
+      <p:ext uri="{BB962C8B-B14F-4D97-AF65-F5344CB8AC3E}">
+        <p14:creationId xmlns:p14="http://schemas.microsoft.com/office/powerpoint/2010/main" val="3935652577"/>
+      </p:ext>
+    </p:extLst>
+  </p:cSld>
+  <p:clrMapOvr>
+    <a:masterClrMapping/>
+  </p:clrMapOvr>
+  <p:transition spd="slow"/>
+</p:sld>
+</file>
+
+<file path=ppt/slides/slide16.xml><?xml version="1.0" encoding="utf-8"?>
+<p:sld xmlns:a="http://schemas.openxmlformats.org/drawingml/2006/main" xmlns:r="http://schemas.openxmlformats.org/officeDocument/2006/relationships" xmlns:p="http://schemas.openxmlformats.org/presentationml/2006/main">
+  <p:cSld>
+    <p:spTree>
+      <p:nvGrpSpPr>
+        <p:cNvPr id="1" name=""/>
+        <p:cNvGrpSpPr/>
+        <p:nvPr/>
+      </p:nvGrpSpPr>
+      <p:grpSpPr>
+        <a:xfrm>
+          <a:off x="0" y="0"/>
+          <a:ext cx="0" cy="0"/>
+          <a:chOff x="0" y="0"/>
+          <a:chExt cx="0" cy="0"/>
+        </a:xfrm>
+      </p:grpSpPr>
+      <p:sp>
+        <p:nvSpPr>
+          <p:cNvPr id="273" name="Shape 273"/>
+          <p:cNvSpPr/>
+          <p:nvPr/>
+        </p:nvSpPr>
+        <p:spPr>
+          <a:xfrm>
+            <a:off x="1052830" y="2964180"/>
+            <a:ext cx="7782822" cy="1737720"/>
+          </a:xfrm>
+          <a:prstGeom prst="rect">
+            <a:avLst/>
+          </a:prstGeom>
+          <a:ln w="12700">
+            <a:miter lim="400000"/>
+          </a:ln>
+        </p:spPr>
+        <p:txBody>
+          <a:bodyPr lIns="45719" rIns="45719">
+            <a:spAutoFit/>
+          </a:bodyPr>
+          <a:lstStyle>
+            <a:lvl1pPr>
+              <a:lnSpc>
+                <a:spcPct val="80000"/>
+              </a:lnSpc>
+              <a:defRPr sz="6600">
+                <a:solidFill>
+                  <a:srgbClr val="535353"/>
+                </a:solidFill>
+                <a:latin typeface="Source Han Sans CN Bold Bold"/>
+                <a:ea typeface="Source Han Sans CN Bold Bold"/>
+                <a:cs typeface="Source Han Sans CN Bold Bold"/>
+                <a:sym typeface="Source Han Sans CN Bold Bold"/>
+              </a:defRPr>
+            </a:lvl1pPr>
+          </a:lstStyle>
+          <a:p>
+            <a:r>
+              <a:rPr lang="zh-CN" altLang="en-US" dirty="0">
+                <a:solidFill>
+                  <a:schemeClr val="tx1">
+                    <a:lumMod val="95000"/>
+                  </a:schemeClr>
+                </a:solidFill>
+              </a:rPr>
+              <a:t>机器学习基础</a:t>
+            </a:r>
+          </a:p>
+          <a:p>
+            <a:endParaRPr dirty="0">
+              <a:solidFill>
+                <a:schemeClr val="tx1"/>
+              </a:solidFill>
+            </a:endParaRPr>
+          </a:p>
+        </p:txBody>
+      </p:sp>
+    </p:spTree>
+    <p:extLst>
+      <p:ext uri="{BB962C8B-B14F-4D97-AF65-F5344CB8AC3E}">
+        <p14:creationId xmlns:p14="http://schemas.microsoft.com/office/powerpoint/2010/main" val="1046015594"/>
+      </p:ext>
+    </p:extLst>
+  </p:cSld>
+  <p:clrMapOvr>
+    <a:masterClrMapping/>
+  </p:clrMapOvr>
+  <p:transition spd="slow"/>
+</p:sld>
+</file>
+
+<file path=ppt/slides/slide17.xml><?xml version="1.0" encoding="utf-8"?>
+<p:sld xmlns:a="http://schemas.openxmlformats.org/drawingml/2006/main" xmlns:r="http://schemas.openxmlformats.org/officeDocument/2006/relationships" xmlns:p="http://schemas.openxmlformats.org/presentationml/2006/main">
+  <p:cSld>
+    <p:spTree>
+      <p:nvGrpSpPr>
+        <p:cNvPr id="1" name=""/>
+        <p:cNvGrpSpPr/>
+        <p:nvPr/>
+      </p:nvGrpSpPr>
+      <p:grpSpPr>
+        <a:xfrm>
+          <a:off x="0" y="0"/>
+          <a:ext cx="0" cy="0"/>
+          <a:chOff x="0" y="0"/>
+          <a:chExt cx="0" cy="0"/>
+        </a:xfrm>
+      </p:grpSpPr>
+      <p:sp>
+        <p:nvSpPr>
+          <p:cNvPr id="2" name="标题 1"/>
+          <p:cNvSpPr>
+            <a:spLocks noGrp="1"/>
+          </p:cNvSpPr>
+          <p:nvPr>
+            <p:ph type="title"/>
+          </p:nvPr>
+        </p:nvSpPr>
+        <p:spPr/>
+        <p:txBody>
+          <a:bodyPr>
+            <a:normAutofit/>
+          </a:bodyPr>
+          <a:lstStyle/>
+          <a:p>
+            <a:br>
+              <a:rPr lang="en-US" altLang="zh-CN" dirty="0">
+                <a:solidFill>
+                  <a:schemeClr val="accent1">
+                    <a:lumMod val="50000"/>
+                  </a:schemeClr>
+                </a:solidFill>
+              </a:rPr>
+            </a:br>
+            <a:endParaRPr lang="zh-CN" altLang="en-US" dirty="0"/>
+          </a:p>
+        </p:txBody>
+      </p:sp>
+      <p:sp>
+        <p:nvSpPr>
+          <p:cNvPr id="3" name="内容占位符 2"/>
+          <p:cNvSpPr>
+            <a:spLocks noGrp="1"/>
+          </p:cNvSpPr>
+          <p:nvPr>
+            <p:ph idx="1"/>
+          </p:nvPr>
+        </p:nvSpPr>
+        <p:spPr>
+          <a:xfrm>
+            <a:off x="2309786" y="1214422"/>
+            <a:ext cx="7772400" cy="4572000"/>
+          </a:xfrm>
+        </p:spPr>
+        <p:txBody>
+          <a:bodyPr>
+            <a:normAutofit/>
+          </a:bodyPr>
+          <a:lstStyle/>
+          <a:p>
+            <a:pPr>
+              <a:lnSpc>
+                <a:spcPct val="150000"/>
+              </a:lnSpc>
+              <a:buNone/>
+            </a:pPr>
+            <a:endParaRPr lang="en-US" altLang="zh-CN" sz="2400" dirty="0"/>
+          </a:p>
+        </p:txBody>
+      </p:sp>
+      <p:graphicFrame>
+        <p:nvGraphicFramePr>
+          <p:cNvPr id="5" name="图示 4"/>
+          <p:cNvGraphicFramePr/>
+          <p:nvPr>
+            <p:extLst>
+              <p:ext uri="{D42A27DB-BD31-4B8C-83A1-F6EECF244321}">
+                <p14:modId xmlns:p14="http://schemas.microsoft.com/office/powerpoint/2010/main" val="1810774105"/>
+              </p:ext>
+            </p:extLst>
+          </p:nvPr>
+        </p:nvGraphicFramePr>
+        <p:xfrm>
+          <a:off x="1728192" y="1772816"/>
+          <a:ext cx="6096000" cy="4064000"/>
+        </p:xfrm>
+        <a:graphic>
+          <a:graphicData uri="http://schemas.openxmlformats.org/drawingml/2006/diagram">
+            <dgm:relIds xmlns:dgm="http://schemas.openxmlformats.org/drawingml/2006/diagram" xmlns:r="http://schemas.openxmlformats.org/officeDocument/2006/relationships" r:dm="rId2" r:lo="rId3" r:qs="rId4" r:cs="rId5"/>
+          </a:graphicData>
+        </a:graphic>
+      </p:graphicFrame>
+    </p:spTree>
+    <p:extLst>
+      <p:ext uri="{BB962C8B-B14F-4D97-AF65-F5344CB8AC3E}">
+        <p14:creationId xmlns:p14="http://schemas.microsoft.com/office/powerpoint/2010/main" val="1560215636"/>
+      </p:ext>
+    </p:extLst>
+  </p:cSld>
+  <p:clrMapOvr>
+    <a:masterClrMapping/>
+  </p:clrMapOvr>
+</p:sld>
+</file>
+
+<file path=ppt/slides/slide18.xml><?xml version="1.0" encoding="utf-8"?>
+<p:sld xmlns:a="http://schemas.openxmlformats.org/drawingml/2006/main" xmlns:r="http://schemas.openxmlformats.org/officeDocument/2006/relationships" xmlns:p="http://schemas.openxmlformats.org/presentationml/2006/main">
+  <p:cSld>
+    <p:spTree>
+      <p:nvGrpSpPr>
+        <p:cNvPr id="1" name=""/>
+        <p:cNvGrpSpPr/>
+        <p:nvPr/>
+      </p:nvGrpSpPr>
+      <p:grpSpPr>
+        <a:xfrm>
+          <a:off x="0" y="0"/>
+          <a:ext cx="0" cy="0"/>
+          <a:chOff x="0" y="0"/>
+          <a:chExt cx="0" cy="0"/>
+        </a:xfrm>
+      </p:grpSpPr>
+      <p:sp>
+        <p:nvSpPr>
+          <p:cNvPr id="2" name="标题 1">
+            <a:extLst>
+              <a:ext uri="{FF2B5EF4-FFF2-40B4-BE49-F238E27FC236}">
+                <a16:creationId xmlns:a16="http://schemas.microsoft.com/office/drawing/2014/main" id="{DA005B81-A9BB-4C27-A291-8C753CC5197E}"/>
+              </a:ext>
+            </a:extLst>
+          </p:cNvPr>
+          <p:cNvSpPr>
+            <a:spLocks noGrp="1"/>
+          </p:cNvSpPr>
+          <p:nvPr>
+            <p:ph type="title"/>
+          </p:nvPr>
+        </p:nvSpPr>
+        <p:spPr/>
+        <p:txBody>
+          <a:bodyPr/>
+          <a:lstStyle/>
+          <a:p>
+            <a:endParaRPr lang="zh-CN" altLang="en-US"/>
+          </a:p>
+        </p:txBody>
+      </p:sp>
+      <p:sp>
+        <p:nvSpPr>
+          <p:cNvPr id="3" name="内容占位符 2">
+            <a:extLst>
+              <a:ext uri="{FF2B5EF4-FFF2-40B4-BE49-F238E27FC236}">
+                <a16:creationId xmlns:a16="http://schemas.microsoft.com/office/drawing/2014/main" id="{44A5DE76-87A2-4EE1-9DAF-93397C2CAE3B}"/>
+              </a:ext>
+            </a:extLst>
+          </p:cNvPr>
+          <p:cNvSpPr>
+            <a:spLocks noGrp="1"/>
+          </p:cNvSpPr>
+          <p:nvPr>
+            <p:ph idx="1"/>
+          </p:nvPr>
+        </p:nvSpPr>
+        <p:spPr/>
+        <p:txBody>
+          <a:bodyPr/>
+          <a:lstStyle/>
+          <a:p>
+            <a:endParaRPr lang="zh-CN" altLang="en-US"/>
+          </a:p>
+        </p:txBody>
+      </p:sp>
+      <p:pic>
+        <p:nvPicPr>
+          <p:cNvPr id="4" name="图片 3">
+            <a:extLst>
+              <a:ext uri="{FF2B5EF4-FFF2-40B4-BE49-F238E27FC236}">
+                <a16:creationId xmlns:a16="http://schemas.microsoft.com/office/drawing/2014/main" id="{9AF42E23-9D39-4313-8B40-4EA53D0D91FC}"/>
+              </a:ext>
+            </a:extLst>
+          </p:cNvPr>
+          <p:cNvPicPr>
+            <a:picLocks noChangeAspect="1"/>
+          </p:cNvPicPr>
+          <p:nvPr/>
+        </p:nvPicPr>
+        <p:blipFill>
+          <a:blip r:embed="rId2"/>
+          <a:stretch>
+            <a:fillRect/>
+          </a:stretch>
+        </p:blipFill>
+        <p:spPr>
+          <a:xfrm>
+            <a:off x="0" y="18248"/>
+            <a:ext cx="12192000" cy="6821504"/>
+          </a:xfrm>
+          <a:prstGeom prst="rect">
+            <a:avLst/>
+          </a:prstGeom>
+        </p:spPr>
+      </p:pic>
+    </p:spTree>
+    <p:extLst>
+      <p:ext uri="{BB962C8B-B14F-4D97-AF65-F5344CB8AC3E}">
+        <p14:creationId xmlns:p14="http://schemas.microsoft.com/office/powerpoint/2010/main" val="1511023226"/>
+      </p:ext>
+    </p:extLst>
+  </p:cSld>
+  <p:clrMapOvr>
+    <a:masterClrMapping/>
+  </p:clrMapOvr>
+</p:sld>
+</file>
+
+<file path=ppt/slides/slide19.xml><?xml version="1.0" encoding="utf-8"?>
+<p:sld xmlns:a="http://schemas.openxmlformats.org/drawingml/2006/main" xmlns:r="http://schemas.openxmlformats.org/officeDocument/2006/relationships" xmlns:p="http://schemas.openxmlformats.org/presentationml/2006/main">
+  <p:cSld>
+    <p:spTree>
+      <p:nvGrpSpPr>
+        <p:cNvPr id="1" name=""/>
+        <p:cNvGrpSpPr/>
+        <p:nvPr/>
+      </p:nvGrpSpPr>
+      <p:grpSpPr>
+        <a:xfrm>
+          <a:off x="0" y="0"/>
+          <a:ext cx="0" cy="0"/>
+          <a:chOff x="0" y="0"/>
+          <a:chExt cx="0" cy="0"/>
+        </a:xfrm>
+      </p:grpSpPr>
+      <p:sp>
+        <p:nvSpPr>
+          <p:cNvPr id="2" name="标题 1">
+            <a:extLst>
+              <a:ext uri="{FF2B5EF4-FFF2-40B4-BE49-F238E27FC236}">
+                <a16:creationId xmlns:a16="http://schemas.microsoft.com/office/drawing/2014/main" id="{AE0086B5-1B77-4F91-A455-0AC7D008A86F}"/>
+              </a:ext>
+            </a:extLst>
+          </p:cNvPr>
+          <p:cNvSpPr>
+            <a:spLocks noGrp="1"/>
+          </p:cNvSpPr>
+          <p:nvPr>
+            <p:ph type="title"/>
+          </p:nvPr>
+        </p:nvSpPr>
+        <p:spPr/>
+        <p:txBody>
+          <a:bodyPr/>
+          <a:lstStyle/>
+          <a:p>
+            <a:endParaRPr lang="zh-CN" altLang="en-US"/>
+          </a:p>
+        </p:txBody>
+      </p:sp>
+      <p:sp>
+        <p:nvSpPr>
+          <p:cNvPr id="3" name="内容占位符 2">
+            <a:extLst>
+              <a:ext uri="{FF2B5EF4-FFF2-40B4-BE49-F238E27FC236}">
+                <a16:creationId xmlns:a16="http://schemas.microsoft.com/office/drawing/2014/main" id="{C86894E2-D56A-42FC-BC2B-C3D507AAF2C8}"/>
+              </a:ext>
+            </a:extLst>
+          </p:cNvPr>
+          <p:cNvSpPr>
+            <a:spLocks noGrp="1"/>
+          </p:cNvSpPr>
+          <p:nvPr>
+            <p:ph idx="1"/>
+          </p:nvPr>
+        </p:nvSpPr>
+        <p:spPr/>
+        <p:txBody>
+          <a:bodyPr/>
+          <a:lstStyle/>
+          <a:p>
+            <a:endParaRPr lang="zh-CN" altLang="en-US"/>
+          </a:p>
+        </p:txBody>
+      </p:sp>
+      <p:pic>
+        <p:nvPicPr>
+          <p:cNvPr id="4" name="图片 3">
+            <a:extLst>
+              <a:ext uri="{FF2B5EF4-FFF2-40B4-BE49-F238E27FC236}">
+                <a16:creationId xmlns:a16="http://schemas.microsoft.com/office/drawing/2014/main" id="{D42F0399-B9E9-4EF9-9CC4-2AF8A8132776}"/>
+              </a:ext>
+            </a:extLst>
+          </p:cNvPr>
+          <p:cNvPicPr>
+            <a:picLocks noChangeAspect="1"/>
+          </p:cNvPicPr>
+          <p:nvPr/>
+        </p:nvPicPr>
+        <p:blipFill>
+          <a:blip r:embed="rId2"/>
+          <a:stretch>
+            <a:fillRect/>
+          </a:stretch>
+        </p:blipFill>
+        <p:spPr>
+          <a:xfrm>
+            <a:off x="371134" y="0"/>
+            <a:ext cx="11449731" cy="6858000"/>
+          </a:xfrm>
+          <a:prstGeom prst="rect">
+            <a:avLst/>
+          </a:prstGeom>
+        </p:spPr>
+      </p:pic>
+    </p:spTree>
+    <p:extLst>
+      <p:ext uri="{BB962C8B-B14F-4D97-AF65-F5344CB8AC3E}">
+        <p14:creationId xmlns:p14="http://schemas.microsoft.com/office/powerpoint/2010/main" val="3335311313"/>
+      </p:ext>
+    </p:extLst>
+  </p:cSld>
+  <p:clrMapOvr>
+    <a:masterClrMapping/>
+  </p:clrMapOvr>
+</p:sld>
+</file>
+
+<file path=ppt/slides/slide2.xml><?xml version="1.0" encoding="utf-8"?>
+<p:sld xmlns:a="http://schemas.openxmlformats.org/drawingml/2006/main" xmlns:r="http://schemas.openxmlformats.org/officeDocument/2006/relationships" xmlns:p="http://schemas.openxmlformats.org/presentationml/2006/main">
+  <p:cSld>
+    <p:spTree>
+      <p:nvGrpSpPr>
+        <p:cNvPr id="1" name=""/>
+        <p:cNvGrpSpPr/>
+        <p:nvPr/>
+      </p:nvGrpSpPr>
+      <p:grpSpPr>
+        <a:xfrm>
+          <a:off x="0" y="0"/>
+          <a:ext cx="0" cy="0"/>
+          <a:chOff x="0" y="0"/>
+          <a:chExt cx="0" cy="0"/>
+        </a:xfrm>
+      </p:grpSpPr>
+      <p:sp>
+        <p:nvSpPr>
+          <p:cNvPr id="4" name="Shape 186">
+            <a:extLst>
+              <a:ext uri="{FF2B5EF4-FFF2-40B4-BE49-F238E27FC236}">
+                <a16:creationId xmlns:a16="http://schemas.microsoft.com/office/drawing/2014/main" id="{838C9086-1CBC-42FD-9F67-FA807FA3F6D9}"/>
+              </a:ext>
+            </a:extLst>
+          </p:cNvPr>
+          <p:cNvSpPr/>
+          <p:nvPr/>
+        </p:nvSpPr>
+        <p:spPr>
+          <a:xfrm>
+            <a:off x="951392" y="1032155"/>
+            <a:ext cx="2144175" cy="707886"/>
+          </a:xfrm>
+          <a:prstGeom prst="rect">
+            <a:avLst/>
+          </a:prstGeom>
+          <a:ln w="12700">
+            <a:miter lim="400000"/>
+          </a:ln>
+        </p:spPr>
+        <p:txBody>
+          <a:bodyPr wrap="none" lIns="45719" rIns="45719">
+            <a:spAutoFit/>
+          </a:bodyPr>
+          <a:lstStyle>
+            <a:lvl1pPr>
+              <a:defRPr sz="4000">
+                <a:solidFill>
+                  <a:srgbClr val="535353"/>
+                </a:solidFill>
+                <a:latin typeface="Source Han Sans CN Bold Bold"/>
+                <a:ea typeface="Source Han Sans CN Bold Bold"/>
+                <a:cs typeface="Source Han Sans CN Bold Bold"/>
+                <a:sym typeface="Source Han Sans CN Bold Bold"/>
+              </a:defRPr>
+            </a:lvl1pPr>
+          </a:lstStyle>
+          <a:p>
+            <a:r>
+              <a:rPr dirty="0">
+                <a:solidFill>
+                  <a:schemeClr val="tx1"/>
+                </a:solidFill>
+              </a:rPr>
+              <a:t>个人简介</a:t>
+            </a:r>
+          </a:p>
+        </p:txBody>
+      </p:sp>
+      <p:sp>
+        <p:nvSpPr>
+          <p:cNvPr id="5" name="Shape 188">
+            <a:extLst>
+              <a:ext uri="{FF2B5EF4-FFF2-40B4-BE49-F238E27FC236}">
+                <a16:creationId xmlns:a16="http://schemas.microsoft.com/office/drawing/2014/main" id="{2905F80F-F57A-47B0-AC2C-40B5E423933B}"/>
+              </a:ext>
+            </a:extLst>
+          </p:cNvPr>
+          <p:cNvSpPr/>
+          <p:nvPr/>
+        </p:nvSpPr>
+        <p:spPr>
+          <a:xfrm>
+            <a:off x="986334" y="2662882"/>
+            <a:ext cx="7003621" cy="1907189"/>
+          </a:xfrm>
+          <a:prstGeom prst="rect">
+            <a:avLst/>
+          </a:prstGeom>
+          <a:ln w="12700">
+            <a:miter lim="400000"/>
+          </a:ln>
+        </p:spPr>
+        <p:txBody>
+          <a:bodyPr lIns="45719" rIns="45719">
+            <a:spAutoFit/>
+          </a:bodyPr>
+          <a:lstStyle/>
+          <a:p>
+            <a:pPr marL="342900" indent="-342900">
+              <a:lnSpc>
+                <a:spcPct val="120000"/>
+              </a:lnSpc>
+              <a:buFont typeface="Wingdings" panose="05000000000000000000" pitchFamily="2" charset="2"/>
+              <a:buChar char="Ø"/>
+              <a:defRPr sz="1800"/>
+            </a:pPr>
+            <a:r>
+              <a:rPr lang="zh-CN" altLang="en-US" sz="2000" dirty="0">
+                <a:solidFill>
+                  <a:schemeClr val="tx1">
+                    <a:lumMod val="50000"/>
+                    <a:lumOff val="50000"/>
+                  </a:schemeClr>
+                </a:solidFill>
+                <a:latin typeface="+mj-lt"/>
+                <a:ea typeface="思源黑体 CN Regular" charset="-122"/>
+                <a:cs typeface="Hiragino Sans GB W3" charset="-122"/>
+              </a:rPr>
+              <a:t>医学博士</a:t>
+            </a:r>
+            <a:endParaRPr lang="en-US" altLang="zh-CN" sz="2000" dirty="0">
+              <a:solidFill>
+                <a:schemeClr val="tx1">
+                  <a:lumMod val="50000"/>
+                  <a:lumOff val="50000"/>
+                </a:schemeClr>
+              </a:solidFill>
+              <a:latin typeface="+mj-lt"/>
+              <a:ea typeface="思源黑体 CN Regular" charset="-122"/>
+              <a:cs typeface="Hiragino Sans GB W3" charset="-122"/>
+            </a:endParaRPr>
+          </a:p>
+          <a:p>
+            <a:pPr marL="342900" indent="-342900">
+              <a:lnSpc>
+                <a:spcPct val="120000"/>
+              </a:lnSpc>
+              <a:buFont typeface="Wingdings" panose="05000000000000000000" pitchFamily="2" charset="2"/>
+              <a:buChar char="Ø"/>
+              <a:defRPr sz="1800"/>
+            </a:pPr>
+            <a:r>
+              <a:rPr lang="zh-CN" altLang="en-US" sz="2000" dirty="0">
+                <a:solidFill>
+                  <a:schemeClr val="tx1">
+                    <a:lumMod val="50000"/>
+                    <a:lumOff val="50000"/>
+                  </a:schemeClr>
+                </a:solidFill>
+                <a:latin typeface="+mj-lt"/>
+                <a:ea typeface="思源黑体 CN Regular" charset="-122"/>
+                <a:cs typeface="Hiragino Sans GB W3" charset="-122"/>
+              </a:rPr>
+              <a:t>拥有</a:t>
+            </a:r>
+            <a:r>
+              <a:rPr lang="en-US" altLang="zh-CN" sz="2000" dirty="0">
+                <a:solidFill>
+                  <a:schemeClr val="tx1">
+                    <a:lumMod val="50000"/>
+                    <a:lumOff val="50000"/>
+                  </a:schemeClr>
+                </a:solidFill>
+                <a:latin typeface="+mj-lt"/>
+                <a:ea typeface="思源黑体 CN Regular" charset="-122"/>
+                <a:cs typeface="Hiragino Sans GB W3" charset="-122"/>
+              </a:rPr>
+              <a:t>7</a:t>
+            </a:r>
+            <a:r>
+              <a:rPr lang="zh-CN" altLang="en-US" sz="2000" dirty="0">
+                <a:solidFill>
+                  <a:schemeClr val="tx1">
+                    <a:lumMod val="50000"/>
+                    <a:lumOff val="50000"/>
+                  </a:schemeClr>
+                </a:solidFill>
+                <a:latin typeface="+mj-lt"/>
+                <a:ea typeface="思源黑体 CN Regular" charset="-122"/>
+                <a:cs typeface="Hiragino Sans GB W3" charset="-122"/>
+              </a:rPr>
+              <a:t>年的机器学习与</a:t>
+            </a:r>
+            <a:r>
+              <a:rPr lang="en-US" altLang="zh-CN" sz="2000" dirty="0">
+                <a:solidFill>
+                  <a:schemeClr val="tx1">
+                    <a:lumMod val="50000"/>
+                    <a:lumOff val="50000"/>
+                  </a:schemeClr>
+                </a:solidFill>
+                <a:latin typeface="+mj-lt"/>
+                <a:ea typeface="思源黑体 CN Regular" charset="-122"/>
+                <a:cs typeface="Hiragino Sans GB W3" charset="-122"/>
+              </a:rPr>
+              <a:t>10</a:t>
+            </a:r>
+            <a:r>
+              <a:rPr lang="zh-CN" altLang="en-US" sz="2000" dirty="0">
+                <a:solidFill>
+                  <a:schemeClr val="tx1">
+                    <a:lumMod val="50000"/>
+                    <a:lumOff val="50000"/>
+                  </a:schemeClr>
+                </a:solidFill>
+                <a:latin typeface="+mj-lt"/>
+                <a:ea typeface="思源黑体 CN Regular" charset="-122"/>
+                <a:cs typeface="Hiragino Sans GB W3" charset="-122"/>
+              </a:rPr>
+              <a:t>万行以上代码编程经验</a:t>
+            </a:r>
+            <a:endParaRPr lang="en-US" altLang="zh-CN" sz="2000" dirty="0">
+              <a:solidFill>
+                <a:schemeClr val="tx1">
+                  <a:lumMod val="50000"/>
+                  <a:lumOff val="50000"/>
+                </a:schemeClr>
+              </a:solidFill>
+              <a:latin typeface="+mj-lt"/>
+              <a:ea typeface="思源黑体 CN Regular" charset="-122"/>
+              <a:cs typeface="Hiragino Sans GB W3" charset="-122"/>
+            </a:endParaRPr>
+          </a:p>
+          <a:p>
+            <a:pPr marL="342900" indent="-342900">
+              <a:lnSpc>
+                <a:spcPct val="120000"/>
+              </a:lnSpc>
+              <a:buFont typeface="Wingdings" panose="05000000000000000000" pitchFamily="2" charset="2"/>
+              <a:buChar char="Ø"/>
+              <a:defRPr sz="1800"/>
+            </a:pPr>
+            <a:r>
+              <a:rPr lang="zh-CN" altLang="en-US" sz="2000" dirty="0">
+                <a:solidFill>
+                  <a:schemeClr val="tx1">
+                    <a:lumMod val="50000"/>
+                    <a:lumOff val="50000"/>
+                  </a:schemeClr>
+                </a:solidFill>
+                <a:latin typeface="+mj-lt"/>
+                <a:ea typeface="思源黑体 CN Regular" charset="-122"/>
+                <a:cs typeface="Hiragino Sans GB W3" charset="-122"/>
+              </a:rPr>
+              <a:t>掌握</a:t>
+            </a:r>
+            <a:r>
+              <a:rPr lang="en-US" altLang="zh-CN" sz="2000" dirty="0">
+                <a:solidFill>
+                  <a:schemeClr val="tx1">
+                    <a:lumMod val="50000"/>
+                    <a:lumOff val="50000"/>
+                  </a:schemeClr>
+                </a:solidFill>
+                <a:latin typeface="+mj-lt"/>
+                <a:ea typeface="思源黑体 CN Regular" charset="-122"/>
+                <a:cs typeface="Hiragino Sans GB W3" charset="-122"/>
+              </a:rPr>
+              <a:t>Python</a:t>
+            </a:r>
+            <a:r>
+              <a:rPr lang="zh-CN" altLang="en-US" sz="2000" dirty="0">
+                <a:solidFill>
+                  <a:schemeClr val="tx1">
+                    <a:lumMod val="50000"/>
+                    <a:lumOff val="50000"/>
+                  </a:schemeClr>
+                </a:solidFill>
+                <a:latin typeface="+mj-lt"/>
+                <a:ea typeface="思源黑体 CN Regular" charset="-122"/>
+                <a:cs typeface="Hiragino Sans GB W3" charset="-122"/>
+              </a:rPr>
+              <a:t>与</a:t>
+            </a:r>
+            <a:r>
+              <a:rPr lang="en-US" altLang="zh-CN" sz="2000" dirty="0">
+                <a:solidFill>
+                  <a:schemeClr val="tx1">
+                    <a:lumMod val="50000"/>
+                    <a:lumOff val="50000"/>
+                  </a:schemeClr>
+                </a:solidFill>
+                <a:latin typeface="+mj-lt"/>
+                <a:ea typeface="思源黑体 CN Regular" charset="-122"/>
+                <a:cs typeface="Hiragino Sans GB W3" charset="-122"/>
+              </a:rPr>
+              <a:t>MATLAB</a:t>
+            </a:r>
+            <a:r>
+              <a:rPr lang="zh-CN" altLang="en-US" sz="2000" dirty="0">
+                <a:solidFill>
+                  <a:schemeClr val="tx1">
+                    <a:lumMod val="50000"/>
+                    <a:lumOff val="50000"/>
+                  </a:schemeClr>
+                </a:solidFill>
+                <a:latin typeface="+mj-lt"/>
+                <a:ea typeface="思源黑体 CN Regular" charset="-122"/>
+                <a:cs typeface="Hiragino Sans GB W3" charset="-122"/>
+              </a:rPr>
+              <a:t>编程</a:t>
+            </a:r>
+            <a:endParaRPr lang="en-US" altLang="zh-CN" sz="2000" dirty="0">
+              <a:solidFill>
+                <a:schemeClr val="tx1">
+                  <a:lumMod val="50000"/>
+                  <a:lumOff val="50000"/>
+                </a:schemeClr>
+              </a:solidFill>
+              <a:latin typeface="+mj-lt"/>
+              <a:ea typeface="思源黑体 CN Regular" charset="-122"/>
+              <a:cs typeface="Hiragino Sans GB W3" charset="-122"/>
+            </a:endParaRPr>
+          </a:p>
+          <a:p>
+            <a:pPr marL="342900" indent="-342900">
+              <a:lnSpc>
+                <a:spcPct val="120000"/>
+              </a:lnSpc>
+              <a:buFont typeface="Wingdings" panose="05000000000000000000" pitchFamily="2" charset="2"/>
+              <a:buChar char="Ø"/>
+              <a:defRPr sz="1800"/>
+            </a:pPr>
+            <a:r>
+              <a:rPr lang="zh-CN" altLang="en-US" sz="2000" dirty="0">
+                <a:solidFill>
+                  <a:schemeClr val="tx1">
+                    <a:lumMod val="50000"/>
+                    <a:lumOff val="50000"/>
+                  </a:schemeClr>
+                </a:solidFill>
+                <a:latin typeface="+mj-lt"/>
+                <a:ea typeface="思源黑体 CN Regular" charset="-122"/>
+                <a:cs typeface="Hiragino Sans GB W3" charset="-122"/>
+              </a:rPr>
+              <a:t>开发了机器学习的图像界面软件</a:t>
+            </a:r>
+            <a:endParaRPr lang="en-US" altLang="zh-CN" sz="2000" dirty="0">
+              <a:solidFill>
+                <a:schemeClr val="tx1">
+                  <a:lumMod val="50000"/>
+                  <a:lumOff val="50000"/>
+                </a:schemeClr>
+              </a:solidFill>
+              <a:latin typeface="+mj-lt"/>
+              <a:ea typeface="思源黑体 CN Regular" charset="-122"/>
+              <a:cs typeface="Hiragino Sans GB W3" charset="-122"/>
+            </a:endParaRPr>
+          </a:p>
+          <a:p>
+            <a:pPr marL="342900" indent="-342900">
+              <a:lnSpc>
+                <a:spcPct val="120000"/>
+              </a:lnSpc>
+              <a:buFont typeface="Wingdings" panose="05000000000000000000" pitchFamily="2" charset="2"/>
+              <a:buChar char="Ø"/>
+              <a:defRPr sz="1800"/>
+            </a:pPr>
+            <a:r>
+              <a:rPr lang="zh-CN" altLang="en-US" sz="2000" dirty="0">
+                <a:solidFill>
+                  <a:schemeClr val="tx1">
+                    <a:lumMod val="50000"/>
+                    <a:lumOff val="50000"/>
+                  </a:schemeClr>
+                </a:solidFill>
+                <a:latin typeface="+mj-lt"/>
+                <a:ea typeface="思源黑体 CN Regular" charset="-122"/>
+                <a:cs typeface="Hiragino Sans GB W3" charset="-122"/>
+              </a:rPr>
+              <a:t>已发表多篇</a:t>
+            </a:r>
+            <a:r>
+              <a:rPr lang="en-US" altLang="zh-CN" sz="2000" dirty="0">
+                <a:solidFill>
+                  <a:schemeClr val="tx1">
+                    <a:lumMod val="50000"/>
+                    <a:lumOff val="50000"/>
+                  </a:schemeClr>
+                </a:solidFill>
+                <a:latin typeface="+mj-lt"/>
+                <a:ea typeface="思源黑体 CN Regular" charset="-122"/>
+                <a:cs typeface="Hiragino Sans GB W3" charset="-122"/>
+              </a:rPr>
+              <a:t>SCI</a:t>
+            </a:r>
+            <a:r>
+              <a:rPr lang="zh-CN" altLang="en-US" sz="2000" dirty="0">
+                <a:solidFill>
+                  <a:schemeClr val="tx1">
+                    <a:lumMod val="50000"/>
+                    <a:lumOff val="50000"/>
+                  </a:schemeClr>
+                </a:solidFill>
+                <a:latin typeface="+mj-lt"/>
+                <a:ea typeface="思源黑体 CN Regular" charset="-122"/>
+                <a:cs typeface="Hiragino Sans GB W3" charset="-122"/>
+              </a:rPr>
+              <a:t>论文</a:t>
+            </a:r>
+            <a:endParaRPr sz="2000" dirty="0">
+              <a:solidFill>
+                <a:schemeClr val="tx1">
+                  <a:lumMod val="50000"/>
+                  <a:lumOff val="50000"/>
+                </a:schemeClr>
+              </a:solidFill>
+              <a:latin typeface="+mj-lt"/>
+              <a:ea typeface="思源黑体 CN Regular" charset="-122"/>
+              <a:cs typeface="Hiragino Sans GB W3" charset="-122"/>
+            </a:endParaRPr>
+          </a:p>
+        </p:txBody>
+      </p:sp>
+    </p:spTree>
+    <p:extLst>
+      <p:ext uri="{BB962C8B-B14F-4D97-AF65-F5344CB8AC3E}">
+        <p14:creationId xmlns:p14="http://schemas.microsoft.com/office/powerpoint/2010/main" val="483540844"/>
+      </p:ext>
+    </p:extLst>
+  </p:cSld>
+  <p:clrMapOvr>
+    <a:masterClrMapping/>
+  </p:clrMapOvr>
+</p:sld>
+</file>
+
+<file path=ppt/slides/slide20.xml><?xml version="1.0" encoding="utf-8"?>
+<p:sld xmlns:a="http://schemas.openxmlformats.org/drawingml/2006/main" xmlns:r="http://schemas.openxmlformats.org/officeDocument/2006/relationships" xmlns:p="http://schemas.openxmlformats.org/presentationml/2006/main">
+  <p:cSld>
+    <p:spTree>
+      <p:nvGrpSpPr>
+        <p:cNvPr id="1" name=""/>
+        <p:cNvGrpSpPr/>
+        <p:nvPr/>
+      </p:nvGrpSpPr>
+      <p:grpSpPr>
+        <a:xfrm>
+          <a:off x="0" y="0"/>
+          <a:ext cx="0" cy="0"/>
+          <a:chOff x="0" y="0"/>
+          <a:chExt cx="0" cy="0"/>
+        </a:xfrm>
+      </p:grpSpPr>
+      <p:sp>
+        <p:nvSpPr>
+          <p:cNvPr id="2" name="标题 1">
+            <a:extLst>
+              <a:ext uri="{FF2B5EF4-FFF2-40B4-BE49-F238E27FC236}">
+                <a16:creationId xmlns:a16="http://schemas.microsoft.com/office/drawing/2014/main" id="{E316F844-1F2D-4C1D-85D4-FF83104B9AA9}"/>
+              </a:ext>
+            </a:extLst>
+          </p:cNvPr>
+          <p:cNvSpPr>
+            <a:spLocks noGrp="1"/>
+          </p:cNvSpPr>
+          <p:nvPr>
+            <p:ph type="title"/>
+          </p:nvPr>
+        </p:nvSpPr>
+        <p:spPr/>
+        <p:txBody>
+          <a:bodyPr/>
+          <a:lstStyle/>
+          <a:p>
+            <a:endParaRPr lang="zh-CN" altLang="en-US"/>
+          </a:p>
+        </p:txBody>
+      </p:sp>
+      <p:sp>
+        <p:nvSpPr>
+          <p:cNvPr id="3" name="内容占位符 2">
+            <a:extLst>
+              <a:ext uri="{FF2B5EF4-FFF2-40B4-BE49-F238E27FC236}">
+                <a16:creationId xmlns:a16="http://schemas.microsoft.com/office/drawing/2014/main" id="{3AA4591D-7330-4A6C-AA9D-652C6613D6D0}"/>
+              </a:ext>
+            </a:extLst>
+          </p:cNvPr>
+          <p:cNvSpPr>
+            <a:spLocks noGrp="1"/>
+          </p:cNvSpPr>
+          <p:nvPr>
+            <p:ph idx="1"/>
+          </p:nvPr>
+        </p:nvSpPr>
+        <p:spPr/>
+        <p:txBody>
+          <a:bodyPr/>
+          <a:lstStyle/>
+          <a:p>
+            <a:endParaRPr lang="zh-CN" altLang="en-US"/>
+          </a:p>
+        </p:txBody>
+      </p:sp>
+      <p:pic>
+        <p:nvPicPr>
+          <p:cNvPr id="4" name="图片 3">
+            <a:extLst>
+              <a:ext uri="{FF2B5EF4-FFF2-40B4-BE49-F238E27FC236}">
+                <a16:creationId xmlns:a16="http://schemas.microsoft.com/office/drawing/2014/main" id="{A903202B-647F-459E-8C62-3A2FA763CD5C}"/>
+              </a:ext>
+            </a:extLst>
+          </p:cNvPr>
+          <p:cNvPicPr>
+            <a:picLocks noChangeAspect="1"/>
+          </p:cNvPicPr>
+          <p:nvPr/>
+        </p:nvPicPr>
+        <p:blipFill>
+          <a:blip r:embed="rId2"/>
+          <a:stretch>
+            <a:fillRect/>
+          </a:stretch>
+        </p:blipFill>
+        <p:spPr>
+          <a:xfrm>
+            <a:off x="330758" y="0"/>
+            <a:ext cx="11530484" cy="6858000"/>
+          </a:xfrm>
+          <a:prstGeom prst="rect">
+            <a:avLst/>
+          </a:prstGeom>
+        </p:spPr>
+      </p:pic>
+    </p:spTree>
+    <p:extLst>
+      <p:ext uri="{BB962C8B-B14F-4D97-AF65-F5344CB8AC3E}">
+        <p14:creationId xmlns:p14="http://schemas.microsoft.com/office/powerpoint/2010/main" val="658721777"/>
+      </p:ext>
+    </p:extLst>
+  </p:cSld>
+  <p:clrMapOvr>
+    <a:masterClrMapping/>
+  </p:clrMapOvr>
+</p:sld>
+</file>
+
+<file path=ppt/slides/slide21.xml><?xml version="1.0" encoding="utf-8"?>
+<p:sld xmlns:a="http://schemas.openxmlformats.org/drawingml/2006/main" xmlns:r="http://schemas.openxmlformats.org/officeDocument/2006/relationships" xmlns:p="http://schemas.openxmlformats.org/presentationml/2006/main">
+  <p:cSld>
+    <p:spTree>
+      <p:nvGrpSpPr>
+        <p:cNvPr id="1" name=""/>
+        <p:cNvGrpSpPr/>
+        <p:nvPr/>
+      </p:nvGrpSpPr>
+      <p:grpSpPr>
+        <a:xfrm>
+          <a:off x="0" y="0"/>
+          <a:ext cx="0" cy="0"/>
+          <a:chOff x="0" y="0"/>
+          <a:chExt cx="0" cy="0"/>
+        </a:xfrm>
+      </p:grpSpPr>
+      <p:sp>
+        <p:nvSpPr>
           <p:cNvPr id="2" name="标题 1">
             <a:extLst>
               <a:ext uri="{FF2B5EF4-FFF2-40B4-BE49-F238E27FC236}">
@@ -7833,7 +10069,7 @@
 </p:sld>
 </file>
 
-<file path=ppt/slides/slide11.xml><?xml version="1.0" encoding="utf-8"?>
+<file path=ppt/slides/slide22.xml><?xml version="1.0" encoding="utf-8"?>
 <p:sld xmlns:a="http://schemas.openxmlformats.org/drawingml/2006/main" xmlns:r="http://schemas.openxmlformats.org/officeDocument/2006/relationships" xmlns:p="http://schemas.openxmlformats.org/presentationml/2006/main">
   <p:cSld>
     <p:spTree>
@@ -8486,7 +10722,7 @@
 </p:sld>
 </file>
 
-<file path=ppt/slides/slide12.xml><?xml version="1.0" encoding="utf-8"?>
+<file path=ppt/slides/slide23.xml><?xml version="1.0" encoding="utf-8"?>
 <p:sld xmlns:a="http://schemas.openxmlformats.org/drawingml/2006/main" xmlns:r="http://schemas.openxmlformats.org/officeDocument/2006/relationships" xmlns:p="http://schemas.openxmlformats.org/presentationml/2006/main">
   <p:cSld>
     <p:spTree>
@@ -9715,7 +11951,7 @@
 </p:sld>
 </file>
 
-<file path=ppt/slides/slide13.xml><?xml version="1.0" encoding="utf-8"?>
+<file path=ppt/slides/slide24.xml><?xml version="1.0" encoding="utf-8"?>
 <p:sld xmlns:a="http://schemas.openxmlformats.org/drawingml/2006/main" xmlns:r="http://schemas.openxmlformats.org/officeDocument/2006/relationships" xmlns:p="http://schemas.openxmlformats.org/presentationml/2006/main">
   <p:cSld>
     <p:spTree>
@@ -9825,7 +12061,7 @@
 </p:sld>
 </file>
 
-<file path=ppt/slides/slide14.xml><?xml version="1.0" encoding="utf-8"?>
+<file path=ppt/slides/slide25.xml><?xml version="1.0" encoding="utf-8"?>
 <p:sld xmlns:a="http://schemas.openxmlformats.org/drawingml/2006/main" xmlns:r="http://schemas.openxmlformats.org/officeDocument/2006/relationships" xmlns:p="http://schemas.openxmlformats.org/presentationml/2006/main">
   <p:cSld>
     <p:spTree>
@@ -9982,7 +12218,7 @@
 </p:sld>
 </file>
 
-<file path=ppt/slides/slide15.xml><?xml version="1.0" encoding="utf-8"?>
+<file path=ppt/slides/slide26.xml><?xml version="1.0" encoding="utf-8"?>
 <p:sld xmlns:a="http://schemas.openxmlformats.org/drawingml/2006/main" xmlns:r="http://schemas.openxmlformats.org/officeDocument/2006/relationships" xmlns:p="http://schemas.openxmlformats.org/presentationml/2006/main">
   <p:cSld>
     <p:spTree>
@@ -10060,435 +12296,6 @@
     <p:extLst>
       <p:ext uri="{BB962C8B-B14F-4D97-AF65-F5344CB8AC3E}">
         <p14:creationId xmlns:p14="http://schemas.microsoft.com/office/powerpoint/2010/main" val="3228946832"/>
-      </p:ext>
-    </p:extLst>
-  </p:cSld>
-  <p:clrMapOvr>
-    <a:masterClrMapping/>
-  </p:clrMapOvr>
-</p:sld>
-</file>
-
-<file path=ppt/slides/slide2.xml><?xml version="1.0" encoding="utf-8"?>
-<p:sld xmlns:a="http://schemas.openxmlformats.org/drawingml/2006/main" xmlns:r="http://schemas.openxmlformats.org/officeDocument/2006/relationships" xmlns:p="http://schemas.openxmlformats.org/presentationml/2006/main">
-  <p:cSld>
-    <p:spTree>
-      <p:nvGrpSpPr>
-        <p:cNvPr id="1" name=""/>
-        <p:cNvGrpSpPr/>
-        <p:nvPr/>
-      </p:nvGrpSpPr>
-      <p:grpSpPr>
-        <a:xfrm>
-          <a:off x="0" y="0"/>
-          <a:ext cx="0" cy="0"/>
-          <a:chOff x="0" y="0"/>
-          <a:chExt cx="0" cy="0"/>
-        </a:xfrm>
-      </p:grpSpPr>
-      <p:sp>
-        <p:nvSpPr>
-          <p:cNvPr id="4" name="Shape 186">
-            <a:extLst>
-              <a:ext uri="{FF2B5EF4-FFF2-40B4-BE49-F238E27FC236}">
-                <a16:creationId xmlns:a16="http://schemas.microsoft.com/office/drawing/2014/main" id="{838C9086-1CBC-42FD-9F67-FA807FA3F6D9}"/>
-              </a:ext>
-            </a:extLst>
-          </p:cNvPr>
-          <p:cNvSpPr/>
-          <p:nvPr/>
-        </p:nvSpPr>
-        <p:spPr>
-          <a:xfrm>
-            <a:off x="951392" y="1032155"/>
-            <a:ext cx="2144175" cy="707886"/>
-          </a:xfrm>
-          <a:prstGeom prst="rect">
-            <a:avLst/>
-          </a:prstGeom>
-          <a:ln w="12700">
-            <a:miter lim="400000"/>
-          </a:ln>
-        </p:spPr>
-        <p:txBody>
-          <a:bodyPr wrap="none" lIns="45719" rIns="45719">
-            <a:spAutoFit/>
-          </a:bodyPr>
-          <a:lstStyle>
-            <a:lvl1pPr>
-              <a:defRPr sz="4000">
-                <a:solidFill>
-                  <a:srgbClr val="535353"/>
-                </a:solidFill>
-                <a:latin typeface="Source Han Sans CN Bold Bold"/>
-                <a:ea typeface="Source Han Sans CN Bold Bold"/>
-                <a:cs typeface="Source Han Sans CN Bold Bold"/>
-                <a:sym typeface="Source Han Sans CN Bold Bold"/>
-              </a:defRPr>
-            </a:lvl1pPr>
-          </a:lstStyle>
-          <a:p>
-            <a:r>
-              <a:rPr dirty="0">
-                <a:solidFill>
-                  <a:schemeClr val="tx1"/>
-                </a:solidFill>
-              </a:rPr>
-              <a:t>个人简介</a:t>
-            </a:r>
-          </a:p>
-        </p:txBody>
-      </p:sp>
-      <p:sp>
-        <p:nvSpPr>
-          <p:cNvPr id="5" name="Shape 188">
-            <a:extLst>
-              <a:ext uri="{FF2B5EF4-FFF2-40B4-BE49-F238E27FC236}">
-                <a16:creationId xmlns:a16="http://schemas.microsoft.com/office/drawing/2014/main" id="{2905F80F-F57A-47B0-AC2C-40B5E423933B}"/>
-              </a:ext>
-            </a:extLst>
-          </p:cNvPr>
-          <p:cNvSpPr/>
-          <p:nvPr/>
-        </p:nvSpPr>
-        <p:spPr>
-          <a:xfrm>
-            <a:off x="986334" y="2662882"/>
-            <a:ext cx="7003621" cy="1907189"/>
-          </a:xfrm>
-          <a:prstGeom prst="rect">
-            <a:avLst/>
-          </a:prstGeom>
-          <a:ln w="12700">
-            <a:miter lim="400000"/>
-          </a:ln>
-        </p:spPr>
-        <p:txBody>
-          <a:bodyPr lIns="45719" rIns="45719">
-            <a:spAutoFit/>
-          </a:bodyPr>
-          <a:lstStyle/>
-          <a:p>
-            <a:pPr marL="342900" indent="-342900">
-              <a:lnSpc>
-                <a:spcPct val="120000"/>
-              </a:lnSpc>
-              <a:buFont typeface="Wingdings" panose="05000000000000000000" pitchFamily="2" charset="2"/>
-              <a:buChar char="Ø"/>
-              <a:defRPr sz="1800"/>
-            </a:pPr>
-            <a:r>
-              <a:rPr lang="zh-CN" altLang="en-US" sz="2000" dirty="0">
-                <a:solidFill>
-                  <a:schemeClr val="tx1">
-                    <a:lumMod val="50000"/>
-                    <a:lumOff val="50000"/>
-                  </a:schemeClr>
-                </a:solidFill>
-                <a:latin typeface="+mj-lt"/>
-                <a:ea typeface="思源黑体 CN Regular" charset="-122"/>
-                <a:cs typeface="Hiragino Sans GB W3" charset="-122"/>
-              </a:rPr>
-              <a:t>医学博士</a:t>
-            </a:r>
-            <a:endParaRPr lang="en-US" altLang="zh-CN" sz="2000" dirty="0">
-              <a:solidFill>
-                <a:schemeClr val="tx1">
-                  <a:lumMod val="50000"/>
-                  <a:lumOff val="50000"/>
-                </a:schemeClr>
-              </a:solidFill>
-              <a:latin typeface="+mj-lt"/>
-              <a:ea typeface="思源黑体 CN Regular" charset="-122"/>
-              <a:cs typeface="Hiragino Sans GB W3" charset="-122"/>
-            </a:endParaRPr>
-          </a:p>
-          <a:p>
-            <a:pPr marL="342900" indent="-342900">
-              <a:lnSpc>
-                <a:spcPct val="120000"/>
-              </a:lnSpc>
-              <a:buFont typeface="Wingdings" panose="05000000000000000000" pitchFamily="2" charset="2"/>
-              <a:buChar char="Ø"/>
-              <a:defRPr sz="1800"/>
-            </a:pPr>
-            <a:r>
-              <a:rPr lang="zh-CN" altLang="en-US" sz="2000" dirty="0">
-                <a:solidFill>
-                  <a:schemeClr val="tx1">
-                    <a:lumMod val="50000"/>
-                    <a:lumOff val="50000"/>
-                  </a:schemeClr>
-                </a:solidFill>
-                <a:latin typeface="+mj-lt"/>
-                <a:ea typeface="思源黑体 CN Regular" charset="-122"/>
-                <a:cs typeface="Hiragino Sans GB W3" charset="-122"/>
-              </a:rPr>
-              <a:t>拥有</a:t>
-            </a:r>
-            <a:r>
-              <a:rPr lang="en-US" altLang="zh-CN" sz="2000" dirty="0">
-                <a:solidFill>
-                  <a:schemeClr val="tx1">
-                    <a:lumMod val="50000"/>
-                    <a:lumOff val="50000"/>
-                  </a:schemeClr>
-                </a:solidFill>
-                <a:latin typeface="+mj-lt"/>
-                <a:ea typeface="思源黑体 CN Regular" charset="-122"/>
-                <a:cs typeface="Hiragino Sans GB W3" charset="-122"/>
-              </a:rPr>
-              <a:t>7</a:t>
-            </a:r>
-            <a:r>
-              <a:rPr lang="zh-CN" altLang="en-US" sz="2000" dirty="0">
-                <a:solidFill>
-                  <a:schemeClr val="tx1">
-                    <a:lumMod val="50000"/>
-                    <a:lumOff val="50000"/>
-                  </a:schemeClr>
-                </a:solidFill>
-                <a:latin typeface="+mj-lt"/>
-                <a:ea typeface="思源黑体 CN Regular" charset="-122"/>
-                <a:cs typeface="Hiragino Sans GB W3" charset="-122"/>
-              </a:rPr>
-              <a:t>年的机器学习与</a:t>
-            </a:r>
-            <a:r>
-              <a:rPr lang="en-US" altLang="zh-CN" sz="2000" dirty="0">
-                <a:solidFill>
-                  <a:schemeClr val="tx1">
-                    <a:lumMod val="50000"/>
-                    <a:lumOff val="50000"/>
-                  </a:schemeClr>
-                </a:solidFill>
-                <a:latin typeface="+mj-lt"/>
-                <a:ea typeface="思源黑体 CN Regular" charset="-122"/>
-                <a:cs typeface="Hiragino Sans GB W3" charset="-122"/>
-              </a:rPr>
-              <a:t>10</a:t>
-            </a:r>
-            <a:r>
-              <a:rPr lang="zh-CN" altLang="en-US" sz="2000" dirty="0">
-                <a:solidFill>
-                  <a:schemeClr val="tx1">
-                    <a:lumMod val="50000"/>
-                    <a:lumOff val="50000"/>
-                  </a:schemeClr>
-                </a:solidFill>
-                <a:latin typeface="+mj-lt"/>
-                <a:ea typeface="思源黑体 CN Regular" charset="-122"/>
-                <a:cs typeface="Hiragino Sans GB W3" charset="-122"/>
-              </a:rPr>
-              <a:t>万行以上代码编程经验</a:t>
-            </a:r>
-            <a:endParaRPr lang="en-US" altLang="zh-CN" sz="2000" dirty="0">
-              <a:solidFill>
-                <a:schemeClr val="tx1">
-                  <a:lumMod val="50000"/>
-                  <a:lumOff val="50000"/>
-                </a:schemeClr>
-              </a:solidFill>
-              <a:latin typeface="+mj-lt"/>
-              <a:ea typeface="思源黑体 CN Regular" charset="-122"/>
-              <a:cs typeface="Hiragino Sans GB W3" charset="-122"/>
-            </a:endParaRPr>
-          </a:p>
-          <a:p>
-            <a:pPr marL="342900" indent="-342900">
-              <a:lnSpc>
-                <a:spcPct val="120000"/>
-              </a:lnSpc>
-              <a:buFont typeface="Wingdings" panose="05000000000000000000" pitchFamily="2" charset="2"/>
-              <a:buChar char="Ø"/>
-              <a:defRPr sz="1800"/>
-            </a:pPr>
-            <a:r>
-              <a:rPr lang="zh-CN" altLang="en-US" sz="2000" dirty="0">
-                <a:solidFill>
-                  <a:schemeClr val="tx1">
-                    <a:lumMod val="50000"/>
-                    <a:lumOff val="50000"/>
-                  </a:schemeClr>
-                </a:solidFill>
-                <a:latin typeface="+mj-lt"/>
-                <a:ea typeface="思源黑体 CN Regular" charset="-122"/>
-                <a:cs typeface="Hiragino Sans GB W3" charset="-122"/>
-              </a:rPr>
-              <a:t>掌握</a:t>
-            </a:r>
-            <a:r>
-              <a:rPr lang="en-US" altLang="zh-CN" sz="2000" dirty="0">
-                <a:solidFill>
-                  <a:schemeClr val="tx1">
-                    <a:lumMod val="50000"/>
-                    <a:lumOff val="50000"/>
-                  </a:schemeClr>
-                </a:solidFill>
-                <a:latin typeface="+mj-lt"/>
-                <a:ea typeface="思源黑体 CN Regular" charset="-122"/>
-                <a:cs typeface="Hiragino Sans GB W3" charset="-122"/>
-              </a:rPr>
-              <a:t>Python</a:t>
-            </a:r>
-            <a:r>
-              <a:rPr lang="zh-CN" altLang="en-US" sz="2000" dirty="0">
-                <a:solidFill>
-                  <a:schemeClr val="tx1">
-                    <a:lumMod val="50000"/>
-                    <a:lumOff val="50000"/>
-                  </a:schemeClr>
-                </a:solidFill>
-                <a:latin typeface="+mj-lt"/>
-                <a:ea typeface="思源黑体 CN Regular" charset="-122"/>
-                <a:cs typeface="Hiragino Sans GB W3" charset="-122"/>
-              </a:rPr>
-              <a:t>与</a:t>
-            </a:r>
-            <a:r>
-              <a:rPr lang="en-US" altLang="zh-CN" sz="2000" dirty="0">
-                <a:solidFill>
-                  <a:schemeClr val="tx1">
-                    <a:lumMod val="50000"/>
-                    <a:lumOff val="50000"/>
-                  </a:schemeClr>
-                </a:solidFill>
-                <a:latin typeface="+mj-lt"/>
-                <a:ea typeface="思源黑体 CN Regular" charset="-122"/>
-                <a:cs typeface="Hiragino Sans GB W3" charset="-122"/>
-              </a:rPr>
-              <a:t>MATLAB</a:t>
-            </a:r>
-            <a:r>
-              <a:rPr lang="zh-CN" altLang="en-US" sz="2000" dirty="0">
-                <a:solidFill>
-                  <a:schemeClr val="tx1">
-                    <a:lumMod val="50000"/>
-                    <a:lumOff val="50000"/>
-                  </a:schemeClr>
-                </a:solidFill>
-                <a:latin typeface="+mj-lt"/>
-                <a:ea typeface="思源黑体 CN Regular" charset="-122"/>
-                <a:cs typeface="Hiragino Sans GB W3" charset="-122"/>
-              </a:rPr>
-              <a:t>编程</a:t>
-            </a:r>
-            <a:endParaRPr lang="en-US" altLang="zh-CN" sz="2000" dirty="0">
-              <a:solidFill>
-                <a:schemeClr val="tx1">
-                  <a:lumMod val="50000"/>
-                  <a:lumOff val="50000"/>
-                </a:schemeClr>
-              </a:solidFill>
-              <a:latin typeface="+mj-lt"/>
-              <a:ea typeface="思源黑体 CN Regular" charset="-122"/>
-              <a:cs typeface="Hiragino Sans GB W3" charset="-122"/>
-            </a:endParaRPr>
-          </a:p>
-          <a:p>
-            <a:pPr marL="342900" indent="-342900">
-              <a:lnSpc>
-                <a:spcPct val="120000"/>
-              </a:lnSpc>
-              <a:buFont typeface="Wingdings" panose="05000000000000000000" pitchFamily="2" charset="2"/>
-              <a:buChar char="Ø"/>
-              <a:defRPr sz="1800"/>
-            </a:pPr>
-            <a:r>
-              <a:rPr lang="zh-CN" altLang="en-US" sz="2000" dirty="0">
-                <a:solidFill>
-                  <a:schemeClr val="tx1">
-                    <a:lumMod val="50000"/>
-                    <a:lumOff val="50000"/>
-                  </a:schemeClr>
-                </a:solidFill>
-                <a:latin typeface="+mj-lt"/>
-                <a:ea typeface="思源黑体 CN Regular" charset="-122"/>
-                <a:cs typeface="Hiragino Sans GB W3" charset="-122"/>
-              </a:rPr>
-              <a:t>开发了机器学习的图像界面软件</a:t>
-            </a:r>
-            <a:endParaRPr lang="en-US" altLang="zh-CN" sz="2000" dirty="0">
-              <a:solidFill>
-                <a:schemeClr val="tx1">
-                  <a:lumMod val="50000"/>
-                  <a:lumOff val="50000"/>
-                </a:schemeClr>
-              </a:solidFill>
-              <a:latin typeface="+mj-lt"/>
-              <a:ea typeface="思源黑体 CN Regular" charset="-122"/>
-              <a:cs typeface="Hiragino Sans GB W3" charset="-122"/>
-            </a:endParaRPr>
-          </a:p>
-          <a:p>
-            <a:pPr marL="342900" indent="-342900">
-              <a:lnSpc>
-                <a:spcPct val="120000"/>
-              </a:lnSpc>
-              <a:buFont typeface="Wingdings" panose="05000000000000000000" pitchFamily="2" charset="2"/>
-              <a:buChar char="Ø"/>
-              <a:defRPr sz="1800"/>
-            </a:pPr>
-            <a:r>
-              <a:rPr lang="zh-CN" altLang="en-US" sz="2000" dirty="0">
-                <a:solidFill>
-                  <a:schemeClr val="tx1">
-                    <a:lumMod val="50000"/>
-                    <a:lumOff val="50000"/>
-                  </a:schemeClr>
-                </a:solidFill>
-                <a:latin typeface="+mj-lt"/>
-                <a:ea typeface="思源黑体 CN Regular" charset="-122"/>
-                <a:cs typeface="Hiragino Sans GB W3" charset="-122"/>
-              </a:rPr>
-              <a:t>已发表多篇</a:t>
-            </a:r>
-            <a:r>
-              <a:rPr lang="en-US" altLang="zh-CN" sz="2000" dirty="0">
-                <a:solidFill>
-                  <a:schemeClr val="tx1">
-                    <a:lumMod val="50000"/>
-                    <a:lumOff val="50000"/>
-                  </a:schemeClr>
-                </a:solidFill>
-                <a:latin typeface="+mj-lt"/>
-                <a:ea typeface="思源黑体 CN Regular" charset="-122"/>
-                <a:cs typeface="Hiragino Sans GB W3" charset="-122"/>
-              </a:rPr>
-              <a:t>SCI</a:t>
-            </a:r>
-            <a:r>
-              <a:rPr lang="zh-CN" altLang="en-US" sz="2000" dirty="0">
-                <a:solidFill>
-                  <a:schemeClr val="tx1">
-                    <a:lumMod val="50000"/>
-                    <a:lumOff val="50000"/>
-                  </a:schemeClr>
-                </a:solidFill>
-                <a:latin typeface="+mj-lt"/>
-                <a:ea typeface="思源黑体 CN Regular" charset="-122"/>
-                <a:cs typeface="Hiragino Sans GB W3" charset="-122"/>
-              </a:rPr>
-              <a:t>论文</a:t>
-            </a:r>
-            <a:endParaRPr sz="2000" dirty="0">
-              <a:solidFill>
-                <a:schemeClr val="tx1">
-                  <a:lumMod val="50000"/>
-                  <a:lumOff val="50000"/>
-                </a:schemeClr>
-              </a:solidFill>
-              <a:latin typeface="+mj-lt"/>
-              <a:ea typeface="思源黑体 CN Regular" charset="-122"/>
-              <a:cs typeface="Hiragino Sans GB W3" charset="-122"/>
-            </a:endParaRPr>
-          </a:p>
-        </p:txBody>
-      </p:sp>
-    </p:spTree>
-    <p:extLst>
-      <p:ext uri="{BB962C8B-B14F-4D97-AF65-F5344CB8AC3E}">
-        <p14:creationId xmlns:p14="http://schemas.microsoft.com/office/powerpoint/2010/main" val="483540844"/>
       </p:ext>
     </p:extLst>
   </p:cSld>
@@ -10821,32 +12628,89 @@
       </p:grpSpPr>
       <p:sp>
         <p:nvSpPr>
-          <p:cNvPr id="2" name="标题 1">
-            <a:extLst>
-              <a:ext uri="{FF2B5EF4-FFF2-40B4-BE49-F238E27FC236}">
-                <a16:creationId xmlns:a16="http://schemas.microsoft.com/office/drawing/2014/main" id="{9096F5D3-E384-414A-B69B-314F9454EC9F}"/>
-              </a:ext>
-            </a:extLst>
-          </p:cNvPr>
-          <p:cNvSpPr>
-            <a:spLocks noGrp="1"/>
-          </p:cNvSpPr>
-          <p:nvPr>
-            <p:ph type="title"/>
-          </p:nvPr>
+          <p:cNvPr id="273" name="Shape 273"/>
+          <p:cNvSpPr/>
+          <p:nvPr/>
         </p:nvSpPr>
-        <p:spPr/>
+        <p:spPr>
+          <a:xfrm>
+            <a:off x="1052830" y="2964180"/>
+            <a:ext cx="7782822" cy="1737720"/>
+          </a:xfrm>
+          <a:prstGeom prst="rect">
+            <a:avLst/>
+          </a:prstGeom>
+          <a:ln w="12700">
+            <a:miter lim="400000"/>
+          </a:ln>
+        </p:spPr>
         <p:txBody>
-          <a:bodyPr/>
-          <a:lstStyle/>
-          <a:p>
-            <a:r>
-              <a:rPr lang="zh-CN" altLang="en-US" dirty="0"/>
-              <a:t>机器学习基础</a:t>
-            </a:r>
+          <a:bodyPr lIns="45719" rIns="45719">
+            <a:spAutoFit/>
+          </a:bodyPr>
+          <a:lstStyle>
+            <a:lvl1pPr>
+              <a:lnSpc>
+                <a:spcPct val="80000"/>
+              </a:lnSpc>
+              <a:defRPr sz="6600">
+                <a:solidFill>
+                  <a:srgbClr val="535353"/>
+                </a:solidFill>
+                <a:latin typeface="Source Han Sans CN Bold Bold"/>
+                <a:ea typeface="Source Han Sans CN Bold Bold"/>
+                <a:cs typeface="Source Han Sans CN Bold Bold"/>
+                <a:sym typeface="Source Han Sans CN Bold Bold"/>
+              </a:defRPr>
+            </a:lvl1pPr>
+          </a:lstStyle>
+          <a:p>
+            <a:r>
+              <a:rPr lang="zh-CN" altLang="en-US" dirty="0">
+                <a:solidFill>
+                  <a:schemeClr val="tx1">
+                    <a:lumMod val="95000"/>
+                  </a:schemeClr>
+                </a:solidFill>
+              </a:rPr>
+              <a:t>为什么要做这个课程？</a:t>
+            </a:r>
+          </a:p>
+          <a:p>
+            <a:endParaRPr dirty="0">
+              <a:solidFill>
+                <a:schemeClr val="tx1"/>
+              </a:solidFill>
+            </a:endParaRPr>
           </a:p>
         </p:txBody>
       </p:sp>
+    </p:spTree>
+  </p:cSld>
+  <p:clrMapOvr>
+    <a:masterClrMapping/>
+  </p:clrMapOvr>
+  <p:transition spd="slow"/>
+</p:sld>
+</file>
+
+<file path=ppt/slides/slide5.xml><?xml version="1.0" encoding="utf-8"?>
+<p:sld xmlns:a="http://schemas.openxmlformats.org/drawingml/2006/main" xmlns:r="http://schemas.openxmlformats.org/officeDocument/2006/relationships" xmlns:p="http://schemas.openxmlformats.org/presentationml/2006/main">
+  <p:cSld>
+    <p:spTree>
+      <p:nvGrpSpPr>
+        <p:cNvPr id="1" name=""/>
+        <p:cNvGrpSpPr/>
+        <p:nvPr/>
+      </p:nvGrpSpPr>
+      <p:grpSpPr>
+        <a:xfrm>
+          <a:off x="0" y="0"/>
+          <a:ext cx="0" cy="0"/>
+          <a:chOff x="0" y="0"/>
+          <a:chExt cx="0" cy="0"/>
+        </a:xfrm>
+      </p:grpSpPr>
       <p:sp>
         <p:nvSpPr>
           <p:cNvPr id="3" name="内容占位符 2">
@@ -11154,42 +13018,12 @@
           </a:p>
         </p:txBody>
       </p:sp>
-    </p:spTree>
-    <p:extLst>
-      <p:ext uri="{BB962C8B-B14F-4D97-AF65-F5344CB8AC3E}">
-        <p14:creationId xmlns:p14="http://schemas.microsoft.com/office/powerpoint/2010/main" val="3207015458"/>
-      </p:ext>
-    </p:extLst>
-  </p:cSld>
-  <p:clrMapOvr>
-    <a:masterClrMapping/>
-  </p:clrMapOvr>
-</p:sld>
-</file>
-
-<file path=ppt/slides/slide5.xml><?xml version="1.0" encoding="utf-8"?>
-<p:sld xmlns:a="http://schemas.openxmlformats.org/drawingml/2006/main" xmlns:r="http://schemas.openxmlformats.org/officeDocument/2006/relationships" xmlns:p="http://schemas.openxmlformats.org/presentationml/2006/main">
-  <p:cSld>
-    <p:spTree>
-      <p:nvGrpSpPr>
-        <p:cNvPr id="1" name=""/>
-        <p:cNvGrpSpPr/>
-        <p:nvPr/>
-      </p:nvGrpSpPr>
-      <p:grpSpPr>
-        <a:xfrm>
-          <a:off x="0" y="0"/>
-          <a:ext cx="0" cy="0"/>
-          <a:chOff x="0" y="0"/>
-          <a:chExt cx="0" cy="0"/>
-        </a:xfrm>
-      </p:grpSpPr>
       <p:sp>
         <p:nvSpPr>
-          <p:cNvPr id="2" name="标题 1">
+          <p:cNvPr id="11" name="标题 10">
             <a:extLst>
               <a:ext uri="{FF2B5EF4-FFF2-40B4-BE49-F238E27FC236}">
-                <a16:creationId xmlns:a16="http://schemas.microsoft.com/office/drawing/2014/main" id="{F9AE1809-CECC-493B-8AEF-E4D6E11F20DA}"/>
+                <a16:creationId xmlns:a16="http://schemas.microsoft.com/office/drawing/2014/main" id="{5145902B-EB76-4BEE-BC5F-0EAA0F970043}"/>
               </a:ext>
             </a:extLst>
           </p:cNvPr>
@@ -11209,35 +13043,10 @@
           </a:p>
         </p:txBody>
       </p:sp>
-      <p:sp>
-        <p:nvSpPr>
-          <p:cNvPr id="3" name="内容占位符 2">
-            <a:extLst>
-              <a:ext uri="{FF2B5EF4-FFF2-40B4-BE49-F238E27FC236}">
-                <a16:creationId xmlns:a16="http://schemas.microsoft.com/office/drawing/2014/main" id="{FA351090-16EA-482B-972B-D6D32527FF94}"/>
-              </a:ext>
-            </a:extLst>
-          </p:cNvPr>
-          <p:cNvSpPr>
-            <a:spLocks noGrp="1"/>
-          </p:cNvSpPr>
-          <p:nvPr>
-            <p:ph idx="1"/>
-          </p:nvPr>
-        </p:nvSpPr>
-        <p:spPr/>
-        <p:txBody>
-          <a:bodyPr/>
-          <a:lstStyle/>
-          <a:p>
-            <a:endParaRPr lang="zh-CN" altLang="en-US"/>
-          </a:p>
-        </p:txBody>
-      </p:sp>
     </p:spTree>
     <p:extLst>
       <p:ext uri="{BB962C8B-B14F-4D97-AF65-F5344CB8AC3E}">
-        <p14:creationId xmlns:p14="http://schemas.microsoft.com/office/powerpoint/2010/main" val="641973659"/>
+        <p14:creationId xmlns:p14="http://schemas.microsoft.com/office/powerpoint/2010/main" val="2168005073"/>
       </p:ext>
     </p:extLst>
   </p:cSld>
@@ -11264,100 +13073,661 @@
           <a:chExt cx="0" cy="0"/>
         </a:xfrm>
       </p:grpSpPr>
+      <p:pic>
+        <p:nvPicPr>
+          <p:cNvPr id="195" name="PlaceholderImage.png"/>
+          <p:cNvPicPr>
+            <a:picLocks noChangeAspect="1"/>
+          </p:cNvPicPr>
+          <p:nvPr/>
+        </p:nvPicPr>
+        <p:blipFill>
+          <a:blip r:embed="rId3">
+            <a:extLst>
+              <a:ext uri="{28A0092B-C50C-407E-A947-70E740481C1C}">
+                <a14:useLocalDpi xmlns:a14="http://schemas.microsoft.com/office/drawing/2010/main" val="0"/>
+              </a:ext>
+            </a:extLst>
+          </a:blip>
+          <a:srcRect l="15316" r="15316"/>
+          <a:stretch/>
+        </p:blipFill>
+        <p:spPr>
+          <a:xfrm>
+            <a:off x="1239043" y="1507306"/>
+            <a:ext cx="2220752" cy="2227324"/>
+          </a:xfrm>
+          <a:prstGeom prst="rect">
+            <a:avLst/>
+          </a:prstGeom>
+          <a:ln w="12700">
+            <a:miter lim="400000"/>
+            <a:headEnd/>
+            <a:tailEnd/>
+          </a:ln>
+        </p:spPr>
+      </p:pic>
       <p:sp>
         <p:nvSpPr>
-          <p:cNvPr id="2" name="标题 1"/>
-          <p:cNvSpPr>
-            <a:spLocks noGrp="1"/>
-          </p:cNvSpPr>
-          <p:nvPr>
-            <p:ph type="title"/>
-          </p:nvPr>
+          <p:cNvPr id="196" name="Shape 196"/>
+          <p:cNvSpPr/>
+          <p:nvPr/>
         </p:nvSpPr>
-        <p:spPr/>
+        <p:spPr>
+          <a:xfrm>
+            <a:off x="1072231" y="4019186"/>
+            <a:ext cx="2554543" cy="461665"/>
+          </a:xfrm>
+          <a:prstGeom prst="rect">
+            <a:avLst/>
+          </a:prstGeom>
+          <a:ln w="12700">
+            <a:miter lim="400000"/>
+          </a:ln>
+        </p:spPr>
         <p:txBody>
-          <a:bodyPr>
-            <a:normAutofit/>
+          <a:bodyPr wrap="none" lIns="45719" rIns="45719">
+            <a:spAutoFit/>
           </a:bodyPr>
-          <a:lstStyle/>
-          <a:p>
-            <a:br>
-              <a:rPr lang="en-US" altLang="zh-CN" dirty="0">
+          <a:lstStyle>
+            <a:lvl1pPr algn="ctr">
+              <a:defRPr sz="2400">
                 <a:solidFill>
-                  <a:schemeClr val="accent1">
-                    <a:lumMod val="50000"/>
-                  </a:schemeClr>
+                  <a:srgbClr val="535353"/>
+                </a:solidFill>
+                <a:latin typeface="Source Han Sans CN Bold Bold"/>
+                <a:ea typeface="Source Han Sans CN Bold Bold"/>
+                <a:cs typeface="Source Han Sans CN Bold Bold"/>
+                <a:sym typeface="Source Han Sans CN Bold Bold"/>
+              </a:defRPr>
+            </a:lvl1pPr>
+          </a:lstStyle>
+          <a:p>
+            <a:r>
+              <a:rPr lang="zh-CN" altLang="en-US" dirty="0">
+                <a:solidFill>
+                  <a:schemeClr val="tx1"/>
                 </a:solidFill>
               </a:rPr>
-            </a:br>
-            <a:endParaRPr lang="zh-CN" altLang="en-US" dirty="0"/>
+              <a:t>精神疾病客观诊断</a:t>
+            </a:r>
+            <a:endParaRPr dirty="0">
+              <a:solidFill>
+                <a:schemeClr val="tx1"/>
+              </a:solidFill>
+            </a:endParaRPr>
           </a:p>
         </p:txBody>
       </p:sp>
       <p:sp>
         <p:nvSpPr>
-          <p:cNvPr id="3" name="内容占位符 2"/>
-          <p:cNvSpPr>
-            <a:spLocks noGrp="1"/>
-          </p:cNvSpPr>
-          <p:nvPr>
-            <p:ph idx="1"/>
-          </p:nvPr>
+          <p:cNvPr id="198" name="Shape 198"/>
+          <p:cNvSpPr/>
+          <p:nvPr/>
         </p:nvSpPr>
         <p:spPr>
           <a:xfrm>
-            <a:off x="2309786" y="1214422"/>
-            <a:ext cx="7772400" cy="4572000"/>
+            <a:off x="692706" y="4979853"/>
+            <a:ext cx="3313588" cy="362792"/>
           </a:xfrm>
+          <a:prstGeom prst="rect">
+            <a:avLst/>
+          </a:prstGeom>
+          <a:ln w="12700">
+            <a:miter lim="400000"/>
+          </a:ln>
         </p:spPr>
         <p:txBody>
-          <a:bodyPr>
-            <a:normAutofit/>
+          <a:bodyPr lIns="45719" rIns="45719">
+            <a:spAutoFit/>
+          </a:bodyPr>
+          <a:lstStyle>
+            <a:lvl1pPr algn="ctr">
+              <a:lnSpc>
+                <a:spcPct val="120000"/>
+              </a:lnSpc>
+              <a:defRPr sz="1600"/>
+            </a:lvl1pPr>
+          </a:lstStyle>
+          <a:p>
+            <a:endParaRPr lang="zh-CN" altLang="zh-CN" dirty="0">
+              <a:latin typeface="Source Han Sans CN Normal" charset="-122"/>
+              <a:ea typeface="Source Han Sans CN Normal" charset="-122"/>
+              <a:cs typeface="Source Han Sans CN Normal" charset="-122"/>
+              <a:sym typeface="Source Han Sans CN Normal" charset="-122"/>
+            </a:endParaRPr>
+          </a:p>
+        </p:txBody>
+      </p:sp>
+      <p:sp>
+        <p:nvSpPr>
+          <p:cNvPr id="200" name="Shape 200"/>
+          <p:cNvSpPr/>
+          <p:nvPr/>
+        </p:nvSpPr>
+        <p:spPr>
+          <a:xfrm>
+            <a:off x="184496" y="378396"/>
+            <a:ext cx="5886228" cy="461665"/>
+          </a:xfrm>
+          <a:prstGeom prst="rect">
+            <a:avLst/>
+          </a:prstGeom>
+          <a:ln w="12700">
+            <a:miter lim="400000"/>
+          </a:ln>
+        </p:spPr>
+        <p:txBody>
+          <a:bodyPr lIns="45719" rIns="45719">
+            <a:spAutoFit/>
           </a:bodyPr>
           <a:lstStyle/>
           <a:p>
-            <a:pPr>
+            <a:pPr lvl="2">
+              <a:defRPr sz="2400">
+                <a:solidFill>
+                  <a:srgbClr val="7C58BA"/>
+                </a:solidFill>
+                <a:latin typeface="Source Han Sans CN Bold Bold"/>
+                <a:ea typeface="Source Han Sans CN Bold Bold"/>
+                <a:cs typeface="Source Han Sans CN Bold Bold"/>
+                <a:sym typeface="Source Han Sans CN Bold Bold"/>
+              </a:defRPr>
+            </a:pPr>
+            <a:r>
+              <a:rPr lang="zh-CN" altLang="en-US" dirty="0">
+                <a:solidFill>
+                  <a:schemeClr val="tx1">
+                    <a:lumMod val="95000"/>
+                  </a:schemeClr>
+                </a:solidFill>
+              </a:rPr>
+              <a:t>机器学习能做什么？</a:t>
+            </a:r>
+            <a:endParaRPr dirty="0">
+              <a:solidFill>
+                <a:schemeClr val="tx1">
+                  <a:lumMod val="95000"/>
+                </a:schemeClr>
+              </a:solidFill>
+            </a:endParaRPr>
+          </a:p>
+        </p:txBody>
+      </p:sp>
+      <p:pic>
+        <p:nvPicPr>
+          <p:cNvPr id="201" name="PlaceholderImage.png"/>
+          <p:cNvPicPr>
+            <a:picLocks noChangeAspect="1"/>
+          </p:cNvPicPr>
+          <p:nvPr/>
+        </p:nvPicPr>
+        <p:blipFill>
+          <a:blip r:embed="rId4" cstate="print">
+            <a:extLst>
+              <a:ext uri="{28A0092B-C50C-407E-A947-70E740481C1C}">
+                <a14:useLocalDpi xmlns:a14="http://schemas.microsoft.com/office/drawing/2010/main" val="0"/>
+              </a:ext>
+            </a:extLst>
+          </a:blip>
+          <a:srcRect l="10749" r="10749"/>
+          <a:stretch/>
+        </p:blipFill>
+        <p:spPr>
+          <a:xfrm>
+            <a:off x="4985543" y="1507306"/>
+            <a:ext cx="2220752" cy="2227324"/>
+          </a:xfrm>
+          <a:prstGeom prst="rect">
+            <a:avLst/>
+          </a:prstGeom>
+          <a:ln w="12700">
+            <a:miter lim="400000"/>
+            <a:headEnd/>
+            <a:tailEnd/>
+          </a:ln>
+        </p:spPr>
+      </p:pic>
+      <p:sp>
+        <p:nvSpPr>
+          <p:cNvPr id="202" name="Shape 202"/>
+          <p:cNvSpPr/>
+          <p:nvPr/>
+        </p:nvSpPr>
+        <p:spPr>
+          <a:xfrm>
+            <a:off x="4619157" y="4019186"/>
+            <a:ext cx="2953692" cy="461665"/>
+          </a:xfrm>
+          <a:prstGeom prst="rect">
+            <a:avLst/>
+          </a:prstGeom>
+          <a:ln w="12700">
+            <a:miter lim="400000"/>
+          </a:ln>
+        </p:spPr>
+        <p:txBody>
+          <a:bodyPr wrap="none" lIns="45719" rIns="45719">
+            <a:spAutoFit/>
+          </a:bodyPr>
+          <a:lstStyle>
+            <a:lvl1pPr algn="ctr">
+              <a:defRPr sz="2400">
+                <a:solidFill>
+                  <a:srgbClr val="535353"/>
+                </a:solidFill>
+                <a:latin typeface="Source Han Sans CN Bold Bold"/>
+                <a:ea typeface="Source Han Sans CN Bold Bold"/>
+                <a:cs typeface="Source Han Sans CN Bold Bold"/>
+                <a:sym typeface="Source Han Sans CN Bold Bold"/>
+              </a:defRPr>
+            </a:lvl1pPr>
+          </a:lstStyle>
+          <a:p>
+            <a:r>
+              <a:rPr lang="zh-CN" altLang="en-US" dirty="0">
+                <a:solidFill>
+                  <a:schemeClr val="tx1"/>
+                </a:solidFill>
+              </a:rPr>
+              <a:t>肿瘤的快速自动诊断</a:t>
+            </a:r>
+            <a:endParaRPr dirty="0">
+              <a:solidFill>
+                <a:schemeClr val="tx1"/>
+              </a:solidFill>
+            </a:endParaRPr>
+          </a:p>
+        </p:txBody>
+      </p:sp>
+      <p:sp>
+        <p:nvSpPr>
+          <p:cNvPr id="204" name="Shape 204"/>
+          <p:cNvSpPr/>
+          <p:nvPr/>
+        </p:nvSpPr>
+        <p:spPr>
+          <a:xfrm>
+            <a:off x="4439206" y="4979853"/>
+            <a:ext cx="3313588" cy="957826"/>
+          </a:xfrm>
+          <a:prstGeom prst="rect">
+            <a:avLst/>
+          </a:prstGeom>
+          <a:ln w="12700">
+            <a:miter lim="400000"/>
+          </a:ln>
+        </p:spPr>
+        <p:txBody>
+          <a:bodyPr lIns="45719" rIns="45719">
+            <a:spAutoFit/>
+          </a:bodyPr>
+          <a:lstStyle>
+            <a:lvl1pPr algn="ctr">
               <a:lnSpc>
-                <a:spcPct val="150000"/>
+                <a:spcPct val="120000"/>
               </a:lnSpc>
+              <a:defRPr sz="1600"/>
+            </a:lvl1pPr>
+          </a:lstStyle>
+          <a:p>
+            <a:r>
+              <a:rPr lang="zh-CN" altLang="en-US" dirty="0">
+                <a:ea typeface="Source Han Sans CN Normal" charset="-122"/>
+              </a:rPr>
+              <a:t>人工智能诊断脑瘤的能力与我们医院放射科主任的符合率达到</a:t>
+            </a:r>
+            <a:r>
+              <a:rPr lang="en-US" altLang="zh-CN" dirty="0">
+                <a:ea typeface="Source Han Sans CN Normal" charset="-122"/>
+              </a:rPr>
+              <a:t>99%</a:t>
+            </a:r>
+            <a:r>
+              <a:rPr lang="zh-CN" altLang="en-US" dirty="0">
+                <a:ea typeface="Source Han Sans CN Normal" charset="-122"/>
+                <a:sym typeface="Source Han Sans CN Normal" charset="-122"/>
+              </a:rPr>
+              <a:t>！超越了绝大多数医生的水平</a:t>
+            </a:r>
+            <a:endParaRPr lang="zh-CN" altLang="zh-CN" dirty="0">
+              <a:latin typeface="Source Han Sans CN Normal" charset="-122"/>
+              <a:ea typeface="Source Han Sans CN Normal" charset="-122"/>
+              <a:cs typeface="Source Han Sans CN Normal" charset="-122"/>
+              <a:sym typeface="Source Han Sans CN Normal" charset="-122"/>
+            </a:endParaRPr>
+          </a:p>
+        </p:txBody>
+      </p:sp>
+      <p:pic>
+        <p:nvPicPr>
+          <p:cNvPr id="205" name="PlaceholderImage.png"/>
+          <p:cNvPicPr>
+            <a:picLocks noChangeAspect="1"/>
+          </p:cNvPicPr>
+          <p:nvPr/>
+        </p:nvPicPr>
+        <p:blipFill>
+          <a:blip r:embed="rId5" cstate="print">
+            <a:extLst>
+              <a:ext uri="{28A0092B-C50C-407E-A947-70E740481C1C}">
+                <a14:useLocalDpi xmlns:a14="http://schemas.microsoft.com/office/drawing/2010/main" val="0"/>
+              </a:ext>
+            </a:extLst>
+          </a:blip>
+          <a:srcRect l="16538" r="16538"/>
+          <a:stretch/>
+        </p:blipFill>
+        <p:spPr>
+          <a:xfrm>
+            <a:off x="8731741" y="1507306"/>
+            <a:ext cx="2220752" cy="2227324"/>
+          </a:xfrm>
+          <a:prstGeom prst="rect">
+            <a:avLst/>
+          </a:prstGeom>
+          <a:ln w="12700">
+            <a:miter lim="400000"/>
+            <a:headEnd/>
+            <a:tailEnd/>
+          </a:ln>
+        </p:spPr>
+      </p:pic>
+      <p:sp>
+        <p:nvSpPr>
+          <p:cNvPr id="206" name="Shape 206"/>
+          <p:cNvSpPr/>
+          <p:nvPr/>
+        </p:nvSpPr>
+        <p:spPr>
+          <a:xfrm>
+            <a:off x="7795485" y="4019186"/>
+            <a:ext cx="4093426" cy="461665"/>
+          </a:xfrm>
+          <a:prstGeom prst="rect">
+            <a:avLst/>
+          </a:prstGeom>
+          <a:ln w="12700">
+            <a:miter lim="400000"/>
+          </a:ln>
+        </p:spPr>
+        <p:txBody>
+          <a:bodyPr wrap="none" lIns="45719" rIns="45719">
+            <a:spAutoFit/>
+          </a:bodyPr>
+          <a:lstStyle>
+            <a:lvl1pPr algn="ctr">
+              <a:defRPr sz="2400">
+                <a:solidFill>
+                  <a:srgbClr val="535353"/>
+                </a:solidFill>
+                <a:latin typeface="Source Han Sans CN Bold Bold"/>
+                <a:ea typeface="Source Han Sans CN Bold Bold"/>
+                <a:cs typeface="Source Han Sans CN Bold Bold"/>
+                <a:sym typeface="Source Han Sans CN Bold Bold"/>
+              </a:defRPr>
+            </a:lvl1pPr>
+          </a:lstStyle>
+          <a:p>
+            <a:r>
+              <a:rPr lang="zh-CN" altLang="en-US" dirty="0">
+                <a:solidFill>
+                  <a:schemeClr val="tx1"/>
+                </a:solidFill>
+              </a:rPr>
+              <a:t>使中风患者更快得到精准治疗</a:t>
+            </a:r>
+            <a:endParaRPr dirty="0">
+              <a:solidFill>
+                <a:schemeClr val="tx1"/>
+              </a:solidFill>
+            </a:endParaRPr>
+          </a:p>
+        </p:txBody>
+      </p:sp>
+      <p:sp>
+        <p:nvSpPr>
+          <p:cNvPr id="208" name="Shape 208"/>
+          <p:cNvSpPr/>
+          <p:nvPr/>
+        </p:nvSpPr>
+        <p:spPr>
+          <a:xfrm>
+            <a:off x="8185403" y="4979853"/>
+            <a:ext cx="3313589" cy="1840119"/>
+          </a:xfrm>
+          <a:prstGeom prst="rect">
+            <a:avLst/>
+          </a:prstGeom>
+          <a:ln w="12700">
+            <a:miter lim="400000"/>
+          </a:ln>
+        </p:spPr>
+        <p:txBody>
+          <a:bodyPr lIns="45719" rIns="45719">
+            <a:spAutoFit/>
+          </a:bodyPr>
+          <a:lstStyle>
+            <a:lvl1pPr algn="ctr">
+              <a:lnSpc>
+                <a:spcPct val="120000"/>
+              </a:lnSpc>
+              <a:defRPr sz="1600"/>
+            </a:lvl1pPr>
+          </a:lstStyle>
+          <a:p>
+            <a:r>
+              <a:rPr lang="en-US" altLang="zh-CN" dirty="0"/>
+              <a:t>2018</a:t>
+            </a:r>
+            <a:r>
+              <a:rPr lang="zh-CN" altLang="en-US" dirty="0"/>
+              <a:t>年</a:t>
+            </a:r>
+            <a:r>
+              <a:rPr lang="en-US" altLang="zh-CN" dirty="0"/>
+              <a:t>2</a:t>
+            </a:r>
+            <a:r>
+              <a:rPr lang="zh-CN" altLang="en-US" dirty="0"/>
+              <a:t>月，总部位于旧金山的医疗保健公司</a:t>
+            </a:r>
+            <a:r>
+              <a:rPr lang="en-US" altLang="zh-CN" dirty="0"/>
+              <a:t>Viz.ai</a:t>
+            </a:r>
+            <a:r>
+              <a:rPr lang="zh-CN" altLang="en-US" dirty="0"/>
+              <a:t>宣布获得</a:t>
+            </a:r>
+            <a:r>
+              <a:rPr lang="en-US" altLang="zh-CN" dirty="0"/>
+              <a:t>FDA</a:t>
+            </a:r>
+            <a:r>
+              <a:rPr lang="zh-CN" altLang="en-US" dirty="0"/>
+              <a:t>对其脑卒中护理应用的营销授权。该应用提供临床决策支持，使用深度学习算法自动分析</a:t>
+            </a:r>
+            <a:r>
+              <a:rPr lang="en-US" altLang="zh-CN" dirty="0"/>
+              <a:t>CT</a:t>
+            </a:r>
+            <a:r>
+              <a:rPr lang="zh-CN" altLang="en-US" dirty="0"/>
+              <a:t>神经图像，以检测与脑卒中相关的指标</a:t>
+            </a:r>
+            <a:endParaRPr lang="zh-CN" altLang="zh-CN" dirty="0">
+              <a:latin typeface="Source Han Sans CN Normal" charset="-122"/>
+              <a:ea typeface="Source Han Sans CN Normal" charset="-122"/>
+              <a:cs typeface="Source Han Sans CN Normal" charset="-122"/>
+              <a:sym typeface="Source Han Sans CN Normal" charset="-122"/>
+            </a:endParaRPr>
+          </a:p>
+        </p:txBody>
+      </p:sp>
+      <p:sp>
+        <p:nvSpPr>
+          <p:cNvPr id="3" name="Shape 204">
+            <a:extLst>
+              <a:ext uri="{FF2B5EF4-FFF2-40B4-BE49-F238E27FC236}">
+                <a16:creationId xmlns:a16="http://schemas.microsoft.com/office/drawing/2014/main" id="{DE7E48A9-9848-4FEA-A457-BC0F1912965E}"/>
+              </a:ext>
+            </a:extLst>
+          </p:cNvPr>
+          <p:cNvSpPr/>
+          <p:nvPr/>
+        </p:nvSpPr>
+        <p:spPr>
+          <a:xfrm>
+            <a:off x="909011" y="4980941"/>
+            <a:ext cx="3313588" cy="658257"/>
+          </a:xfrm>
+          <a:prstGeom prst="rect">
+            <a:avLst/>
+          </a:prstGeom>
+          <a:ln w="12700">
+            <a:miter lim="400000"/>
+          </a:ln>
+        </p:spPr>
+        <p:txBody>
+          <a:bodyPr lIns="45719" rIns="45719">
+            <a:spAutoFit/>
+          </a:bodyPr>
+          <a:lstStyle>
+            <a:lvl1pPr algn="ctr">
+              <a:lnSpc>
+                <a:spcPct val="120000"/>
+              </a:lnSpc>
+              <a:defRPr sz="1600"/>
+            </a:lvl1pPr>
+          </a:lstStyle>
+          <a:p>
+            <a:r>
+              <a:rPr lang="zh-CN" altLang="en-US" dirty="0">
+                <a:latin typeface="Source Han Sans CN Normal" charset="-122"/>
+                <a:ea typeface="Source Han Sans CN Normal" charset="-122"/>
+                <a:cs typeface="Source Han Sans CN Normal" charset="-122"/>
+                <a:sym typeface="Source Han Sans CN Normal" charset="-122"/>
+              </a:rPr>
+              <a:t>机器学习算法能以超过</a:t>
+            </a:r>
+            <a:r>
+              <a:rPr lang="en-US" altLang="zh-CN" dirty="0">
+                <a:latin typeface="Source Han Sans CN Normal" charset="-122"/>
+                <a:ea typeface="Source Han Sans CN Normal" charset="-122"/>
+                <a:cs typeface="Source Han Sans CN Normal" charset="-122"/>
+                <a:sym typeface="Source Han Sans CN Normal" charset="-122"/>
+              </a:rPr>
+              <a:t>80%</a:t>
+            </a:r>
+            <a:r>
+              <a:rPr lang="zh-CN" altLang="en-US" dirty="0">
+                <a:latin typeface="Source Han Sans CN Normal" charset="-122"/>
+                <a:ea typeface="Source Han Sans CN Normal" charset="-122"/>
+                <a:cs typeface="Source Han Sans CN Normal" charset="-122"/>
+                <a:sym typeface="Source Han Sans CN Normal" charset="-122"/>
+              </a:rPr>
+              <a:t>的准确度诊断精神分裂症患者</a:t>
+            </a:r>
+            <a:r>
+              <a:rPr lang="en-US" altLang="zh-CN" dirty="0">
+                <a:latin typeface="Source Han Sans CN Normal" charset="-122"/>
+                <a:ea typeface="Source Han Sans CN Normal" charset="-122"/>
+                <a:cs typeface="Source Han Sans CN Normal" charset="-122"/>
+                <a:sym typeface="Source Han Sans CN Normal" charset="-122"/>
+              </a:rPr>
+              <a:t>【1】</a:t>
+            </a:r>
+            <a:endParaRPr lang="zh-CN" altLang="zh-CN" dirty="0">
+              <a:latin typeface="Source Han Sans CN Normal" charset="-122"/>
+              <a:ea typeface="Source Han Sans CN Normal" charset="-122"/>
+              <a:cs typeface="Source Han Sans CN Normal" charset="-122"/>
+              <a:sym typeface="Source Han Sans CN Normal" charset="-122"/>
+            </a:endParaRPr>
+          </a:p>
+        </p:txBody>
+      </p:sp>
+      <p:sp>
+        <p:nvSpPr>
+          <p:cNvPr id="5" name="文本框 4">
+            <a:extLst>
+              <a:ext uri="{FF2B5EF4-FFF2-40B4-BE49-F238E27FC236}">
+                <a16:creationId xmlns:a16="http://schemas.microsoft.com/office/drawing/2014/main" id="{3BF67AF8-A836-4D73-B23D-B97673D6D1B9}"/>
+              </a:ext>
+            </a:extLst>
+          </p:cNvPr>
+          <p:cNvSpPr txBox="1"/>
+          <p:nvPr/>
+        </p:nvSpPr>
+        <p:spPr>
+          <a:xfrm>
+            <a:off x="692706" y="6419864"/>
+            <a:ext cx="3062797" cy="400108"/>
+          </a:xfrm>
+          <a:prstGeom prst="rect">
+            <a:avLst/>
+          </a:prstGeom>
+          <a:noFill/>
+          <a:ln w="12700" cap="flat">
+            <a:noFill/>
+            <a:miter lim="400000"/>
+          </a:ln>
+        </p:spPr>
+        <p:style>
+          <a:lnRef idx="0">
+            <a:scrgbClr r="0" g="0" b="0"/>
+          </a:lnRef>
+          <a:fillRef idx="0">
+            <a:scrgbClr r="0" g="0" b="0"/>
+          </a:fillRef>
+          <a:effectRef idx="0">
+            <a:scrgbClr r="0" g="0" b="0"/>
+          </a:effectRef>
+          <a:fontRef idx="none"/>
+        </p:style>
+        <p:txBody>
+          <a:bodyPr rot="0" spcFirstLastPara="1" vertOverflow="overflow" horzOverflow="overflow" vert="horz" wrap="square" lIns="45719" tIns="45719" rIns="45719" bIns="45719" numCol="1" spcCol="38100" rtlCol="0" anchor="t">
+            <a:spAutoFit/>
+          </a:bodyPr>
+          <a:lstStyle/>
+          <a:p>
+            <a:pPr marL="0" marR="0" indent="0" algn="l" defTabSz="913765" rtl="0" fontAlgn="auto" latinLnBrk="0" hangingPunct="0">
+              <a:lnSpc>
+                <a:spcPct val="100000"/>
+              </a:lnSpc>
+              <a:spcBef>
+                <a:spcPts val="0"/>
+              </a:spcBef>
+              <a:spcAft>
+                <a:spcPts val="0"/>
+              </a:spcAft>
+              <a:buClrTx/>
+              <a:buSzTx/>
+              <a:buFontTx/>
               <a:buNone/>
             </a:pPr>
-            <a:endParaRPr lang="en-US" altLang="zh-CN" sz="2400" dirty="0"/>
+            <a:r>
+              <a:rPr kumimoji="0" lang="en-US" altLang="zh-CN" sz="1000" b="0" i="0" u="none" strike="noStrike" cap="none" spc="0" normalizeH="0" baseline="0" dirty="0">
+                <a:ln>
+                  <a:noFill/>
+                </a:ln>
+                <a:effectLst/>
+                <a:uFillTx/>
+                <a:latin typeface="Arial" panose="020B0604020202020204" pitchFamily="34" charset="0"/>
+                <a:cs typeface="Arial" panose="020B0604020202020204" pitchFamily="34" charset="0"/>
+                <a:sym typeface="Calibri"/>
+              </a:rPr>
+              <a:t>【1】A neuroimaging biomarker for striatal dysfunction in schizophrenia</a:t>
+            </a:r>
           </a:p>
         </p:txBody>
       </p:sp>
-      <p:graphicFrame>
-        <p:nvGraphicFramePr>
-          <p:cNvPr id="5" name="图示 4"/>
-          <p:cNvGraphicFramePr/>
-          <p:nvPr>
-            <p:extLst>
-              <p:ext uri="{D42A27DB-BD31-4B8C-83A1-F6EECF244321}">
-                <p14:modId xmlns:p14="http://schemas.microsoft.com/office/powerpoint/2010/main" val="1810774105"/>
-              </p:ext>
-            </p:extLst>
-          </p:nvPr>
-        </p:nvGraphicFramePr>
-        <p:xfrm>
-          <a:off x="1728192" y="1772816"/>
-          <a:ext cx="6096000" cy="4064000"/>
-        </p:xfrm>
-        <a:graphic>
-          <a:graphicData uri="http://schemas.openxmlformats.org/drawingml/2006/diagram">
-            <dgm:relIds xmlns:dgm="http://schemas.openxmlformats.org/drawingml/2006/diagram" xmlns:r="http://schemas.openxmlformats.org/officeDocument/2006/relationships" r:dm="rId2" r:lo="rId3" r:qs="rId4" r:cs="rId5"/>
-          </a:graphicData>
-        </a:graphic>
-      </p:graphicFrame>
     </p:spTree>
-    <p:extLst>
-      <p:ext uri="{BB962C8B-B14F-4D97-AF65-F5344CB8AC3E}">
-        <p14:creationId xmlns:p14="http://schemas.microsoft.com/office/powerpoint/2010/main" val="1560215636"/>
-      </p:ext>
-    </p:extLst>
   </p:cSld>
   <p:clrMapOvr>
     <a:masterClrMapping/>
   </p:clrMapOvr>
+  <p:transition spd="slow"/>
 </p:sld>
 </file>
 
@@ -11380,94 +13750,310 @@
       </p:grpSpPr>
       <p:sp>
         <p:nvSpPr>
-          <p:cNvPr id="2" name="标题 1">
-            <a:extLst>
-              <a:ext uri="{FF2B5EF4-FFF2-40B4-BE49-F238E27FC236}">
-                <a16:creationId xmlns:a16="http://schemas.microsoft.com/office/drawing/2014/main" id="{DA005B81-A9BB-4C27-A291-8C753CC5197E}"/>
-              </a:ext>
-            </a:extLst>
-          </p:cNvPr>
-          <p:cNvSpPr>
-            <a:spLocks noGrp="1"/>
-          </p:cNvSpPr>
-          <p:nvPr>
-            <p:ph type="title"/>
-          </p:nvPr>
+          <p:cNvPr id="212" name="Shape 212"/>
+          <p:cNvSpPr/>
+          <p:nvPr/>
         </p:nvSpPr>
-        <p:spPr/>
+        <p:spPr>
+          <a:xfrm>
+            <a:off x="184496" y="378396"/>
+            <a:ext cx="5886228" cy="461665"/>
+          </a:xfrm>
+          <a:prstGeom prst="rect">
+            <a:avLst/>
+          </a:prstGeom>
+          <a:ln w="12700">
+            <a:miter lim="400000"/>
+          </a:ln>
+        </p:spPr>
         <p:txBody>
-          <a:bodyPr/>
+          <a:bodyPr lIns="45719" rIns="45719">
+            <a:spAutoFit/>
+          </a:bodyPr>
           <a:lstStyle/>
           <a:p>
-            <a:endParaRPr lang="zh-CN" altLang="en-US"/>
+            <a:pPr lvl="2">
+              <a:defRPr sz="2400">
+                <a:solidFill>
+                  <a:srgbClr val="7C58BA"/>
+                </a:solidFill>
+                <a:latin typeface="Source Han Sans CN Bold Bold"/>
+                <a:ea typeface="Source Han Sans CN Bold Bold"/>
+                <a:cs typeface="Source Han Sans CN Bold Bold"/>
+                <a:sym typeface="Source Han Sans CN Bold Bold"/>
+              </a:defRPr>
+            </a:pPr>
+            <a:r>
+              <a:rPr lang="zh-CN" altLang="en-US" dirty="0">
+                <a:solidFill>
+                  <a:schemeClr val="tx1">
+                    <a:lumMod val="95000"/>
+                  </a:schemeClr>
+                </a:solidFill>
+              </a:rPr>
+              <a:t>研究人员学会使用机器学习的必要性</a:t>
+            </a:r>
+            <a:endParaRPr dirty="0">
+              <a:solidFill>
+                <a:schemeClr val="tx1">
+                  <a:lumMod val="95000"/>
+                </a:schemeClr>
+              </a:solidFill>
+            </a:endParaRPr>
           </a:p>
         </p:txBody>
       </p:sp>
       <p:sp>
         <p:nvSpPr>
-          <p:cNvPr id="3" name="内容占位符 2">
-            <a:extLst>
-              <a:ext uri="{FF2B5EF4-FFF2-40B4-BE49-F238E27FC236}">
-                <a16:creationId xmlns:a16="http://schemas.microsoft.com/office/drawing/2014/main" id="{44A5DE76-87A2-4EE1-9DAF-93397C2CAE3B}"/>
-              </a:ext>
-            </a:extLst>
-          </p:cNvPr>
-          <p:cNvSpPr>
-            <a:spLocks noGrp="1"/>
-          </p:cNvSpPr>
-          <p:nvPr>
-            <p:ph idx="1"/>
-          </p:nvPr>
+          <p:cNvPr id="213" name="Shape 213"/>
+          <p:cNvSpPr/>
+          <p:nvPr/>
         </p:nvSpPr>
-        <p:spPr/>
-        <p:txBody>
-          <a:bodyPr/>
-          <a:lstStyle/>
-          <a:p>
-            <a:endParaRPr lang="zh-CN" altLang="en-US"/>
-          </a:p>
-        </p:txBody>
-      </p:sp>
-      <p:pic>
-        <p:nvPicPr>
-          <p:cNvPr id="4" name="图片 3">
-            <a:extLst>
-              <a:ext uri="{FF2B5EF4-FFF2-40B4-BE49-F238E27FC236}">
-                <a16:creationId xmlns:a16="http://schemas.microsoft.com/office/drawing/2014/main" id="{9AF42E23-9D39-4313-8B40-4EA53D0D91FC}"/>
-              </a:ext>
-            </a:extLst>
-          </p:cNvPr>
-          <p:cNvPicPr>
-            <a:picLocks noChangeAspect="1"/>
-          </p:cNvPicPr>
-          <p:nvPr/>
-        </p:nvPicPr>
-        <p:blipFill>
-          <a:blip r:embed="rId2"/>
-          <a:stretch>
-            <a:fillRect/>
-          </a:stretch>
-        </p:blipFill>
         <p:spPr>
           <a:xfrm>
-            <a:off x="0" y="18248"/>
-            <a:ext cx="12192000" cy="6821504"/>
+            <a:off x="1040129" y="2391409"/>
+            <a:ext cx="6166787" cy="430374"/>
           </a:xfrm>
           <a:prstGeom prst="rect">
             <a:avLst/>
           </a:prstGeom>
+          <a:ln w="12700">
+            <a:miter lim="400000"/>
+          </a:ln>
         </p:spPr>
-      </p:pic>
+        <p:txBody>
+          <a:bodyPr wrap="square" lIns="45719" rIns="45719">
+            <a:spAutoFit/>
+          </a:bodyPr>
+          <a:lstStyle>
+            <a:lvl1pPr>
+              <a:lnSpc>
+                <a:spcPct val="120000"/>
+              </a:lnSpc>
+              <a:defRPr sz="1800"/>
+            </a:lvl1pPr>
+          </a:lstStyle>
+          <a:p>
+            <a:endParaRPr sz="2000" dirty="0">
+              <a:latin typeface="Source Han Sans CN Normal" charset="-122"/>
+              <a:ea typeface="Source Han Sans CN Normal" charset="-122"/>
+              <a:cs typeface="Source Han Sans CN Normal" charset="-122"/>
+            </a:endParaRPr>
+          </a:p>
+        </p:txBody>
+      </p:sp>
+      <p:sp>
+        <p:nvSpPr>
+          <p:cNvPr id="214" name="Shape 214"/>
+          <p:cNvSpPr/>
+          <p:nvPr/>
+        </p:nvSpPr>
+        <p:spPr>
+          <a:xfrm>
+            <a:off x="637777" y="1515143"/>
+            <a:ext cx="7192031" cy="892552"/>
+          </a:xfrm>
+          <a:prstGeom prst="rect">
+            <a:avLst/>
+          </a:prstGeom>
+          <a:ln w="12700">
+            <a:miter lim="400000"/>
+          </a:ln>
+        </p:spPr>
+        <p:txBody>
+          <a:bodyPr wrap="none" lIns="45719" rIns="45719">
+            <a:spAutoFit/>
+          </a:bodyPr>
+          <a:lstStyle>
+            <a:lvl1pPr algn="ctr">
+              <a:defRPr sz="2600">
+                <a:solidFill>
+                  <a:srgbClr val="535353"/>
+                </a:solidFill>
+                <a:latin typeface="Source Han Sans CN Bold Bold"/>
+                <a:ea typeface="Source Han Sans CN Bold Bold"/>
+                <a:cs typeface="Source Han Sans CN Bold Bold"/>
+                <a:sym typeface="Source Han Sans CN Bold Bold"/>
+              </a:defRPr>
+            </a:lvl1pPr>
+          </a:lstStyle>
+          <a:p>
+            <a:r>
+              <a:rPr lang="en-US" altLang="zh-CN" dirty="0">
+                <a:solidFill>
+                  <a:schemeClr val="tx1"/>
+                </a:solidFill>
+              </a:rPr>
+              <a:t>AI</a:t>
+            </a:r>
+            <a:r>
+              <a:rPr lang="zh-CN" altLang="en-US" dirty="0">
+                <a:solidFill>
+                  <a:schemeClr val="tx1"/>
+                </a:solidFill>
+              </a:rPr>
+              <a:t>不会替代人类</a:t>
+            </a:r>
+            <a:r>
+              <a:rPr lang="zh-CN" altLang="en-US" dirty="0">
+                <a:solidFill>
+                  <a:srgbClr val="FF0000"/>
+                </a:solidFill>
+              </a:rPr>
+              <a:t>， 但会淘汰不会使用</a:t>
+            </a:r>
+            <a:r>
+              <a:rPr lang="en-US" altLang="zh-CN" dirty="0">
+                <a:solidFill>
+                  <a:srgbClr val="FF0000"/>
+                </a:solidFill>
+              </a:rPr>
+              <a:t>AI</a:t>
+            </a:r>
+            <a:r>
+              <a:rPr lang="zh-CN" altLang="en-US" dirty="0">
+                <a:solidFill>
+                  <a:srgbClr val="FF0000"/>
+                </a:solidFill>
+              </a:rPr>
+              <a:t>的工作者</a:t>
+            </a:r>
+          </a:p>
+          <a:p>
+            <a:endParaRPr dirty="0"/>
+          </a:p>
+        </p:txBody>
+      </p:sp>
+      <p:sp>
+        <p:nvSpPr>
+          <p:cNvPr id="2" name="Shape 213">
+            <a:extLst>
+              <a:ext uri="{FF2B5EF4-FFF2-40B4-BE49-F238E27FC236}">
+                <a16:creationId xmlns:a16="http://schemas.microsoft.com/office/drawing/2014/main" id="{9D39F2E2-8887-458B-9369-919130D66026}"/>
+              </a:ext>
+            </a:extLst>
+          </p:cNvPr>
+          <p:cNvSpPr/>
+          <p:nvPr/>
+        </p:nvSpPr>
+        <p:spPr>
+          <a:xfrm>
+            <a:off x="1040129" y="2391409"/>
+            <a:ext cx="6166787" cy="3385029"/>
+          </a:xfrm>
+          <a:prstGeom prst="rect">
+            <a:avLst/>
+          </a:prstGeom>
+          <a:ln w="12700">
+            <a:miter lim="400000"/>
+          </a:ln>
+        </p:spPr>
+        <p:txBody>
+          <a:bodyPr wrap="square" lIns="45719" rIns="45719">
+            <a:spAutoFit/>
+          </a:bodyPr>
+          <a:lstStyle>
+            <a:lvl1pPr>
+              <a:lnSpc>
+                <a:spcPct val="120000"/>
+              </a:lnSpc>
+              <a:defRPr sz="1800"/>
+            </a:lvl1pPr>
+          </a:lstStyle>
+          <a:p>
+            <a:pPr marL="342900" indent="-342900">
+              <a:buFont typeface="Wingdings" panose="05000000000000000000" pitchFamily="2" charset="2"/>
+              <a:buChar char="Ø"/>
+            </a:pPr>
+            <a:r>
+              <a:rPr lang="zh-CN" altLang="en-US" sz="2000" dirty="0">
+                <a:latin typeface="Source Han Sans CN Normal" charset="-122"/>
+                <a:ea typeface="Source Han Sans CN Normal" charset="-122"/>
+                <a:cs typeface="Source Han Sans CN Normal" charset="-122"/>
+              </a:rPr>
+              <a:t>未来要求我们使用人工智能的行业场景会越来越多，甚至渗透到每个领域</a:t>
+            </a:r>
+            <a:endParaRPr lang="en-US" altLang="zh-CN" sz="2000" dirty="0">
+              <a:latin typeface="Source Han Sans CN Normal" charset="-122"/>
+              <a:ea typeface="Source Han Sans CN Normal" charset="-122"/>
+              <a:cs typeface="Source Han Sans CN Normal" charset="-122"/>
+            </a:endParaRPr>
+          </a:p>
+          <a:p>
+            <a:pPr marL="342900" indent="-342900">
+              <a:buFont typeface="Wingdings" panose="05000000000000000000" pitchFamily="2" charset="2"/>
+              <a:buChar char="Ø"/>
+            </a:pPr>
+            <a:endParaRPr lang="en-US" altLang="zh-CN" sz="2000" dirty="0">
+              <a:latin typeface="Source Han Sans CN Normal" charset="-122"/>
+              <a:ea typeface="Source Han Sans CN Normal" charset="-122"/>
+              <a:cs typeface="Source Han Sans CN Normal" charset="-122"/>
+            </a:endParaRPr>
+          </a:p>
+          <a:p>
+            <a:pPr marL="342900" indent="-342900">
+              <a:buFont typeface="Wingdings" panose="05000000000000000000" pitchFamily="2" charset="2"/>
+              <a:buChar char="Ø"/>
+            </a:pPr>
+            <a:r>
+              <a:rPr lang="zh-CN" altLang="en-US" sz="2000" dirty="0">
+                <a:latin typeface="Source Han Sans CN Normal" charset="-122"/>
+                <a:ea typeface="Source Han Sans CN Normal" charset="-122"/>
+                <a:cs typeface="Source Han Sans CN Normal" charset="-122"/>
+              </a:rPr>
+              <a:t>脑功能研究领域的未来一定会朝着个体精准医学的方向发展，机器学习是其不可或缺的一种重要工具</a:t>
+            </a:r>
+            <a:endParaRPr lang="en-US" altLang="zh-CN" sz="2000" dirty="0">
+              <a:latin typeface="Source Han Sans CN Normal" charset="-122"/>
+              <a:ea typeface="Source Han Sans CN Normal" charset="-122"/>
+              <a:cs typeface="Source Han Sans CN Normal" charset="-122"/>
+            </a:endParaRPr>
+          </a:p>
+          <a:p>
+            <a:pPr marL="342900" indent="-342900">
+              <a:buFont typeface="Wingdings" panose="05000000000000000000" pitchFamily="2" charset="2"/>
+              <a:buChar char="Ø"/>
+            </a:pPr>
+            <a:endParaRPr lang="en-US" altLang="zh-CN" sz="2000" dirty="0">
+              <a:latin typeface="Source Han Sans CN Normal" charset="-122"/>
+              <a:ea typeface="Source Han Sans CN Normal" charset="-122"/>
+              <a:cs typeface="Source Han Sans CN Normal" charset="-122"/>
+            </a:endParaRPr>
+          </a:p>
+          <a:p>
+            <a:pPr marL="342900" indent="-342900">
+              <a:buFont typeface="Wingdings" panose="05000000000000000000" pitchFamily="2" charset="2"/>
+              <a:buChar char="Ø"/>
+            </a:pPr>
+            <a:r>
+              <a:rPr lang="zh-CN" altLang="en-US" sz="2000" dirty="0">
+                <a:latin typeface="Source Han Sans CN Normal" charset="-122"/>
+                <a:ea typeface="Source Han Sans CN Normal" charset="-122"/>
+                <a:cs typeface="Source Han Sans CN Normal" charset="-122"/>
+              </a:rPr>
+              <a:t>几乎每一篇优秀的影像组学的研究都要涉及到机器学习的方法</a:t>
+            </a:r>
+            <a:endParaRPr lang="en-US" altLang="zh-CN" sz="2000" dirty="0">
+              <a:latin typeface="Source Han Sans CN Normal" charset="-122"/>
+              <a:ea typeface="Source Han Sans CN Normal" charset="-122"/>
+              <a:cs typeface="Source Han Sans CN Normal" charset="-122"/>
+            </a:endParaRPr>
+          </a:p>
+          <a:p>
+            <a:endParaRPr sz="2000" dirty="0">
+              <a:latin typeface="Source Han Sans CN Normal" charset="-122"/>
+              <a:ea typeface="Source Han Sans CN Normal" charset="-122"/>
+              <a:cs typeface="Source Han Sans CN Normal" charset="-122"/>
+            </a:endParaRPr>
+          </a:p>
+        </p:txBody>
+      </p:sp>
     </p:spTree>
-    <p:extLst>
-      <p:ext uri="{BB962C8B-B14F-4D97-AF65-F5344CB8AC3E}">
-        <p14:creationId xmlns:p14="http://schemas.microsoft.com/office/powerpoint/2010/main" val="1511023226"/>
-      </p:ext>
-    </p:extLst>
   </p:cSld>
   <p:clrMapOvr>
     <a:masterClrMapping/>
   </p:clrMapOvr>
+  <p:transition spd="slow"/>
 </p:sld>
 </file>
 
@@ -11490,51 +14076,254 @@
       </p:grpSpPr>
       <p:sp>
         <p:nvSpPr>
-          <p:cNvPr id="2" name="标题 1">
-            <a:extLst>
-              <a:ext uri="{FF2B5EF4-FFF2-40B4-BE49-F238E27FC236}">
-                <a16:creationId xmlns:a16="http://schemas.microsoft.com/office/drawing/2014/main" id="{AE0086B5-1B77-4F91-A455-0AC7D008A86F}"/>
-              </a:ext>
-            </a:extLst>
-          </p:cNvPr>
-          <p:cNvSpPr>
-            <a:spLocks noGrp="1"/>
-          </p:cNvSpPr>
-          <p:nvPr>
-            <p:ph type="title"/>
-          </p:nvPr>
+          <p:cNvPr id="212" name="Shape 212"/>
+          <p:cNvSpPr/>
+          <p:nvPr/>
         </p:nvSpPr>
-        <p:spPr/>
+        <p:spPr>
+          <a:xfrm>
+            <a:off x="184496" y="378396"/>
+            <a:ext cx="5886228" cy="461665"/>
+          </a:xfrm>
+          <a:prstGeom prst="rect">
+            <a:avLst/>
+          </a:prstGeom>
+          <a:ln w="12700">
+            <a:miter lim="400000"/>
+          </a:ln>
+        </p:spPr>
         <p:txBody>
-          <a:bodyPr/>
+          <a:bodyPr lIns="45719" rIns="45719">
+            <a:spAutoFit/>
+          </a:bodyPr>
           <a:lstStyle/>
           <a:p>
-            <a:endParaRPr lang="zh-CN" altLang="en-US"/>
+            <a:pPr lvl="2">
+              <a:defRPr sz="2400">
+                <a:solidFill>
+                  <a:srgbClr val="7C58BA"/>
+                </a:solidFill>
+                <a:latin typeface="Source Han Sans CN Bold Bold"/>
+                <a:ea typeface="Source Han Sans CN Bold Bold"/>
+                <a:cs typeface="Source Han Sans CN Bold Bold"/>
+                <a:sym typeface="Source Han Sans CN Bold Bold"/>
+              </a:defRPr>
+            </a:pPr>
+            <a:r>
+              <a:rPr lang="zh-CN" altLang="en-US" dirty="0">
+                <a:solidFill>
+                  <a:schemeClr val="tx1">
+                    <a:lumMod val="95000"/>
+                  </a:schemeClr>
+                </a:solidFill>
+              </a:rPr>
+              <a:t>当前发表的机器学习研究的方法问题</a:t>
+            </a:r>
+            <a:endParaRPr dirty="0">
+              <a:solidFill>
+                <a:schemeClr val="tx1">
+                  <a:lumMod val="95000"/>
+                </a:schemeClr>
+              </a:solidFill>
+            </a:endParaRPr>
           </a:p>
         </p:txBody>
       </p:sp>
       <p:sp>
         <p:nvSpPr>
-          <p:cNvPr id="3" name="内容占位符 2">
+          <p:cNvPr id="213" name="Shape 213"/>
+          <p:cNvSpPr/>
+          <p:nvPr/>
+        </p:nvSpPr>
+        <p:spPr>
+          <a:xfrm>
+            <a:off x="1040129" y="2391409"/>
+            <a:ext cx="6166787" cy="430374"/>
+          </a:xfrm>
+          <a:prstGeom prst="rect">
+            <a:avLst/>
+          </a:prstGeom>
+          <a:ln w="12700">
+            <a:miter lim="400000"/>
+          </a:ln>
+        </p:spPr>
+        <p:txBody>
+          <a:bodyPr wrap="square" lIns="45719" rIns="45719">
+            <a:spAutoFit/>
+          </a:bodyPr>
+          <a:lstStyle>
+            <a:lvl1pPr>
+              <a:lnSpc>
+                <a:spcPct val="120000"/>
+              </a:lnSpc>
+              <a:defRPr sz="1800"/>
+            </a:lvl1pPr>
+          </a:lstStyle>
+          <a:p>
+            <a:endParaRPr sz="2000" dirty="0">
+              <a:latin typeface="Source Han Sans CN Normal" charset="-122"/>
+              <a:ea typeface="Source Han Sans CN Normal" charset="-122"/>
+              <a:cs typeface="Source Han Sans CN Normal" charset="-122"/>
+            </a:endParaRPr>
+          </a:p>
+        </p:txBody>
+      </p:sp>
+      <p:sp>
+        <p:nvSpPr>
+          <p:cNvPr id="2" name="Shape 213">
             <a:extLst>
               <a:ext uri="{FF2B5EF4-FFF2-40B4-BE49-F238E27FC236}">
-                <a16:creationId xmlns:a16="http://schemas.microsoft.com/office/drawing/2014/main" id="{C86894E2-D56A-42FC-BC2B-C3D507AAF2C8}"/>
+                <a16:creationId xmlns:a16="http://schemas.microsoft.com/office/drawing/2014/main" id="{9D39F2E2-8887-458B-9369-919130D66026}"/>
               </a:ext>
             </a:extLst>
           </p:cNvPr>
-          <p:cNvSpPr>
-            <a:spLocks noGrp="1"/>
-          </p:cNvSpPr>
-          <p:nvPr>
-            <p:ph idx="1"/>
-          </p:nvPr>
+          <p:cNvSpPr/>
+          <p:nvPr/>
         </p:nvSpPr>
-        <p:spPr/>
+        <p:spPr>
+          <a:xfrm>
+            <a:off x="1040129" y="1468131"/>
+            <a:ext cx="6166787" cy="2277034"/>
+          </a:xfrm>
+          <a:prstGeom prst="rect">
+            <a:avLst/>
+          </a:prstGeom>
+          <a:ln w="12700">
+            <a:miter lim="400000"/>
+          </a:ln>
+        </p:spPr>
         <p:txBody>
-          <a:bodyPr/>
+          <a:bodyPr wrap="square" lIns="45719" rIns="45719">
+            <a:spAutoFit/>
+          </a:bodyPr>
+          <a:lstStyle>
+            <a:lvl1pPr>
+              <a:lnSpc>
+                <a:spcPct val="120000"/>
+              </a:lnSpc>
+              <a:defRPr sz="1800"/>
+            </a:lvl1pPr>
+          </a:lstStyle>
+          <a:p>
+            <a:pPr marL="342900" indent="-342900">
+              <a:buFont typeface="Wingdings" panose="05000000000000000000" pitchFamily="2" charset="2"/>
+              <a:buChar char="Ø"/>
+            </a:pPr>
+            <a:r>
+              <a:rPr lang="zh-CN" altLang="en-US" sz="2000" dirty="0">
+                <a:latin typeface="Source Han Sans CN Normal" charset="-122"/>
+                <a:ea typeface="Source Han Sans CN Normal" charset="-122"/>
+                <a:cs typeface="Source Han Sans CN Normal" charset="-122"/>
+              </a:rPr>
+              <a:t>机器学习流程不规范，甚至是错误的</a:t>
+            </a:r>
+            <a:endParaRPr lang="en-US" altLang="zh-CN" sz="2000" dirty="0">
+              <a:latin typeface="Source Han Sans CN Normal" charset="-122"/>
+              <a:ea typeface="Source Han Sans CN Normal" charset="-122"/>
+              <a:cs typeface="Source Han Sans CN Normal" charset="-122"/>
+            </a:endParaRPr>
+          </a:p>
+          <a:p>
+            <a:pPr marL="342900" indent="-342900">
+              <a:buFont typeface="Wingdings" panose="05000000000000000000" pitchFamily="2" charset="2"/>
+              <a:buChar char="Ø"/>
+            </a:pPr>
+            <a:endParaRPr lang="en-US" altLang="zh-CN" sz="2000" dirty="0">
+              <a:latin typeface="Source Han Sans CN Normal" charset="-122"/>
+              <a:ea typeface="Source Han Sans CN Normal" charset="-122"/>
+              <a:cs typeface="Source Han Sans CN Normal" charset="-122"/>
+            </a:endParaRPr>
+          </a:p>
+          <a:p>
+            <a:pPr marL="342900" indent="-342900">
+              <a:buFont typeface="Wingdings" panose="05000000000000000000" pitchFamily="2" charset="2"/>
+              <a:buChar char="Ø"/>
+            </a:pPr>
+            <a:r>
+              <a:rPr lang="zh-CN" altLang="en-US" sz="2000" dirty="0">
+                <a:latin typeface="Source Han Sans CN Normal" charset="-122"/>
+                <a:ea typeface="Source Han Sans CN Normal" charset="-122"/>
+                <a:cs typeface="Source Han Sans CN Normal" charset="-122"/>
+              </a:rPr>
+              <a:t>过拟合导致结果夸大</a:t>
+            </a:r>
+            <a:endParaRPr lang="en-US" altLang="zh-CN" sz="2000" dirty="0">
+              <a:latin typeface="Source Han Sans CN Normal" charset="-122"/>
+              <a:ea typeface="Source Han Sans CN Normal" charset="-122"/>
+              <a:cs typeface="Source Han Sans CN Normal" charset="-122"/>
+            </a:endParaRPr>
+          </a:p>
+          <a:p>
+            <a:pPr marL="342900" indent="-342900">
+              <a:buFont typeface="Wingdings" panose="05000000000000000000" pitchFamily="2" charset="2"/>
+              <a:buChar char="Ø"/>
+            </a:pPr>
+            <a:endParaRPr lang="en-US" altLang="zh-CN" sz="2000" dirty="0">
+              <a:latin typeface="Source Han Sans CN Normal" charset="-122"/>
+              <a:ea typeface="Source Han Sans CN Normal" charset="-122"/>
+              <a:cs typeface="Source Han Sans CN Normal" charset="-122"/>
+            </a:endParaRPr>
+          </a:p>
+          <a:p>
+            <a:pPr marL="342900" indent="-342900">
+              <a:buFont typeface="Wingdings" panose="05000000000000000000" pitchFamily="2" charset="2"/>
+              <a:buChar char="Ø"/>
+            </a:pPr>
+            <a:endParaRPr lang="en-US" altLang="zh-CN" sz="2000" dirty="0">
+              <a:latin typeface="Source Han Sans CN Normal" charset="-122"/>
+              <a:ea typeface="Source Han Sans CN Normal" charset="-122"/>
+              <a:cs typeface="Source Han Sans CN Normal" charset="-122"/>
+            </a:endParaRPr>
+          </a:p>
+          <a:p>
+            <a:endParaRPr sz="2000" dirty="0">
+              <a:latin typeface="Source Han Sans CN Normal" charset="-122"/>
+              <a:ea typeface="Source Han Sans CN Normal" charset="-122"/>
+              <a:cs typeface="Source Han Sans CN Normal" charset="-122"/>
+            </a:endParaRPr>
+          </a:p>
+        </p:txBody>
+      </p:sp>
+      <p:sp>
+        <p:nvSpPr>
+          <p:cNvPr id="3" name="文本框 2">
+            <a:extLst>
+              <a:ext uri="{FF2B5EF4-FFF2-40B4-BE49-F238E27FC236}">
+                <a16:creationId xmlns:a16="http://schemas.microsoft.com/office/drawing/2014/main" id="{6A76A59D-0483-47E5-A9F7-1A5AADD9ABD5}"/>
+              </a:ext>
+            </a:extLst>
+          </p:cNvPr>
+          <p:cNvSpPr txBox="1"/>
+          <p:nvPr/>
+        </p:nvSpPr>
+        <p:spPr>
+          <a:xfrm>
+            <a:off x="6409039" y="6392563"/>
+            <a:ext cx="5494638" cy="247135"/>
+          </a:xfrm>
+          <a:prstGeom prst="rect">
+            <a:avLst/>
+          </a:prstGeom>
+          <a:noFill/>
+        </p:spPr>
+        <p:txBody>
+          <a:bodyPr wrap="square" rtlCol="0">
+            <a:spAutoFit/>
+          </a:bodyPr>
           <a:lstStyle/>
           <a:p>
-            <a:endParaRPr lang="zh-CN" altLang="en-US"/>
+            <a:pPr algn="l"/>
+            <a:r>
+              <a:rPr lang="en-US" altLang="zh-CN" sz="1000" b="0" i="0" u="none" strike="noStrike" baseline="0" dirty="0">
+                <a:latin typeface="Times New Roman" panose="02020603050405020304" pitchFamily="18" charset="0"/>
+                <a:cs typeface="Times New Roman" panose="02020603050405020304" pitchFamily="18" charset="0"/>
+              </a:rPr>
+              <a:t>I tried a bunch of things: The dangers of unexpected overfitting in classification OF BRAIN DATA</a:t>
+            </a:r>
+            <a:endParaRPr lang="zh-CN" altLang="en-US" sz="1000" dirty="0">
+              <a:latin typeface="Times New Roman" panose="02020603050405020304" pitchFamily="18" charset="0"/>
+              <a:cs typeface="Times New Roman" panose="02020603050405020304" pitchFamily="18" charset="0"/>
+            </a:endParaRPr>
           </a:p>
         </p:txBody>
       </p:sp>
@@ -11543,7 +14332,7 @@
           <p:cNvPr id="4" name="图片 3">
             <a:extLst>
               <a:ext uri="{FF2B5EF4-FFF2-40B4-BE49-F238E27FC236}">
-                <a16:creationId xmlns:a16="http://schemas.microsoft.com/office/drawing/2014/main" id="{D42F0399-B9E9-4EF9-9CC4-2AF8A8132776}"/>
+                <a16:creationId xmlns:a16="http://schemas.microsoft.com/office/drawing/2014/main" id="{2772767B-984F-4A0F-93F5-E02CFFD4A49D}"/>
               </a:ext>
             </a:extLst>
           </p:cNvPr>
@@ -11560,8 +14349,8 @@
         </p:blipFill>
         <p:spPr>
           <a:xfrm>
-            <a:off x="371134" y="0"/>
-            <a:ext cx="11449731" cy="6858000"/>
+            <a:off x="6070724" y="1381297"/>
+            <a:ext cx="6096482" cy="4008572"/>
           </a:xfrm>
           <a:prstGeom prst="rect">
             <a:avLst/>
@@ -11571,13 +14360,14 @@
     </p:spTree>
     <p:extLst>
       <p:ext uri="{BB962C8B-B14F-4D97-AF65-F5344CB8AC3E}">
-        <p14:creationId xmlns:p14="http://schemas.microsoft.com/office/powerpoint/2010/main" val="3335311313"/>
+        <p14:creationId xmlns:p14="http://schemas.microsoft.com/office/powerpoint/2010/main" val="2860106206"/>
       </p:ext>
     </p:extLst>
   </p:cSld>
   <p:clrMapOvr>
     <a:masterClrMapping/>
   </p:clrMapOvr>
+  <p:transition spd="slow"/>
 </p:sld>
 </file>
 
@@ -11600,98 +14390,490 @@
       </p:grpSpPr>
       <p:sp>
         <p:nvSpPr>
-          <p:cNvPr id="2" name="标题 1">
-            <a:extLst>
-              <a:ext uri="{FF2B5EF4-FFF2-40B4-BE49-F238E27FC236}">
-                <a16:creationId xmlns:a16="http://schemas.microsoft.com/office/drawing/2014/main" id="{E316F844-1F2D-4C1D-85D4-FF83104B9AA9}"/>
-              </a:ext>
-            </a:extLst>
-          </p:cNvPr>
-          <p:cNvSpPr>
-            <a:spLocks noGrp="1"/>
-          </p:cNvSpPr>
-          <p:nvPr>
-            <p:ph type="title"/>
-          </p:nvPr>
+          <p:cNvPr id="212" name="Shape 212"/>
+          <p:cNvSpPr/>
+          <p:nvPr/>
         </p:nvSpPr>
-        <p:spPr/>
+        <p:spPr>
+          <a:xfrm>
+            <a:off x="184496" y="378396"/>
+            <a:ext cx="5886228" cy="461665"/>
+          </a:xfrm>
+          <a:prstGeom prst="rect">
+            <a:avLst/>
+          </a:prstGeom>
+          <a:ln w="12700">
+            <a:miter lim="400000"/>
+          </a:ln>
+        </p:spPr>
         <p:txBody>
-          <a:bodyPr/>
+          <a:bodyPr lIns="45719" rIns="45719">
+            <a:spAutoFit/>
+          </a:bodyPr>
           <a:lstStyle/>
           <a:p>
-            <a:endParaRPr lang="zh-CN" altLang="en-US"/>
+            <a:pPr lvl="2">
+              <a:defRPr sz="2400">
+                <a:solidFill>
+                  <a:srgbClr val="7C58BA"/>
+                </a:solidFill>
+                <a:latin typeface="Source Han Sans CN Bold Bold"/>
+                <a:ea typeface="Source Han Sans CN Bold Bold"/>
+                <a:cs typeface="Source Han Sans CN Bold Bold"/>
+                <a:sym typeface="Source Han Sans CN Bold Bold"/>
+              </a:defRPr>
+            </a:pPr>
+            <a:r>
+              <a:rPr lang="zh-CN" altLang="en-US" dirty="0">
+                <a:solidFill>
+                  <a:schemeClr val="tx1">
+                    <a:lumMod val="95000"/>
+                  </a:schemeClr>
+                </a:solidFill>
+              </a:rPr>
+              <a:t>当前机器学习培训班的缺陷</a:t>
+            </a:r>
+            <a:endParaRPr dirty="0">
+              <a:solidFill>
+                <a:schemeClr val="tx1">
+                  <a:lumMod val="95000"/>
+                </a:schemeClr>
+              </a:solidFill>
+            </a:endParaRPr>
           </a:p>
         </p:txBody>
       </p:sp>
       <p:sp>
         <p:nvSpPr>
-          <p:cNvPr id="3" name="内容占位符 2">
-            <a:extLst>
-              <a:ext uri="{FF2B5EF4-FFF2-40B4-BE49-F238E27FC236}">
-                <a16:creationId xmlns:a16="http://schemas.microsoft.com/office/drawing/2014/main" id="{3AA4591D-7330-4A6C-AA9D-652C6613D6D0}"/>
-              </a:ext>
-            </a:extLst>
-          </p:cNvPr>
-          <p:cNvSpPr>
-            <a:spLocks noGrp="1"/>
-          </p:cNvSpPr>
-          <p:nvPr>
-            <p:ph idx="1"/>
-          </p:nvPr>
+          <p:cNvPr id="213" name="Shape 213"/>
+          <p:cNvSpPr/>
+          <p:nvPr/>
         </p:nvSpPr>
-        <p:spPr/>
-        <p:txBody>
-          <a:bodyPr/>
-          <a:lstStyle/>
-          <a:p>
-            <a:endParaRPr lang="zh-CN" altLang="en-US"/>
-          </a:p>
-        </p:txBody>
-      </p:sp>
-      <p:pic>
-        <p:nvPicPr>
-          <p:cNvPr id="4" name="图片 3">
-            <a:extLst>
-              <a:ext uri="{FF2B5EF4-FFF2-40B4-BE49-F238E27FC236}">
-                <a16:creationId xmlns:a16="http://schemas.microsoft.com/office/drawing/2014/main" id="{A903202B-647F-459E-8C62-3A2FA763CD5C}"/>
-              </a:ext>
-            </a:extLst>
-          </p:cNvPr>
-          <p:cNvPicPr>
-            <a:picLocks noChangeAspect="1"/>
-          </p:cNvPicPr>
-          <p:nvPr/>
-        </p:nvPicPr>
-        <p:blipFill>
-          <a:blip r:embed="rId2"/>
-          <a:stretch>
-            <a:fillRect/>
-          </a:stretch>
-        </p:blipFill>
         <p:spPr>
           <a:xfrm>
-            <a:off x="330758" y="0"/>
-            <a:ext cx="11530484" cy="6858000"/>
+            <a:off x="1040129" y="2391409"/>
+            <a:ext cx="6166787" cy="430374"/>
           </a:xfrm>
           <a:prstGeom prst="rect">
             <a:avLst/>
           </a:prstGeom>
+          <a:ln w="12700">
+            <a:miter lim="400000"/>
+          </a:ln>
         </p:spPr>
-      </p:pic>
+        <p:txBody>
+          <a:bodyPr wrap="square" lIns="45719" rIns="45719">
+            <a:spAutoFit/>
+          </a:bodyPr>
+          <a:lstStyle>
+            <a:lvl1pPr>
+              <a:lnSpc>
+                <a:spcPct val="120000"/>
+              </a:lnSpc>
+              <a:defRPr sz="1800"/>
+            </a:lvl1pPr>
+          </a:lstStyle>
+          <a:p>
+            <a:endParaRPr sz="2000" dirty="0">
+              <a:latin typeface="Source Han Sans CN Normal" charset="-122"/>
+              <a:ea typeface="Source Han Sans CN Normal" charset="-122"/>
+              <a:cs typeface="Source Han Sans CN Normal" charset="-122"/>
+            </a:endParaRPr>
+          </a:p>
+        </p:txBody>
+      </p:sp>
+      <p:sp>
+        <p:nvSpPr>
+          <p:cNvPr id="2" name="Shape 213">
+            <a:extLst>
+              <a:ext uri="{FF2B5EF4-FFF2-40B4-BE49-F238E27FC236}">
+                <a16:creationId xmlns:a16="http://schemas.microsoft.com/office/drawing/2014/main" id="{9D39F2E2-8887-458B-9369-919130D66026}"/>
+              </a:ext>
+            </a:extLst>
+          </p:cNvPr>
+          <p:cNvSpPr/>
+          <p:nvPr/>
+        </p:nvSpPr>
+        <p:spPr>
+          <a:xfrm>
+            <a:off x="1040129" y="1468131"/>
+            <a:ext cx="6166787" cy="3385029"/>
+          </a:xfrm>
+          <a:prstGeom prst="rect">
+            <a:avLst/>
+          </a:prstGeom>
+          <a:ln w="12700">
+            <a:miter lim="400000"/>
+          </a:ln>
+        </p:spPr>
+        <p:txBody>
+          <a:bodyPr wrap="square" lIns="45719" rIns="45719">
+            <a:spAutoFit/>
+          </a:bodyPr>
+          <a:lstStyle>
+            <a:lvl1pPr>
+              <a:lnSpc>
+                <a:spcPct val="120000"/>
+              </a:lnSpc>
+              <a:defRPr sz="1800"/>
+            </a:lvl1pPr>
+          </a:lstStyle>
+          <a:p>
+            <a:pPr marL="342900" indent="-342900">
+              <a:buFont typeface="Wingdings" panose="05000000000000000000" pitchFamily="2" charset="2"/>
+              <a:buChar char="Ø"/>
+            </a:pPr>
+            <a:r>
+              <a:rPr lang="zh-CN" altLang="en-US" sz="2000" dirty="0">
+                <a:latin typeface="Source Han Sans CN Normal" charset="-122"/>
+                <a:ea typeface="Source Han Sans CN Normal" charset="-122"/>
+                <a:cs typeface="Source Han Sans CN Normal" charset="-122"/>
+              </a:rPr>
+              <a:t>不符合实际应用场景：没有按照标准的机器学习流程来讲解机器学习的应用</a:t>
+            </a:r>
+            <a:endParaRPr lang="en-US" altLang="zh-CN" sz="2000" dirty="0">
+              <a:latin typeface="Source Han Sans CN Normal" charset="-122"/>
+              <a:ea typeface="Source Han Sans CN Normal" charset="-122"/>
+              <a:cs typeface="Source Han Sans CN Normal" charset="-122"/>
+            </a:endParaRPr>
+          </a:p>
+          <a:p>
+            <a:pPr marL="342900" indent="-342900">
+              <a:buFont typeface="Wingdings" panose="05000000000000000000" pitchFamily="2" charset="2"/>
+              <a:buChar char="Ø"/>
+            </a:pPr>
+            <a:endParaRPr lang="en-US" altLang="zh-CN" sz="2000" dirty="0">
+              <a:latin typeface="Source Han Sans CN Normal" charset="-122"/>
+              <a:ea typeface="Source Han Sans CN Normal" charset="-122"/>
+              <a:cs typeface="Source Han Sans CN Normal" charset="-122"/>
+            </a:endParaRPr>
+          </a:p>
+          <a:p>
+            <a:pPr marL="342900" indent="-342900">
+              <a:buFont typeface="Wingdings" panose="05000000000000000000" pitchFamily="2" charset="2"/>
+              <a:buChar char="Ø"/>
+            </a:pPr>
+            <a:r>
+              <a:rPr lang="zh-CN" altLang="en-US" sz="2000" dirty="0">
+                <a:latin typeface="Source Han Sans CN Normal" charset="-122"/>
+                <a:ea typeface="Source Han Sans CN Normal" charset="-122"/>
+                <a:cs typeface="Source Han Sans CN Normal" charset="-122"/>
+              </a:rPr>
+              <a:t>没有适合零编程基础学员的用户友好型图形界面软件：要求使用者编写代码，容易出错，纠错耗费大量宝贵的时间和精力</a:t>
+            </a:r>
+            <a:endParaRPr lang="en-US" altLang="zh-CN" sz="2000" dirty="0">
+              <a:latin typeface="Source Han Sans CN Normal" charset="-122"/>
+              <a:ea typeface="Source Han Sans CN Normal" charset="-122"/>
+              <a:cs typeface="Source Han Sans CN Normal" charset="-122"/>
+            </a:endParaRPr>
+          </a:p>
+          <a:p>
+            <a:pPr marL="342900" indent="-342900">
+              <a:buFont typeface="Wingdings" panose="05000000000000000000" pitchFamily="2" charset="2"/>
+              <a:buChar char="Ø"/>
+            </a:pPr>
+            <a:endParaRPr lang="en-US" altLang="zh-CN" sz="2000" dirty="0">
+              <a:latin typeface="Source Han Sans CN Normal" charset="-122"/>
+              <a:ea typeface="Source Han Sans CN Normal" charset="-122"/>
+              <a:cs typeface="Source Han Sans CN Normal" charset="-122"/>
+            </a:endParaRPr>
+          </a:p>
+          <a:p>
+            <a:pPr marL="342900" indent="-342900">
+              <a:buFont typeface="Wingdings" panose="05000000000000000000" pitchFamily="2" charset="2"/>
+              <a:buChar char="Ø"/>
+            </a:pPr>
+            <a:endParaRPr lang="en-US" altLang="zh-CN" sz="2000" dirty="0">
+              <a:latin typeface="Source Han Sans CN Normal" charset="-122"/>
+              <a:ea typeface="Source Han Sans CN Normal" charset="-122"/>
+              <a:cs typeface="Source Han Sans CN Normal" charset="-122"/>
+            </a:endParaRPr>
+          </a:p>
+          <a:p>
+            <a:endParaRPr sz="2000" dirty="0">
+              <a:latin typeface="Source Han Sans CN Normal" charset="-122"/>
+              <a:ea typeface="Source Han Sans CN Normal" charset="-122"/>
+              <a:cs typeface="Source Han Sans CN Normal" charset="-122"/>
+            </a:endParaRPr>
+          </a:p>
+        </p:txBody>
+      </p:sp>
     </p:spTree>
     <p:extLst>
       <p:ext uri="{BB962C8B-B14F-4D97-AF65-F5344CB8AC3E}">
-        <p14:creationId xmlns:p14="http://schemas.microsoft.com/office/powerpoint/2010/main" val="658721777"/>
+        <p14:creationId xmlns:p14="http://schemas.microsoft.com/office/powerpoint/2010/main" val="1127790734"/>
       </p:ext>
     </p:extLst>
   </p:cSld>
   <p:clrMapOvr>
     <a:masterClrMapping/>
   </p:clrMapOvr>
+  <p:transition spd="slow"/>
 </p:sld>
 </file>
 
 <file path=ppt/theme/theme1.xml><?xml version="1.0" encoding="utf-8"?>
+<a:theme xmlns:a="http://schemas.openxmlformats.org/drawingml/2006/main" name="Office Theme">
+  <a:themeElements>
+    <a:clrScheme name="Office 主题​​">
+      <a:dk1>
+        <a:sysClr val="windowText" lastClr="000000"/>
+      </a:dk1>
+      <a:lt1>
+        <a:sysClr val="window" lastClr="FFFFFF"/>
+      </a:lt1>
+      <a:dk2>
+        <a:srgbClr val="44546A"/>
+      </a:dk2>
+      <a:lt2>
+        <a:srgbClr val="E7E6E6"/>
+      </a:lt2>
+      <a:accent1>
+        <a:srgbClr val="4472C4"/>
+      </a:accent1>
+      <a:accent2>
+        <a:srgbClr val="ED7D31"/>
+      </a:accent2>
+      <a:accent3>
+        <a:srgbClr val="A5A5A5"/>
+      </a:accent3>
+      <a:accent4>
+        <a:srgbClr val="FFC000"/>
+      </a:accent4>
+      <a:accent5>
+        <a:srgbClr val="5B9BD5"/>
+      </a:accent5>
+      <a:accent6>
+        <a:srgbClr val="70AD47"/>
+      </a:accent6>
+      <a:hlink>
+        <a:srgbClr val="0563C1"/>
+      </a:hlink>
+      <a:folHlink>
+        <a:srgbClr val="954F72"/>
+      </a:folHlink>
+    </a:clrScheme>
+    <a:fontScheme name="Office 主题​​">
+      <a:majorFont>
+        <a:latin typeface="Calibri Light" panose="020F0302020204030204"/>
+        <a:ea typeface=""/>
+        <a:cs typeface=""/>
+        <a:font script="Jpan" typeface="游ゴシック Light"/>
+        <a:font script="Hang" typeface="맑은 고딕"/>
+        <a:font script="Hans" typeface="等线 Light"/>
+        <a:font script="Hant" typeface="新細明體"/>
+        <a:font script="Arab" typeface="Times New Roman"/>
+        <a:font script="Hebr" typeface="Times New Roman"/>
+        <a:font script="Thai" typeface="Angsana New"/>
+        <a:font script="Ethi" typeface="Nyala"/>
+        <a:font script="Beng" typeface="Vrinda"/>
+        <a:font script="Gujr" typeface="Shruti"/>
+        <a:font script="Khmr" typeface="MoolBoran"/>
+        <a:font script="Knda" typeface="Tunga"/>
+        <a:font script="Guru" typeface="Raavi"/>
+        <a:font script="Cans" typeface="Euphemia"/>
+        <a:font script="Cher" typeface="Plantagenet Cherokee"/>
+        <a:font script="Yiii" typeface="Microsoft Yi Baiti"/>
+        <a:font script="Tibt" typeface="Microsoft Himalaya"/>
+        <a:font script="Thaa" typeface="MV Boli"/>
+        <a:font script="Deva" typeface="Mangal"/>
+        <a:font script="Telu" typeface="Gautami"/>
+        <a:font script="Taml" typeface="Latha"/>
+        <a:font script="Syrc" typeface="Estrangelo Edessa"/>
+        <a:font script="Orya" typeface="Kalinga"/>
+        <a:font script="Mlym" typeface="Kartika"/>
+        <a:font script="Laoo" typeface="DokChampa"/>
+        <a:font script="Sinh" typeface="Iskoola Pota"/>
+        <a:font script="Mong" typeface="Mongolian Baiti"/>
+        <a:font script="Viet" typeface="Times New Roman"/>
+        <a:font script="Uigh" typeface="Microsoft Uighur"/>
+        <a:font script="Geor" typeface="Sylfaen"/>
+      </a:majorFont>
+      <a:minorFont>
+        <a:latin typeface="Calibri" panose="020F0502020204030204"/>
+        <a:ea typeface=""/>
+        <a:cs typeface=""/>
+        <a:font script="Jpan" typeface="游ゴシック"/>
+        <a:font script="Hang" typeface="맑은 고딕"/>
+        <a:font script="Hans" typeface="等线"/>
+        <a:font script="Hant" typeface="新細明體"/>
+        <a:font script="Arab" typeface="Arial"/>
+        <a:font script="Hebr" typeface="Arial"/>
+        <a:font script="Thai" typeface="Cordia New"/>
+        <a:font script="Ethi" typeface="Nyala"/>
+        <a:font script="Beng" typeface="Vrinda"/>
+        <a:font script="Gujr" typeface="Shruti"/>
+        <a:font script="Khmr" typeface="DaunPenh"/>
+        <a:font script="Knda" typeface="Tunga"/>
+        <a:font script="Guru" typeface="Raavi"/>
+        <a:font script="Cans" typeface="Euphemia"/>
+        <a:font script="Cher" typeface="Plantagenet Cherokee"/>
+        <a:font script="Yiii" typeface="Microsoft Yi Baiti"/>
+        <a:font script="Tibt" typeface="Microsoft Himalaya"/>
+        <a:font script="Thaa" typeface="MV Boli"/>
+        <a:font script="Deva" typeface="Mangal"/>
+        <a:font script="Telu" typeface="Gautami"/>
+        <a:font script="Taml" typeface="Latha"/>
+        <a:font script="Syrc" typeface="Estrangelo Edessa"/>
+        <a:font script="Orya" typeface="Kalinga"/>
+        <a:font script="Mlym" typeface="Kartika"/>
+        <a:font script="Laoo" typeface="DokChampa"/>
+        <a:font script="Sinh" typeface="Iskoola Pota"/>
+        <a:font script="Mong" typeface="Mongolian Baiti"/>
+        <a:font script="Viet" typeface="Arial"/>
+        <a:font script="Uigh" typeface="Microsoft Uighur"/>
+        <a:font script="Geor" typeface="Sylfaen"/>
+      </a:minorFont>
+    </a:fontScheme>
+    <a:fmtScheme name="Office 主题​​">
+      <a:fillStyleLst>
+        <a:solidFill>
+          <a:schemeClr val="phClr"/>
+        </a:solidFill>
+        <a:gradFill rotWithShape="1">
+          <a:gsLst>
+            <a:gs pos="0">
+              <a:schemeClr val="phClr">
+                <a:lumMod val="110000"/>
+                <a:satMod val="105000"/>
+                <a:tint val="67000"/>
+              </a:schemeClr>
+            </a:gs>
+            <a:gs pos="50000">
+              <a:schemeClr val="phClr">
+                <a:lumMod val="105000"/>
+                <a:satMod val="103000"/>
+                <a:tint val="73000"/>
+              </a:schemeClr>
+            </a:gs>
+            <a:gs pos="100000">
+              <a:schemeClr val="phClr">
+                <a:lumMod val="105000"/>
+                <a:satMod val="109000"/>
+                <a:tint val="81000"/>
+              </a:schemeClr>
+            </a:gs>
+          </a:gsLst>
+          <a:lin ang="5400000" scaled="0"/>
+        </a:gradFill>
+        <a:gradFill rotWithShape="1">
+          <a:gsLst>
+            <a:gs pos="0">
+              <a:schemeClr val="phClr">
+                <a:satMod val="103000"/>
+                <a:lumMod val="102000"/>
+                <a:tint val="94000"/>
+              </a:schemeClr>
+            </a:gs>
+            <a:gs pos="50000">
+              <a:schemeClr val="phClr">
+                <a:satMod val="110000"/>
+                <a:lumMod val="100000"/>
+                <a:shade val="100000"/>
+              </a:schemeClr>
+            </a:gs>
+            <a:gs pos="100000">
+              <a:schemeClr val="phClr">
+                <a:lumMod val="99000"/>
+                <a:satMod val="120000"/>
+                <a:shade val="78000"/>
+              </a:schemeClr>
+            </a:gs>
+          </a:gsLst>
+          <a:lin ang="5400000" scaled="0"/>
+        </a:gradFill>
+      </a:fillStyleLst>
+      <a:lnStyleLst>
+        <a:ln w="6350" cap="flat" cmpd="sng" algn="ctr">
+          <a:solidFill>
+            <a:schemeClr val="phClr"/>
+          </a:solidFill>
+          <a:prstDash val="solid"/>
+          <a:miter lim="800000"/>
+        </a:ln>
+        <a:ln w="12700" cap="flat" cmpd="sng" algn="ctr">
+          <a:solidFill>
+            <a:schemeClr val="phClr"/>
+          </a:solidFill>
+          <a:prstDash val="solid"/>
+          <a:miter lim="800000"/>
+        </a:ln>
+        <a:ln w="19050" cap="flat" cmpd="sng" algn="ctr">
+          <a:solidFill>
+            <a:schemeClr val="phClr"/>
+          </a:solidFill>
+          <a:prstDash val="solid"/>
+          <a:miter lim="800000"/>
+        </a:ln>
+      </a:lnStyleLst>
+      <a:effectStyleLst>
+        <a:effectStyle>
+          <a:effectLst/>
+        </a:effectStyle>
+        <a:effectStyle>
+          <a:effectLst/>
+        </a:effectStyle>
+        <a:effectStyle>
+          <a:effectLst>
+            <a:outerShdw blurRad="57150" dist="19050" dir="5400000" algn="ctr" rotWithShape="0">
+              <a:srgbClr val="000000">
+                <a:alpha val="63000"/>
+              </a:srgbClr>
+            </a:outerShdw>
+          </a:effectLst>
+        </a:effectStyle>
+      </a:effectStyleLst>
+      <a:bgFillStyleLst>
+        <a:solidFill>
+          <a:schemeClr val="phClr"/>
+        </a:solidFill>
+        <a:solidFill>
+          <a:schemeClr val="phClr">
+            <a:tint val="95000"/>
+            <a:satMod val="170000"/>
+          </a:schemeClr>
+        </a:solidFill>
+        <a:gradFill rotWithShape="1">
+          <a:gsLst>
+            <a:gs pos="0">
+              <a:schemeClr val="phClr">
+                <a:tint val="93000"/>
+                <a:satMod val="150000"/>
+                <a:shade val="98000"/>
+                <a:lumMod val="102000"/>
+              </a:schemeClr>
+            </a:gs>
+            <a:gs pos="50000">
+              <a:schemeClr val="phClr">
+                <a:tint val="98000"/>
+                <a:satMod val="130000"/>
+                <a:shade val="90000"/>
+                <a:lumMod val="103000"/>
+              </a:schemeClr>
+            </a:gs>
+            <a:gs pos="100000">
+              <a:schemeClr val="phClr">
+                <a:shade val="63000"/>
+                <a:satMod val="120000"/>
+              </a:schemeClr>
+            </a:gs>
+          </a:gsLst>
+          <a:lin ang="5400000" scaled="0"/>
+        </a:gradFill>
+      </a:bgFillStyleLst>
+    </a:fmtScheme>
+  </a:themeElements>
+  <a:objectDefaults/>
+  <a:extraClrSchemeLst/>
+  <a:extLst>
+    <a:ext uri="{05A4C25C-085E-4340-85A3-A5531E510DB2}">
+      <thm15:themeFamily xmlns:thm15="http://schemas.microsoft.com/office/thememl/2012/main" name="Office Theme" id="{62F939B6-93AF-4DB8-9C6B-D6C7DFDC589F}" vid="{4F46216B-77A9-411A-B9D3-5023FCB70208}"/>
+    </a:ext>
+  </a:extLst>
+</a:theme>
+</file>
+
+<file path=ppt/theme/theme2.xml><?xml version="1.0" encoding="utf-8"?>
 <a:theme xmlns:a="http://schemas.openxmlformats.org/drawingml/2006/main" name="Office 主题​​">
   <a:themeElements>
     <a:clrScheme name="Office">
